--- a/항만 내 선박 대기시간 예측(회귀)/프로젝트 제안서(220161105_최민화).pptx
+++ b/항만 내 선박 대기시간 예측(회귀)/프로젝트 제안서(220161105_최민화).pptx
@@ -259,7 +259,7 @@
             <a:fld id="{B8535F18-48CC-4A1D-9FF6-EB099217149D}" type="datetimeFigureOut">
               <a:rPr lang="ko-KR" altLang="en-US" smtClean="0"/>
               <a:pPr/>
-              <a:t>2024-10-20</a:t>
+              <a:t>2024-10-22</a:t>
             </a:fld>
             <a:endParaRPr lang="ko-KR" altLang="en-US"/>
           </a:p>
@@ -2329,7 +2329,7 @@
           <a:p>
             <a:fld id="{DD6A7A19-6BE8-4DE8-B2E0-E9C1517CE7C1}" type="datetime1">
               <a:rPr lang="ko-KR" altLang="en-US" smtClean="0"/>
-              <a:t>2024-10-20</a:t>
+              <a:t>2024-10-22</a:t>
             </a:fld>
             <a:endParaRPr lang="ko-KR" altLang="en-US"/>
           </a:p>
@@ -2501,7 +2501,7 @@
           <a:p>
             <a:fld id="{7FE6815B-59B0-4666-90AD-379A4D33DE99}" type="datetime1">
               <a:rPr lang="ko-KR" altLang="en-US" smtClean="0"/>
-              <a:t>2024-10-20</a:t>
+              <a:t>2024-10-22</a:t>
             </a:fld>
             <a:endParaRPr lang="ko-KR" altLang="en-US"/>
           </a:p>
@@ -2675,7 +2675,7 @@
           <a:p>
             <a:fld id="{36453407-A919-4EC1-9E9E-1CA011998132}" type="datetime1">
               <a:rPr lang="ko-KR" altLang="en-US" smtClean="0"/>
-              <a:t>2024-10-20</a:t>
+              <a:t>2024-10-22</a:t>
             </a:fld>
             <a:endParaRPr lang="ko-KR" altLang="en-US"/>
           </a:p>
@@ -2855,7 +2855,7 @@
           <a:p>
             <a:fld id="{C663991F-23CA-4990-8735-245BB593101D}" type="datetime1">
               <a:rPr lang="ko-KR" altLang="en-US" smtClean="0"/>
-              <a:t>2024-10-20</a:t>
+              <a:t>2024-10-22</a:t>
             </a:fld>
             <a:endParaRPr lang="ko-KR" altLang="en-US"/>
           </a:p>
@@ -3096,7 +3096,7 @@
           <a:p>
             <a:fld id="{837B242D-2937-4846-9911-94824D358897}" type="datetime1">
               <a:rPr lang="ko-KR" altLang="en-US" smtClean="0"/>
-              <a:t>2024-10-20</a:t>
+              <a:t>2024-10-22</a:t>
             </a:fld>
             <a:endParaRPr lang="ko-KR" altLang="en-US"/>
           </a:p>
@@ -3377,7 +3377,7 @@
           <a:p>
             <a:fld id="{2F833C45-BC65-40D9-A88C-48112EDA0075}" type="datetime1">
               <a:rPr lang="ko-KR" altLang="en-US" smtClean="0"/>
-              <a:t>2024-10-20</a:t>
+              <a:t>2024-10-22</a:t>
             </a:fld>
             <a:endParaRPr lang="ko-KR" altLang="en-US"/>
           </a:p>
@@ -3792,7 +3792,7 @@
           <a:p>
             <a:fld id="{318FCE4F-F497-4CED-895A-C7E17F89C10E}" type="datetime1">
               <a:rPr lang="ko-KR" altLang="en-US" smtClean="0"/>
-              <a:t>2024-10-20</a:t>
+              <a:t>2024-10-22</a:t>
             </a:fld>
             <a:endParaRPr lang="ko-KR" altLang="en-US"/>
           </a:p>
@@ -3905,7 +3905,7 @@
           <a:p>
             <a:fld id="{DC71363A-B88E-474C-B5DF-F4718D1802A6}" type="datetime1">
               <a:rPr lang="ko-KR" altLang="en-US" smtClean="0"/>
-              <a:t>2024-10-20</a:t>
+              <a:t>2024-10-22</a:t>
             </a:fld>
             <a:endParaRPr lang="ko-KR" altLang="en-US"/>
           </a:p>
@@ -3996,7 +3996,7 @@
           <a:p>
             <a:fld id="{F87FAD27-0123-4F30-A7F7-93EE4AE77DC0}" type="datetime1">
               <a:rPr lang="ko-KR" altLang="en-US" smtClean="0"/>
-              <a:t>2024-10-20</a:t>
+              <a:t>2024-10-22</a:t>
             </a:fld>
             <a:endParaRPr lang="ko-KR" altLang="en-US"/>
           </a:p>
@@ -4267,7 +4267,7 @@
           <a:p>
             <a:fld id="{4E71CB1F-103E-4BBB-A165-C736F5D5B8D6}" type="datetime1">
               <a:rPr lang="ko-KR" altLang="en-US" smtClean="0"/>
-              <a:t>2024-10-20</a:t>
+              <a:t>2024-10-22</a:t>
             </a:fld>
             <a:endParaRPr lang="ko-KR" altLang="en-US"/>
           </a:p>
@@ -4515,7 +4515,7 @@
           <a:p>
             <a:fld id="{3B922363-A9ED-4628-8E8A-118BB3829DBF}" type="datetime1">
               <a:rPr lang="ko-KR" altLang="en-US" smtClean="0"/>
-              <a:t>2024-10-20</a:t>
+              <a:t>2024-10-22</a:t>
             </a:fld>
             <a:endParaRPr lang="ko-KR" altLang="en-US"/>
           </a:p>
@@ -4722,7 +4722,7 @@
           <a:p>
             <a:fld id="{85565114-DEFD-48FA-AA5A-ECE2CE014FB2}" type="datetime1">
               <a:rPr lang="ko-KR" altLang="en-US" smtClean="0"/>
-              <a:t>2024-10-20</a:t>
+              <a:t>2024-10-22</a:t>
             </a:fld>
             <a:endParaRPr lang="ko-KR" altLang="en-US"/>
           </a:p>
@@ -5226,7 +5226,7 @@
           <a:p>
             <a:fld id="{C663991F-23CA-4990-8735-245BB593101D}" type="datetime1">
               <a:rPr lang="ko-KR" altLang="en-US" smtClean="0"/>
-              <a:t>2024-10-20</a:t>
+              <a:t>2024-10-22</a:t>
             </a:fld>
             <a:endParaRPr lang="ko-KR" altLang="en-US"/>
           </a:p>
@@ -5397,7 +5397,7 @@
           <a:p>
             <a:fld id="{C663991F-23CA-4990-8735-245BB593101D}" type="datetime1">
               <a:rPr lang="ko-KR" altLang="en-US" smtClean="0"/>
-              <a:t>2024-10-20</a:t>
+              <a:t>2024-10-22</a:t>
             </a:fld>
             <a:endParaRPr lang="ko-KR" altLang="en-US"/>
           </a:p>
@@ -5772,7 +5772,7 @@
           <a:p>
             <a:fld id="{C663991F-23CA-4990-8735-245BB593101D}" type="datetime1">
               <a:rPr lang="ko-KR" altLang="en-US" smtClean="0"/>
-              <a:t>2024-10-20</a:t>
+              <a:t>2024-10-22</a:t>
             </a:fld>
             <a:endParaRPr lang="ko-KR" altLang="en-US"/>
           </a:p>
@@ -6103,7 +6103,7 @@
           <a:p>
             <a:fld id="{C663991F-23CA-4990-8735-245BB593101D}" type="datetime1">
               <a:rPr lang="ko-KR" altLang="en-US" smtClean="0"/>
-              <a:t>2024-10-20</a:t>
+              <a:t>2024-10-22</a:t>
             </a:fld>
             <a:endParaRPr lang="ko-KR" altLang="en-US"/>
           </a:p>
@@ -6589,7 +6589,7 @@
           <a:p>
             <a:fld id="{C663991F-23CA-4990-8735-245BB593101D}" type="datetime1">
               <a:rPr lang="ko-KR" altLang="en-US" smtClean="0"/>
-              <a:t>2024-10-20</a:t>
+              <a:t>2024-10-22</a:t>
             </a:fld>
             <a:endParaRPr lang="ko-KR" altLang="en-US"/>
           </a:p>
@@ -7598,7 +7598,7 @@
           <a:p>
             <a:fld id="{C663991F-23CA-4990-8735-245BB593101D}" type="datetime1">
               <a:rPr lang="ko-KR" altLang="en-US" smtClean="0"/>
-              <a:t>2024-10-20</a:t>
+              <a:t>2024-10-22</a:t>
             </a:fld>
             <a:endParaRPr lang="ko-KR" altLang="en-US"/>
           </a:p>
@@ -7829,7 +7829,7 @@
           <a:p>
             <a:fld id="{C663991F-23CA-4990-8735-245BB593101D}" type="datetime1">
               <a:rPr lang="ko-KR" altLang="en-US" smtClean="0"/>
-              <a:t>2024-10-20</a:t>
+              <a:t>2024-10-22</a:t>
             </a:fld>
             <a:endParaRPr lang="ko-KR" altLang="en-US"/>
           </a:p>
@@ -8284,7 +8284,7 @@
           <a:p>
             <a:fld id="{C663991F-23CA-4990-8735-245BB593101D}" type="datetime1">
               <a:rPr lang="ko-KR" altLang="en-US" smtClean="0"/>
-              <a:t>2024-10-20</a:t>
+              <a:t>2024-10-22</a:t>
             </a:fld>
             <a:endParaRPr lang="ko-KR" altLang="en-US"/>
           </a:p>
@@ -8718,7 +8718,7 @@
           <a:p>
             <a:fld id="{C663991F-23CA-4990-8735-245BB593101D}" type="datetime1">
               <a:rPr lang="ko-KR" altLang="en-US" smtClean="0"/>
-              <a:t>2024-10-20</a:t>
+              <a:t>2024-10-22</a:t>
             </a:fld>
             <a:endParaRPr lang="ko-KR" altLang="en-US"/>
           </a:p>
@@ -9227,7 +9227,7 @@
           <a:p>
             <a:fld id="{C663991F-23CA-4990-8735-245BB593101D}" type="datetime1">
               <a:rPr lang="ko-KR" altLang="en-US" smtClean="0"/>
-              <a:t>2024-10-20</a:t>
+              <a:t>2024-10-22</a:t>
             </a:fld>
             <a:endParaRPr lang="ko-KR" altLang="en-US"/>
           </a:p>
@@ -9803,7 +9803,7 @@
           <a:p>
             <a:fld id="{C663991F-23CA-4990-8735-245BB593101D}" type="datetime1">
               <a:rPr lang="ko-KR" altLang="en-US" smtClean="0"/>
-              <a:t>2024-10-20</a:t>
+              <a:t>2024-10-22</a:t>
             </a:fld>
             <a:endParaRPr lang="ko-KR" altLang="en-US"/>
           </a:p>
@@ -10289,7 +10289,7 @@
           <a:p>
             <a:fld id="{C663991F-23CA-4990-8735-245BB593101D}" type="datetime1">
               <a:rPr lang="ko-KR" altLang="en-US" smtClean="0"/>
-              <a:t>2024-10-20</a:t>
+              <a:t>2024-10-22</a:t>
             </a:fld>
             <a:endParaRPr lang="ko-KR" altLang="en-US"/>
           </a:p>
@@ -10422,10 +10422,10 @@
       </p:grpSpPr>
       <p:grpSp>
         <p:nvGrpSpPr>
-          <p:cNvPr id="137" name="그룹 136">
+          <p:cNvPr id="38" name="그룹 37">
             <a:extLst>
               <a:ext uri="{FF2B5EF4-FFF2-40B4-BE49-F238E27FC236}">
-                <a16:creationId xmlns:a16="http://schemas.microsoft.com/office/drawing/2014/main" id="{DF0FEB61-2531-73D0-2928-EAE1F6AA92F5}"/>
+                <a16:creationId xmlns:a16="http://schemas.microsoft.com/office/drawing/2014/main" id="{05CDFF95-4279-CCAF-08BF-69F94DF4CB74}"/>
               </a:ext>
             </a:extLst>
           </p:cNvPr>
@@ -10434,18 +10434,18 @@
         </p:nvGrpSpPr>
         <p:grpSpPr>
           <a:xfrm>
-            <a:off x="900060" y="950285"/>
-            <a:ext cx="7037886" cy="5232670"/>
+            <a:off x="900059" y="950285"/>
+            <a:ext cx="7527477" cy="5232670"/>
             <a:chOff x="900060" y="950285"/>
             <a:chExt cx="7037886" cy="5232670"/>
           </a:xfrm>
         </p:grpSpPr>
         <p:grpSp>
           <p:nvGrpSpPr>
-            <p:cNvPr id="93" name="그룹 92">
+            <p:cNvPr id="137" name="그룹 136">
               <a:extLst>
                 <a:ext uri="{FF2B5EF4-FFF2-40B4-BE49-F238E27FC236}">
-                  <a16:creationId xmlns:a16="http://schemas.microsoft.com/office/drawing/2014/main" id="{08EF4311-75F5-4814-E5F9-86A150D2B4EA}"/>
+                  <a16:creationId xmlns:a16="http://schemas.microsoft.com/office/drawing/2014/main" id="{DF0FEB61-2531-73D0-2928-EAE1F6AA92F5}"/>
                 </a:ext>
               </a:extLst>
             </p:cNvPr>
@@ -10462,10 +10462,10 @@
           </p:grpSpPr>
           <p:grpSp>
             <p:nvGrpSpPr>
-              <p:cNvPr id="8" name="그룹 7">
+              <p:cNvPr id="93" name="그룹 92">
                 <a:extLst>
                   <a:ext uri="{FF2B5EF4-FFF2-40B4-BE49-F238E27FC236}">
-                    <a16:creationId xmlns:a16="http://schemas.microsoft.com/office/drawing/2014/main" id="{FC56641A-93F3-1B4C-D538-0B1D942B4928}"/>
+                    <a16:creationId xmlns:a16="http://schemas.microsoft.com/office/drawing/2014/main" id="{08EF4311-75F5-4814-E5F9-86A150D2B4EA}"/>
                   </a:ext>
                 </a:extLst>
               </p:cNvPr>
@@ -10476,346 +10476,16 @@
               <a:xfrm>
                 <a:off x="900060" y="950285"/>
                 <a:ext cx="7037886" cy="5232670"/>
-                <a:chOff x="900060" y="980728"/>
-                <a:chExt cx="7598459" cy="6965594"/>
+                <a:chOff x="900060" y="950285"/>
+                <a:chExt cx="7037886" cy="5232670"/>
               </a:xfrm>
             </p:grpSpPr>
-            <p:sp>
-              <p:nvSpPr>
-                <p:cNvPr id="6" name="사각형: 둥근 모서리 5">
+            <p:grpSp>
+              <p:nvGrpSpPr>
+                <p:cNvPr id="8" name="그룹 7">
                   <a:extLst>
                     <a:ext uri="{FF2B5EF4-FFF2-40B4-BE49-F238E27FC236}">
-                      <a16:creationId xmlns:a16="http://schemas.microsoft.com/office/drawing/2014/main" id="{7B4007AB-6FCF-4A91-73B3-A0D1E536B09C}"/>
-                    </a:ext>
-                  </a:extLst>
-                </p:cNvPr>
-                <p:cNvSpPr/>
-                <p:nvPr/>
-              </p:nvSpPr>
-              <p:spPr>
-                <a:xfrm>
-                  <a:off x="3485418" y="1531831"/>
-                  <a:ext cx="2407250" cy="6414491"/>
-                </a:xfrm>
-                <a:prstGeom prst="roundRect">
-                  <a:avLst>
-                    <a:gd name="adj" fmla="val 7163"/>
-                  </a:avLst>
-                </a:prstGeom>
-                <a:noFill/>
-                <a:ln w="6350">
-                  <a:solidFill>
-                    <a:schemeClr val="bg1">
-                      <a:lumMod val="65000"/>
-                    </a:schemeClr>
-                  </a:solidFill>
-                </a:ln>
-              </p:spPr>
-              <p:style>
-                <a:lnRef idx="2">
-                  <a:schemeClr val="accent1">
-                    <a:shade val="15000"/>
-                  </a:schemeClr>
-                </a:lnRef>
-                <a:fillRef idx="1">
-                  <a:schemeClr val="accent1"/>
-                </a:fillRef>
-                <a:effectRef idx="0">
-                  <a:schemeClr val="accent1"/>
-                </a:effectRef>
-                <a:fontRef idx="minor">
-                  <a:schemeClr val="lt1"/>
-                </a:fontRef>
-              </p:style>
-              <p:txBody>
-                <a:bodyPr rtlCol="0" anchor="ctr"/>
-                <a:lstStyle/>
-                <a:p>
-                  <a:pPr algn="ctr"/>
-                  <a:endParaRPr lang="en-US" altLang="ko-KR" sz="1600" dirty="0">
-                    <a:solidFill>
-                      <a:schemeClr val="tx1"/>
-                    </a:solidFill>
-                  </a:endParaRPr>
-                </a:p>
-              </p:txBody>
-            </p:sp>
-            <p:sp>
-              <p:nvSpPr>
-                <p:cNvPr id="16" name="사각형: 둥근 모서리 15">
-                  <a:extLst>
-                    <a:ext uri="{FF2B5EF4-FFF2-40B4-BE49-F238E27FC236}">
-                      <a16:creationId xmlns:a16="http://schemas.microsoft.com/office/drawing/2014/main" id="{8CD68442-DB20-8361-CE10-1FA952C50A97}"/>
-                    </a:ext>
-                  </a:extLst>
-                </p:cNvPr>
-                <p:cNvSpPr/>
-                <p:nvPr/>
-              </p:nvSpPr>
-              <p:spPr>
-                <a:xfrm>
-                  <a:off x="900060" y="980728"/>
-                  <a:ext cx="2386760" cy="6965594"/>
-                </a:xfrm>
-                <a:prstGeom prst="roundRect">
-                  <a:avLst>
-                    <a:gd name="adj" fmla="val 7771"/>
-                  </a:avLst>
-                </a:prstGeom>
-                <a:noFill/>
-                <a:ln w="6350">
-                  <a:solidFill>
-                    <a:schemeClr val="bg1">
-                      <a:lumMod val="65000"/>
-                    </a:schemeClr>
-                  </a:solidFill>
-                </a:ln>
-              </p:spPr>
-              <p:style>
-                <a:lnRef idx="2">
-                  <a:schemeClr val="accent1">
-                    <a:shade val="15000"/>
-                  </a:schemeClr>
-                </a:lnRef>
-                <a:fillRef idx="1">
-                  <a:schemeClr val="accent1"/>
-                </a:fillRef>
-                <a:effectRef idx="0">
-                  <a:schemeClr val="accent1"/>
-                </a:effectRef>
-                <a:fontRef idx="minor">
-                  <a:schemeClr val="lt1"/>
-                </a:fontRef>
-              </p:style>
-              <p:txBody>
-                <a:bodyPr rtlCol="0" anchor="ctr"/>
-                <a:lstStyle/>
-                <a:p>
-                  <a:pPr algn="ctr"/>
-                  <a:endParaRPr lang="en-US" altLang="ko-KR" sz="1600" dirty="0">
-                    <a:solidFill>
-                      <a:schemeClr val="tx1"/>
-                    </a:solidFill>
-                  </a:endParaRPr>
-                </a:p>
-              </p:txBody>
-            </p:sp>
-            <p:sp>
-              <p:nvSpPr>
-                <p:cNvPr id="10" name="화살표: 오각형 9">
-                  <a:extLst>
-                    <a:ext uri="{FF2B5EF4-FFF2-40B4-BE49-F238E27FC236}">
-                      <a16:creationId xmlns:a16="http://schemas.microsoft.com/office/drawing/2014/main" id="{F632992D-A58C-0647-8410-55E465D13921}"/>
-                    </a:ext>
-                  </a:extLst>
-                </p:cNvPr>
-                <p:cNvSpPr/>
-                <p:nvPr/>
-              </p:nvSpPr>
-              <p:spPr>
-                <a:xfrm>
-                  <a:off x="900060" y="980728"/>
-                  <a:ext cx="2753955" cy="706090"/>
-                </a:xfrm>
-                <a:prstGeom prst="homePlate">
-                  <a:avLst/>
-                </a:prstGeom>
-                <a:solidFill>
-                  <a:srgbClr val="002060"/>
-                </a:solidFill>
-                <a:ln>
-                  <a:solidFill>
-                    <a:srgbClr val="002060"/>
-                  </a:solidFill>
-                </a:ln>
-              </p:spPr>
-              <p:style>
-                <a:lnRef idx="2">
-                  <a:schemeClr val="accent1">
-                    <a:shade val="15000"/>
-                  </a:schemeClr>
-                </a:lnRef>
-                <a:fillRef idx="1">
-                  <a:schemeClr val="accent1"/>
-                </a:fillRef>
-                <a:effectRef idx="0">
-                  <a:schemeClr val="accent1"/>
-                </a:effectRef>
-                <a:fontRef idx="minor">
-                  <a:schemeClr val="lt1"/>
-                </a:fontRef>
-              </p:style>
-              <p:txBody>
-                <a:bodyPr rtlCol="0" anchor="ctr"/>
-                <a:lstStyle/>
-                <a:p>
-                  <a:pPr algn="ctr"/>
-                  <a:r>
-                    <a:rPr lang="en-US" altLang="ko-KR" sz="1600" b="1" dirty="0"/>
-                    <a:t>Data collection </a:t>
-                  </a:r>
-                </a:p>
-                <a:p>
-                  <a:pPr algn="ctr"/>
-                  <a:r>
-                    <a:rPr lang="en-US" altLang="ko-KR" sz="1600" b="1" dirty="0"/>
-                    <a:t>and preprocessing</a:t>
-                  </a:r>
-                  <a:endParaRPr lang="ko-KR" altLang="en-US" sz="1600" b="1" dirty="0"/>
-                </a:p>
-              </p:txBody>
-            </p:sp>
-            <p:sp>
-              <p:nvSpPr>
-                <p:cNvPr id="11" name="화살표: 갈매기형 수장 10">
-                  <a:extLst>
-                    <a:ext uri="{FF2B5EF4-FFF2-40B4-BE49-F238E27FC236}">
-                      <a16:creationId xmlns:a16="http://schemas.microsoft.com/office/drawing/2014/main" id="{6F837EA3-8831-6301-4876-B288C08D5384}"/>
-                    </a:ext>
-                  </a:extLst>
-                </p:cNvPr>
-                <p:cNvSpPr/>
-                <p:nvPr/>
-              </p:nvSpPr>
-              <p:spPr>
-                <a:xfrm>
-                  <a:off x="3485418" y="980728"/>
-                  <a:ext cx="2753955" cy="706090"/>
-                </a:xfrm>
-                <a:prstGeom prst="chevron">
-                  <a:avLst/>
-                </a:prstGeom>
-                <a:solidFill>
-                  <a:srgbClr val="002060"/>
-                </a:solidFill>
-                <a:ln>
-                  <a:solidFill>
-                    <a:srgbClr val="002060"/>
-                  </a:solidFill>
-                </a:ln>
-              </p:spPr>
-              <p:style>
-                <a:lnRef idx="2">
-                  <a:schemeClr val="accent1">
-                    <a:shade val="15000"/>
-                  </a:schemeClr>
-                </a:lnRef>
-                <a:fillRef idx="1">
-                  <a:schemeClr val="accent1"/>
-                </a:fillRef>
-                <a:effectRef idx="0">
-                  <a:schemeClr val="accent1"/>
-                </a:effectRef>
-                <a:fontRef idx="minor">
-                  <a:schemeClr val="lt1"/>
-                </a:fontRef>
-              </p:style>
-              <p:txBody>
-                <a:bodyPr rtlCol="0" anchor="ctr"/>
-                <a:lstStyle/>
-                <a:p>
-                  <a:pPr algn="ctr"/>
-                  <a:r>
-                    <a:rPr lang="en-US" altLang="ko-KR" sz="1600" b="1" dirty="0">
-                      <a:solidFill>
-                        <a:schemeClr val="bg1"/>
-                      </a:solidFill>
-                    </a:rPr>
-                    <a:t>Modeling </a:t>
-                  </a:r>
-                </a:p>
-                <a:p>
-                  <a:pPr algn="ctr"/>
-                  <a:r>
-                    <a:rPr lang="en-US" altLang="ko-KR" sz="1600" b="1" dirty="0">
-                      <a:solidFill>
-                        <a:schemeClr val="bg1"/>
-                      </a:solidFill>
-                    </a:rPr>
-                    <a:t>and evaluation</a:t>
-                  </a:r>
-                  <a:endParaRPr lang="ko-KR" altLang="en-US" sz="1600" b="1" dirty="0">
-                    <a:solidFill>
-                      <a:schemeClr val="bg1"/>
-                    </a:solidFill>
-                  </a:endParaRPr>
-                </a:p>
-              </p:txBody>
-            </p:sp>
-            <p:sp>
-              <p:nvSpPr>
-                <p:cNvPr id="7" name="사각형: 둥근 모서리 6">
-                  <a:extLst>
-                    <a:ext uri="{FF2B5EF4-FFF2-40B4-BE49-F238E27FC236}">
-                      <a16:creationId xmlns:a16="http://schemas.microsoft.com/office/drawing/2014/main" id="{4267EF6F-451E-70D8-50C3-ED81517A4F69}"/>
-                    </a:ext>
-                  </a:extLst>
-                </p:cNvPr>
-                <p:cNvSpPr/>
-                <p:nvPr/>
-              </p:nvSpPr>
-              <p:spPr>
-                <a:xfrm>
-                  <a:off x="6091267" y="1531827"/>
-                  <a:ext cx="2407250" cy="6414489"/>
-                </a:xfrm>
-                <a:prstGeom prst="roundRect">
-                  <a:avLst>
-                    <a:gd name="adj" fmla="val 7771"/>
-                  </a:avLst>
-                </a:prstGeom>
-                <a:noFill/>
-                <a:ln w="6350">
-                  <a:solidFill>
-                    <a:schemeClr val="bg1">
-                      <a:lumMod val="65000"/>
-                    </a:schemeClr>
-                  </a:solidFill>
-                </a:ln>
-              </p:spPr>
-              <p:style>
-                <a:lnRef idx="2">
-                  <a:schemeClr val="accent1">
-                    <a:shade val="15000"/>
-                  </a:schemeClr>
-                </a:lnRef>
-                <a:fillRef idx="1">
-                  <a:schemeClr val="accent1"/>
-                </a:fillRef>
-                <a:effectRef idx="0">
-                  <a:schemeClr val="accent1"/>
-                </a:effectRef>
-                <a:fontRef idx="minor">
-                  <a:schemeClr val="lt1"/>
-                </a:fontRef>
-              </p:style>
-              <p:txBody>
-                <a:bodyPr rtlCol="0" anchor="ctr"/>
-                <a:lstStyle/>
-                <a:p>
-                  <a:pPr algn="ctr"/>
-                  <a:endParaRPr lang="en-US" altLang="ko-KR" sz="1600" dirty="0">
-                    <a:solidFill>
-                      <a:schemeClr val="tx1"/>
-                    </a:solidFill>
-                  </a:endParaRPr>
-                </a:p>
-                <a:p>
-                  <a:pPr algn="ctr"/>
-                  <a:endParaRPr lang="en-US" altLang="ko-KR" sz="1600" dirty="0">
-                    <a:solidFill>
-                      <a:schemeClr val="tx1"/>
-                    </a:solidFill>
-                  </a:endParaRPr>
-                </a:p>
-              </p:txBody>
-            </p:sp>
-            <p:grpSp>
-              <p:nvGrpSpPr>
-                <p:cNvPr id="15" name="그룹 14">
-                  <a:extLst>
-                    <a:ext uri="{FF2B5EF4-FFF2-40B4-BE49-F238E27FC236}">
-                      <a16:creationId xmlns:a16="http://schemas.microsoft.com/office/drawing/2014/main" id="{5DE92639-7477-D7FC-AB34-BD11819F991C}"/>
+                      <a16:creationId xmlns:a16="http://schemas.microsoft.com/office/drawing/2014/main" id="{FC56641A-93F3-1B4C-D538-0B1D942B4928}"/>
                     </a:ext>
                   </a:extLst>
                 </p:cNvPr>
@@ -10824,18 +10494,18 @@
               </p:nvGrpSpPr>
               <p:grpSpPr>
                 <a:xfrm>
-                  <a:off x="6070778" y="980728"/>
-                  <a:ext cx="2427741" cy="706090"/>
-                  <a:chOff x="6070776" y="980728"/>
-                  <a:chExt cx="2753956" cy="706090"/>
+                  <a:off x="900060" y="950285"/>
+                  <a:ext cx="7037886" cy="5232670"/>
+                  <a:chOff x="900060" y="980728"/>
+                  <a:chExt cx="7598459" cy="6965594"/>
                 </a:xfrm>
               </p:grpSpPr>
               <p:sp>
                 <p:nvSpPr>
-                  <p:cNvPr id="13" name="화살표: 갈매기형 수장 12">
+                  <p:cNvPr id="6" name="사각형: 둥근 모서리 5">
                     <a:extLst>
                       <a:ext uri="{FF2B5EF4-FFF2-40B4-BE49-F238E27FC236}">
-                        <a16:creationId xmlns:a16="http://schemas.microsoft.com/office/drawing/2014/main" id="{A13DFB95-209B-4CA8-0FB7-053896809B40}"/>
+                        <a16:creationId xmlns:a16="http://schemas.microsoft.com/office/drawing/2014/main" id="{7B4007AB-6FCF-4A91-73B3-A0D1E536B09C}"/>
                       </a:ext>
                     </a:extLst>
                   </p:cNvPr>
@@ -10844,8 +10514,193 @@
                 </p:nvSpPr>
                 <p:spPr>
                   <a:xfrm>
-                    <a:off x="6070776" y="980728"/>
-                    <a:ext cx="2753956" cy="706090"/>
+                    <a:off x="3485418" y="1531831"/>
+                    <a:ext cx="2407250" cy="6414491"/>
+                  </a:xfrm>
+                  <a:prstGeom prst="roundRect">
+                    <a:avLst>
+                      <a:gd name="adj" fmla="val 7163"/>
+                    </a:avLst>
+                  </a:prstGeom>
+                  <a:noFill/>
+                  <a:ln w="6350">
+                    <a:solidFill>
+                      <a:schemeClr val="bg1">
+                        <a:lumMod val="65000"/>
+                      </a:schemeClr>
+                    </a:solidFill>
+                  </a:ln>
+                </p:spPr>
+                <p:style>
+                  <a:lnRef idx="2">
+                    <a:schemeClr val="accent1">
+                      <a:shade val="15000"/>
+                    </a:schemeClr>
+                  </a:lnRef>
+                  <a:fillRef idx="1">
+                    <a:schemeClr val="accent1"/>
+                  </a:fillRef>
+                  <a:effectRef idx="0">
+                    <a:schemeClr val="accent1"/>
+                  </a:effectRef>
+                  <a:fontRef idx="minor">
+                    <a:schemeClr val="lt1"/>
+                  </a:fontRef>
+                </p:style>
+                <p:txBody>
+                  <a:bodyPr rtlCol="0" anchor="ctr"/>
+                  <a:lstStyle/>
+                  <a:p>
+                    <a:pPr algn="ctr"/>
+                    <a:endParaRPr lang="en-US" altLang="ko-KR" sz="1600" dirty="0">
+                      <a:solidFill>
+                        <a:schemeClr val="tx1"/>
+                      </a:solidFill>
+                    </a:endParaRPr>
+                  </a:p>
+                </p:txBody>
+              </p:sp>
+              <p:sp>
+                <p:nvSpPr>
+                  <p:cNvPr id="16" name="사각형: 둥근 모서리 15">
+                    <a:extLst>
+                      <a:ext uri="{FF2B5EF4-FFF2-40B4-BE49-F238E27FC236}">
+                        <a16:creationId xmlns:a16="http://schemas.microsoft.com/office/drawing/2014/main" id="{8CD68442-DB20-8361-CE10-1FA952C50A97}"/>
+                      </a:ext>
+                    </a:extLst>
+                  </p:cNvPr>
+                  <p:cNvSpPr/>
+                  <p:nvPr/>
+                </p:nvSpPr>
+                <p:spPr>
+                  <a:xfrm>
+                    <a:off x="900060" y="980728"/>
+                    <a:ext cx="2386760" cy="6965594"/>
+                  </a:xfrm>
+                  <a:prstGeom prst="roundRect">
+                    <a:avLst>
+                      <a:gd name="adj" fmla="val 7771"/>
+                    </a:avLst>
+                  </a:prstGeom>
+                  <a:noFill/>
+                  <a:ln w="6350">
+                    <a:solidFill>
+                      <a:schemeClr val="bg1">
+                        <a:lumMod val="65000"/>
+                      </a:schemeClr>
+                    </a:solidFill>
+                  </a:ln>
+                </p:spPr>
+                <p:style>
+                  <a:lnRef idx="2">
+                    <a:schemeClr val="accent1">
+                      <a:shade val="15000"/>
+                    </a:schemeClr>
+                  </a:lnRef>
+                  <a:fillRef idx="1">
+                    <a:schemeClr val="accent1"/>
+                  </a:fillRef>
+                  <a:effectRef idx="0">
+                    <a:schemeClr val="accent1"/>
+                  </a:effectRef>
+                  <a:fontRef idx="minor">
+                    <a:schemeClr val="lt1"/>
+                  </a:fontRef>
+                </p:style>
+                <p:txBody>
+                  <a:bodyPr rtlCol="0" anchor="ctr"/>
+                  <a:lstStyle/>
+                  <a:p>
+                    <a:pPr algn="ctr"/>
+                    <a:endParaRPr lang="en-US" altLang="ko-KR" sz="1600" dirty="0">
+                      <a:solidFill>
+                        <a:schemeClr val="tx1"/>
+                      </a:solidFill>
+                    </a:endParaRPr>
+                  </a:p>
+                </p:txBody>
+              </p:sp>
+              <p:sp>
+                <p:nvSpPr>
+                  <p:cNvPr id="10" name="화살표: 오각형 9">
+                    <a:extLst>
+                      <a:ext uri="{FF2B5EF4-FFF2-40B4-BE49-F238E27FC236}">
+                        <a16:creationId xmlns:a16="http://schemas.microsoft.com/office/drawing/2014/main" id="{F632992D-A58C-0647-8410-55E465D13921}"/>
+                      </a:ext>
+                    </a:extLst>
+                  </p:cNvPr>
+                  <p:cNvSpPr/>
+                  <p:nvPr/>
+                </p:nvSpPr>
+                <p:spPr>
+                  <a:xfrm>
+                    <a:off x="900060" y="980728"/>
+                    <a:ext cx="2753955" cy="706090"/>
+                  </a:xfrm>
+                  <a:prstGeom prst="homePlate">
+                    <a:avLst/>
+                  </a:prstGeom>
+                  <a:solidFill>
+                    <a:srgbClr val="002060"/>
+                  </a:solidFill>
+                  <a:ln>
+                    <a:solidFill>
+                      <a:srgbClr val="002060"/>
+                    </a:solidFill>
+                  </a:ln>
+                </p:spPr>
+                <p:style>
+                  <a:lnRef idx="2">
+                    <a:schemeClr val="accent1">
+                      <a:shade val="15000"/>
+                    </a:schemeClr>
+                  </a:lnRef>
+                  <a:fillRef idx="1">
+                    <a:schemeClr val="accent1"/>
+                  </a:fillRef>
+                  <a:effectRef idx="0">
+                    <a:schemeClr val="accent1"/>
+                  </a:effectRef>
+                  <a:fontRef idx="minor">
+                    <a:schemeClr val="lt1"/>
+                  </a:fontRef>
+                </p:style>
+                <p:txBody>
+                  <a:bodyPr rtlCol="0" anchor="ctr"/>
+                  <a:lstStyle/>
+                  <a:p>
+                    <a:pPr algn="ctr"/>
+                    <a:r>
+                      <a:rPr lang="en-US" altLang="ko-KR" sz="1600" b="1" dirty="0"/>
+                      <a:t>Data collection </a:t>
+                    </a:r>
+                  </a:p>
+                  <a:p>
+                    <a:pPr algn="ctr"/>
+                    <a:r>
+                      <a:rPr lang="en-US" altLang="ko-KR" sz="1600" b="1" dirty="0"/>
+                      <a:t>and preprocessing</a:t>
+                    </a:r>
+                    <a:endParaRPr lang="ko-KR" altLang="en-US" sz="1600" b="1" dirty="0"/>
+                  </a:p>
+                </p:txBody>
+              </p:sp>
+              <p:sp>
+                <p:nvSpPr>
+                  <p:cNvPr id="11" name="화살표: 갈매기형 수장 10">
+                    <a:extLst>
+                      <a:ext uri="{FF2B5EF4-FFF2-40B4-BE49-F238E27FC236}">
+                        <a16:creationId xmlns:a16="http://schemas.microsoft.com/office/drawing/2014/main" id="{6F837EA3-8831-6301-4876-B288C08D5384}"/>
+                      </a:ext>
+                    </a:extLst>
+                  </p:cNvPr>
+                  <p:cNvSpPr/>
+                  <p:nvPr/>
+                </p:nvSpPr>
+                <p:spPr>
+                  <a:xfrm>
+                    <a:off x="3485418" y="980728"/>
+                    <a:ext cx="2753955" cy="706090"/>
                   </a:xfrm>
                   <a:prstGeom prst="chevron">
                     <a:avLst/>
@@ -10886,7 +10741,7 @@
                           <a:schemeClr val="bg1"/>
                         </a:solidFill>
                       </a:rPr>
-                      <a:t>Model selection </a:t>
+                      <a:t>Modeling </a:t>
                     </a:r>
                   </a:p>
                   <a:p>
@@ -10897,7 +10752,7 @@
                           <a:schemeClr val="bg1"/>
                         </a:solidFill>
                       </a:rPr>
-                      <a:t>And optimization</a:t>
+                      <a:t>and evaluation</a:t>
                     </a:r>
                     <a:endParaRPr lang="ko-KR" altLang="en-US" sz="1600" b="1" dirty="0">
                       <a:solidFill>
@@ -10909,10 +10764,10 @@
               </p:sp>
               <p:sp>
                 <p:nvSpPr>
-                  <p:cNvPr id="14" name="순서도: 처리 13">
+                  <p:cNvPr id="7" name="사각형: 둥근 모서리 6">
                     <a:extLst>
                       <a:ext uri="{FF2B5EF4-FFF2-40B4-BE49-F238E27FC236}">
-                        <a16:creationId xmlns:a16="http://schemas.microsoft.com/office/drawing/2014/main" id="{2FAC19AC-25CE-9F81-E9AE-C362DD784AF9}"/>
+                        <a16:creationId xmlns:a16="http://schemas.microsoft.com/office/drawing/2014/main" id="{4267EF6F-451E-70D8-50C3-ED81517A4F69}"/>
                       </a:ext>
                     </a:extLst>
                   </p:cNvPr>
@@ -10921,18 +10776,404 @@
                 </p:nvSpPr>
                 <p:spPr>
                   <a:xfrm>
-                    <a:off x="8461806" y="980728"/>
-                    <a:ext cx="362925" cy="706090"/>
+                    <a:off x="6091267" y="1531827"/>
+                    <a:ext cx="2407250" cy="6414489"/>
                   </a:xfrm>
-                  <a:prstGeom prst="flowChartProcess">
+                  <a:prstGeom prst="roundRect">
+                    <a:avLst>
+                      <a:gd name="adj" fmla="val 7771"/>
+                    </a:avLst>
+                  </a:prstGeom>
+                  <a:noFill/>
+                  <a:ln w="6350">
+                    <a:solidFill>
+                      <a:schemeClr val="bg1">
+                        <a:lumMod val="65000"/>
+                      </a:schemeClr>
+                    </a:solidFill>
+                  </a:ln>
+                </p:spPr>
+                <p:style>
+                  <a:lnRef idx="2">
+                    <a:schemeClr val="accent1">
+                      <a:shade val="15000"/>
+                    </a:schemeClr>
+                  </a:lnRef>
+                  <a:fillRef idx="1">
+                    <a:schemeClr val="accent1"/>
+                  </a:fillRef>
+                  <a:effectRef idx="0">
+                    <a:schemeClr val="accent1"/>
+                  </a:effectRef>
+                  <a:fontRef idx="minor">
+                    <a:schemeClr val="lt1"/>
+                  </a:fontRef>
+                </p:style>
+                <p:txBody>
+                  <a:bodyPr rtlCol="0" anchor="ctr"/>
+                  <a:lstStyle/>
+                  <a:p>
+                    <a:pPr algn="ctr"/>
+                    <a:endParaRPr lang="en-US" altLang="ko-KR" sz="1600" dirty="0">
+                      <a:solidFill>
+                        <a:schemeClr val="tx1"/>
+                      </a:solidFill>
+                    </a:endParaRPr>
+                  </a:p>
+                  <a:p>
+                    <a:pPr algn="ctr"/>
+                    <a:endParaRPr lang="en-US" altLang="ko-KR" sz="1600" dirty="0">
+                      <a:solidFill>
+                        <a:schemeClr val="tx1"/>
+                      </a:solidFill>
+                    </a:endParaRPr>
+                  </a:p>
+                </p:txBody>
+              </p:sp>
+              <p:grpSp>
+                <p:nvGrpSpPr>
+                  <p:cNvPr id="15" name="그룹 14">
+                    <a:extLst>
+                      <a:ext uri="{FF2B5EF4-FFF2-40B4-BE49-F238E27FC236}">
+                        <a16:creationId xmlns:a16="http://schemas.microsoft.com/office/drawing/2014/main" id="{5DE92639-7477-D7FC-AB34-BD11819F991C}"/>
+                      </a:ext>
+                    </a:extLst>
+                  </p:cNvPr>
+                  <p:cNvGrpSpPr/>
+                  <p:nvPr/>
+                </p:nvGrpSpPr>
+                <p:grpSpPr>
+                  <a:xfrm>
+                    <a:off x="6070778" y="980728"/>
+                    <a:ext cx="2427741" cy="706090"/>
+                    <a:chOff x="6070776" y="980728"/>
+                    <a:chExt cx="2753956" cy="706090"/>
+                  </a:xfrm>
+                </p:grpSpPr>
+                <p:sp>
+                  <p:nvSpPr>
+                    <p:cNvPr id="13" name="화살표: 갈매기형 수장 12">
+                      <a:extLst>
+                        <a:ext uri="{FF2B5EF4-FFF2-40B4-BE49-F238E27FC236}">
+                          <a16:creationId xmlns:a16="http://schemas.microsoft.com/office/drawing/2014/main" id="{A13DFB95-209B-4CA8-0FB7-053896809B40}"/>
+                        </a:ext>
+                      </a:extLst>
+                    </p:cNvPr>
+                    <p:cNvSpPr/>
+                    <p:nvPr/>
+                  </p:nvSpPr>
+                  <p:spPr>
+                    <a:xfrm>
+                      <a:off x="6070776" y="980728"/>
+                      <a:ext cx="2753956" cy="706090"/>
+                    </a:xfrm>
+                    <a:prstGeom prst="chevron">
+                      <a:avLst/>
+                    </a:prstGeom>
+                    <a:solidFill>
+                      <a:srgbClr val="002060"/>
+                    </a:solidFill>
+                    <a:ln>
+                      <a:solidFill>
+                        <a:srgbClr val="002060"/>
+                      </a:solidFill>
+                    </a:ln>
+                  </p:spPr>
+                  <p:style>
+                    <a:lnRef idx="2">
+                      <a:schemeClr val="accent1">
+                        <a:shade val="15000"/>
+                      </a:schemeClr>
+                    </a:lnRef>
+                    <a:fillRef idx="1">
+                      <a:schemeClr val="accent1"/>
+                    </a:fillRef>
+                    <a:effectRef idx="0">
+                      <a:schemeClr val="accent1"/>
+                    </a:effectRef>
+                    <a:fontRef idx="minor">
+                      <a:schemeClr val="lt1"/>
+                    </a:fontRef>
+                  </p:style>
+                  <p:txBody>
+                    <a:bodyPr rtlCol="0" anchor="ctr"/>
+                    <a:lstStyle/>
+                    <a:p>
+                      <a:pPr algn="ctr"/>
+                      <a:r>
+                        <a:rPr lang="en-US" altLang="ko-KR" sz="1600" b="1" dirty="0">
+                          <a:solidFill>
+                            <a:schemeClr val="bg1"/>
+                          </a:solidFill>
+                        </a:rPr>
+                        <a:t>Model selection </a:t>
+                      </a:r>
+                    </a:p>
+                    <a:p>
+                      <a:pPr algn="ctr"/>
+                      <a:r>
+                        <a:rPr lang="en-US" altLang="ko-KR" sz="1600" b="1" dirty="0">
+                          <a:solidFill>
+                            <a:schemeClr val="bg1"/>
+                          </a:solidFill>
+                        </a:rPr>
+                        <a:t>And optimization</a:t>
+                      </a:r>
+                      <a:endParaRPr lang="ko-KR" altLang="en-US" sz="1600" b="1" dirty="0">
+                        <a:solidFill>
+                          <a:schemeClr val="bg1"/>
+                        </a:solidFill>
+                      </a:endParaRPr>
+                    </a:p>
+                  </p:txBody>
+                </p:sp>
+                <p:sp>
+                  <p:nvSpPr>
+                    <p:cNvPr id="14" name="순서도: 처리 13">
+                      <a:extLst>
+                        <a:ext uri="{FF2B5EF4-FFF2-40B4-BE49-F238E27FC236}">
+                          <a16:creationId xmlns:a16="http://schemas.microsoft.com/office/drawing/2014/main" id="{2FAC19AC-25CE-9F81-E9AE-C362DD784AF9}"/>
+                        </a:ext>
+                      </a:extLst>
+                    </p:cNvPr>
+                    <p:cNvSpPr/>
+                    <p:nvPr/>
+                  </p:nvSpPr>
+                  <p:spPr>
+                    <a:xfrm>
+                      <a:off x="8461806" y="980728"/>
+                      <a:ext cx="362925" cy="706090"/>
+                    </a:xfrm>
+                    <a:prstGeom prst="flowChartProcess">
+                      <a:avLst/>
+                    </a:prstGeom>
+                    <a:solidFill>
+                      <a:srgbClr val="002060"/>
+                    </a:solidFill>
+                    <a:ln>
+                      <a:solidFill>
+                        <a:srgbClr val="002060"/>
+                      </a:solidFill>
+                    </a:ln>
+                  </p:spPr>
+                  <p:style>
+                    <a:lnRef idx="2">
+                      <a:schemeClr val="accent1">
+                        <a:shade val="15000"/>
+                      </a:schemeClr>
+                    </a:lnRef>
+                    <a:fillRef idx="1">
+                      <a:schemeClr val="accent1"/>
+                    </a:fillRef>
+                    <a:effectRef idx="0">
+                      <a:schemeClr val="accent1"/>
+                    </a:effectRef>
+                    <a:fontRef idx="minor">
+                      <a:schemeClr val="lt1"/>
+                    </a:fontRef>
+                  </p:style>
+                  <p:txBody>
+                    <a:bodyPr rtlCol="0" anchor="ctr"/>
+                    <a:lstStyle/>
+                    <a:p>
+                      <a:pPr algn="ctr"/>
+                      <a:endParaRPr lang="ko-KR" altLang="en-US" sz="1600" dirty="0"/>
+                    </a:p>
+                  </p:txBody>
+                </p:sp>
+              </p:grpSp>
+            </p:grpSp>
+            <p:sp>
+              <p:nvSpPr>
+                <p:cNvPr id="17" name="순서도: 대체 처리 16">
+                  <a:extLst>
+                    <a:ext uri="{FF2B5EF4-FFF2-40B4-BE49-F238E27FC236}">
+                      <a16:creationId xmlns:a16="http://schemas.microsoft.com/office/drawing/2014/main" id="{19411501-7221-141A-F533-DF8BCE92D5BD}"/>
+                    </a:ext>
+                  </a:extLst>
+                </p:cNvPr>
+                <p:cNvSpPr/>
+                <p:nvPr/>
+              </p:nvSpPr>
+              <p:spPr>
+                <a:xfrm>
+                  <a:off x="1103819" y="1837826"/>
+                  <a:ext cx="1803159" cy="406313"/>
+                </a:xfrm>
+                <a:prstGeom prst="flowChartAlternateProcess">
+                  <a:avLst/>
+                </a:prstGeom>
+                <a:solidFill>
+                  <a:schemeClr val="tx2">
+                    <a:lumMod val="20000"/>
+                    <a:lumOff val="80000"/>
+                  </a:schemeClr>
+                </a:solidFill>
+                <a:ln>
+                  <a:noFill/>
+                </a:ln>
+              </p:spPr>
+              <p:style>
+                <a:lnRef idx="2">
+                  <a:schemeClr val="accent1">
+                    <a:shade val="15000"/>
+                  </a:schemeClr>
+                </a:lnRef>
+                <a:fillRef idx="1">
+                  <a:schemeClr val="accent1"/>
+                </a:fillRef>
+                <a:effectRef idx="0">
+                  <a:schemeClr val="accent1"/>
+                </a:effectRef>
+                <a:fontRef idx="minor">
+                  <a:schemeClr val="lt1"/>
+                </a:fontRef>
+              </p:style>
+              <p:txBody>
+                <a:bodyPr rtlCol="0" anchor="ctr"/>
+                <a:lstStyle/>
+                <a:p>
+                  <a:pPr algn="ctr"/>
+                  <a:r>
+                    <a:rPr lang="en-US" altLang="ko-KR" sz="1600" b="0" i="0" dirty="0">
+                      <a:solidFill>
+                        <a:srgbClr val="000000"/>
+                      </a:solidFill>
+                      <a:effectLst/>
+                      <a:latin typeface="noto"/>
+                    </a:rPr>
+                    <a:t>Preparing data</a:t>
+                  </a:r>
+                  <a:endParaRPr lang="ko-KR" altLang="en-US" sz="1600" dirty="0"/>
+                </a:p>
+              </p:txBody>
+            </p:sp>
+            <p:sp>
+              <p:nvSpPr>
+                <p:cNvPr id="18" name="순서도: 대체 처리 17">
+                  <a:extLst>
+                    <a:ext uri="{FF2B5EF4-FFF2-40B4-BE49-F238E27FC236}">
+                      <a16:creationId xmlns:a16="http://schemas.microsoft.com/office/drawing/2014/main" id="{F09C5881-4B69-7B34-8FDA-0778F8517DA3}"/>
+                    </a:ext>
+                  </a:extLst>
+                </p:cNvPr>
+                <p:cNvSpPr/>
+                <p:nvPr/>
+              </p:nvSpPr>
+              <p:spPr>
+                <a:xfrm>
+                  <a:off x="1103819" y="2372647"/>
+                  <a:ext cx="1803159" cy="482959"/>
+                </a:xfrm>
+                <a:prstGeom prst="flowChartAlternateProcess">
+                  <a:avLst/>
+                </a:prstGeom>
+                <a:solidFill>
+                  <a:schemeClr val="tx2">
+                    <a:lumMod val="20000"/>
+                    <a:lumOff val="80000"/>
+                  </a:schemeClr>
+                </a:solidFill>
+                <a:ln>
+                  <a:noFill/>
+                </a:ln>
+              </p:spPr>
+              <p:style>
+                <a:lnRef idx="2">
+                  <a:schemeClr val="accent1">
+                    <a:shade val="15000"/>
+                  </a:schemeClr>
+                </a:lnRef>
+                <a:fillRef idx="1">
+                  <a:schemeClr val="accent1"/>
+                </a:fillRef>
+                <a:effectRef idx="0">
+                  <a:schemeClr val="accent1"/>
+                </a:effectRef>
+                <a:fontRef idx="minor">
+                  <a:schemeClr val="lt1"/>
+                </a:fontRef>
+              </p:style>
+              <p:txBody>
+                <a:bodyPr rtlCol="0" anchor="ctr"/>
+                <a:lstStyle/>
+                <a:p>
+                  <a:pPr algn="ctr"/>
+                  <a:r>
+                    <a:rPr lang="en-US" altLang="ko-KR" sz="1600" b="0" i="0" dirty="0">
+                      <a:solidFill>
+                        <a:srgbClr val="000000"/>
+                      </a:solidFill>
+                      <a:effectLst/>
+                      <a:latin typeface="noto"/>
+                    </a:rPr>
+                    <a:t>Remove missing </a:t>
+                  </a:r>
+                </a:p>
+                <a:p>
+                  <a:pPr algn="ctr"/>
+                  <a:r>
+                    <a:rPr lang="en-US" altLang="ko-KR" sz="1600" b="0" i="0" dirty="0">
+                      <a:solidFill>
+                        <a:srgbClr val="000000"/>
+                      </a:solidFill>
+                      <a:effectLst/>
+                      <a:latin typeface="noto"/>
+                    </a:rPr>
+                    <a:t>and outliers</a:t>
+                  </a:r>
+                  <a:endParaRPr lang="ko-KR" altLang="en-US" sz="1600" dirty="0"/>
+                </a:p>
+              </p:txBody>
+            </p:sp>
+            <p:grpSp>
+              <p:nvGrpSpPr>
+                <p:cNvPr id="24" name="그룹 23">
+                  <a:extLst>
+                    <a:ext uri="{FF2B5EF4-FFF2-40B4-BE49-F238E27FC236}">
+                      <a16:creationId xmlns:a16="http://schemas.microsoft.com/office/drawing/2014/main" id="{6323210B-5D96-74A0-D537-BB50102E2FE0}"/>
+                    </a:ext>
+                  </a:extLst>
+                </p:cNvPr>
+                <p:cNvGrpSpPr/>
+                <p:nvPr/>
+              </p:nvGrpSpPr>
+              <p:grpSpPr>
+                <a:xfrm>
+                  <a:off x="1011846" y="2984114"/>
+                  <a:ext cx="1987105" cy="973996"/>
+                  <a:chOff x="980741" y="2400092"/>
+                  <a:chExt cx="1434171" cy="733518"/>
+                </a:xfrm>
+              </p:grpSpPr>
+              <p:sp>
+                <p:nvSpPr>
+                  <p:cNvPr id="23" name="사각형: 둥근 모서리 22">
+                    <a:extLst>
+                      <a:ext uri="{FF2B5EF4-FFF2-40B4-BE49-F238E27FC236}">
+                        <a16:creationId xmlns:a16="http://schemas.microsoft.com/office/drawing/2014/main" id="{76804C56-E749-C923-DABD-650882E0A688}"/>
+                      </a:ext>
+                    </a:extLst>
+                  </p:cNvPr>
+                  <p:cNvSpPr/>
+                  <p:nvPr/>
+                </p:nvSpPr>
+                <p:spPr>
+                  <a:xfrm>
+                    <a:off x="980741" y="2400092"/>
+                    <a:ext cx="1434171" cy="733518"/>
+                  </a:xfrm>
+                  <a:prstGeom prst="roundRect">
                     <a:avLst/>
                   </a:prstGeom>
                   <a:solidFill>
-                    <a:srgbClr val="002060"/>
+                    <a:srgbClr val="E9EDF4"/>
                   </a:solidFill>
-                  <a:ln>
+                  <a:ln w="9525">
                     <a:solidFill>
-                      <a:srgbClr val="002060"/>
+                      <a:schemeClr val="bg1">
+                        <a:lumMod val="65000"/>
+                      </a:schemeClr>
                     </a:solidFill>
                   </a:ln>
                 </p:spPr>
@@ -10961,14 +11202,2044 @@
                   </a:p>
                 </p:txBody>
               </p:sp>
+              <p:sp>
+                <p:nvSpPr>
+                  <p:cNvPr id="19" name="순서도: 대체 처리 18">
+                    <a:extLst>
+                      <a:ext uri="{FF2B5EF4-FFF2-40B4-BE49-F238E27FC236}">
+                        <a16:creationId xmlns:a16="http://schemas.microsoft.com/office/drawing/2014/main" id="{1383E8BD-2B78-DF5F-97D9-3AC8D7484731}"/>
+                      </a:ext>
+                    </a:extLst>
+                  </p:cNvPr>
+                  <p:cNvSpPr/>
+                  <p:nvPr/>
+                </p:nvSpPr>
+                <p:spPr>
+                  <a:xfrm>
+                    <a:off x="1047122" y="2473441"/>
+                    <a:ext cx="1301410" cy="305995"/>
+                  </a:xfrm>
+                  <a:prstGeom prst="flowChartAlternateProcess">
+                    <a:avLst/>
+                  </a:prstGeom>
+                  <a:solidFill>
+                    <a:schemeClr val="tx2">
+                      <a:lumMod val="20000"/>
+                      <a:lumOff val="80000"/>
+                    </a:schemeClr>
+                  </a:solidFill>
+                  <a:ln>
+                    <a:noFill/>
+                  </a:ln>
+                </p:spPr>
+                <p:style>
+                  <a:lnRef idx="2">
+                    <a:schemeClr val="accent1">
+                      <a:shade val="15000"/>
+                    </a:schemeClr>
+                  </a:lnRef>
+                  <a:fillRef idx="1">
+                    <a:schemeClr val="accent1"/>
+                  </a:fillRef>
+                  <a:effectRef idx="0">
+                    <a:schemeClr val="accent1"/>
+                  </a:effectRef>
+                  <a:fontRef idx="minor">
+                    <a:schemeClr val="lt1"/>
+                  </a:fontRef>
+                </p:style>
+                <p:txBody>
+                  <a:bodyPr rtlCol="0" anchor="ctr"/>
+                  <a:lstStyle/>
+                  <a:p>
+                    <a:pPr algn="ctr"/>
+                    <a:r>
+                      <a:rPr lang="en-US" altLang="ko-KR" sz="1600" b="0" i="0" dirty="0">
+                        <a:solidFill>
+                          <a:srgbClr val="000000"/>
+                        </a:solidFill>
+                        <a:effectLst/>
+                        <a:latin typeface="noto"/>
+                      </a:rPr>
+                      <a:t>Feature selection</a:t>
+                    </a:r>
+                    <a:endParaRPr lang="ko-KR" altLang="en-US" sz="1600" dirty="0"/>
+                  </a:p>
+                </p:txBody>
+              </p:sp>
+              <p:sp>
+                <p:nvSpPr>
+                  <p:cNvPr id="20" name="순서도: 대체 처리 19">
+                    <a:extLst>
+                      <a:ext uri="{FF2B5EF4-FFF2-40B4-BE49-F238E27FC236}">
+                        <a16:creationId xmlns:a16="http://schemas.microsoft.com/office/drawing/2014/main" id="{12B8D8C2-4CDE-3BEC-9DE8-E42AAB409EF2}"/>
+                      </a:ext>
+                    </a:extLst>
+                  </p:cNvPr>
+                  <p:cNvSpPr/>
+                  <p:nvPr/>
+                </p:nvSpPr>
+                <p:spPr>
+                  <a:xfrm>
+                    <a:off x="1047122" y="2858490"/>
+                    <a:ext cx="1301410" cy="203316"/>
+                  </a:xfrm>
+                  <a:prstGeom prst="flowChartAlternateProcess">
+                    <a:avLst/>
+                  </a:prstGeom>
+                  <a:solidFill>
+                    <a:schemeClr val="accent5">
+                      <a:lumMod val="20000"/>
+                      <a:lumOff val="80000"/>
+                    </a:schemeClr>
+                  </a:solidFill>
+                  <a:ln w="3175">
+                    <a:solidFill>
+                      <a:schemeClr val="tx2">
+                        <a:lumMod val="20000"/>
+                        <a:lumOff val="80000"/>
+                      </a:schemeClr>
+                    </a:solidFill>
+                  </a:ln>
+                </p:spPr>
+                <p:style>
+                  <a:lnRef idx="2">
+                    <a:schemeClr val="accent1">
+                      <a:shade val="15000"/>
+                    </a:schemeClr>
+                  </a:lnRef>
+                  <a:fillRef idx="1">
+                    <a:schemeClr val="accent1"/>
+                  </a:fillRef>
+                  <a:effectRef idx="0">
+                    <a:schemeClr val="accent1"/>
+                  </a:effectRef>
+                  <a:fontRef idx="minor">
+                    <a:schemeClr val="lt1"/>
+                  </a:fontRef>
+                </p:style>
+                <p:txBody>
+                  <a:bodyPr rtlCol="0" anchor="ctr"/>
+                  <a:lstStyle/>
+                  <a:p>
+                    <a:pPr algn="ctr"/>
+                    <a:r>
+                      <a:rPr lang="en-US" altLang="ko-KR" sz="1400" dirty="0">
+                        <a:solidFill>
+                          <a:schemeClr val="tx1"/>
+                        </a:solidFill>
+                      </a:rPr>
+                      <a:t>SHAP</a:t>
+                    </a:r>
+                    <a:endParaRPr lang="ko-KR" altLang="en-US" sz="1400" dirty="0">
+                      <a:solidFill>
+                        <a:schemeClr val="tx1"/>
+                      </a:solidFill>
+                    </a:endParaRPr>
+                  </a:p>
+                </p:txBody>
+              </p:sp>
             </p:grpSp>
+            <p:sp>
+              <p:nvSpPr>
+                <p:cNvPr id="22" name="순서도: 대체 처리 21">
+                  <a:extLst>
+                    <a:ext uri="{FF2B5EF4-FFF2-40B4-BE49-F238E27FC236}">
+                      <a16:creationId xmlns:a16="http://schemas.microsoft.com/office/drawing/2014/main" id="{D7F9ECC7-F718-CD2D-53A0-332D767F3ACF}"/>
+                    </a:ext>
+                  </a:extLst>
+                </p:cNvPr>
+                <p:cNvSpPr/>
+                <p:nvPr/>
+              </p:nvSpPr>
+              <p:spPr>
+                <a:xfrm>
+                  <a:off x="1103818" y="5228485"/>
+                  <a:ext cx="1803159" cy="530838"/>
+                </a:xfrm>
+                <a:prstGeom prst="flowChartAlternateProcess">
+                  <a:avLst/>
+                </a:prstGeom>
+                <a:solidFill>
+                  <a:schemeClr val="tx2">
+                    <a:lumMod val="20000"/>
+                    <a:lumOff val="80000"/>
+                  </a:schemeClr>
+                </a:solidFill>
+                <a:ln>
+                  <a:noFill/>
+                </a:ln>
+              </p:spPr>
+              <p:style>
+                <a:lnRef idx="2">
+                  <a:schemeClr val="accent1">
+                    <a:shade val="15000"/>
+                  </a:schemeClr>
+                </a:lnRef>
+                <a:fillRef idx="1">
+                  <a:schemeClr val="accent1"/>
+                </a:fillRef>
+                <a:effectRef idx="0">
+                  <a:schemeClr val="accent1"/>
+                </a:effectRef>
+                <a:fontRef idx="minor">
+                  <a:schemeClr val="lt1"/>
+                </a:fontRef>
+              </p:style>
+              <p:txBody>
+                <a:bodyPr rtlCol="0" anchor="ctr"/>
+                <a:lstStyle/>
+                <a:p>
+                  <a:pPr algn="ctr"/>
+                  <a:r>
+                    <a:rPr lang="en-US" altLang="ko-KR" sz="1600" b="0" i="0" dirty="0">
+                      <a:solidFill>
+                        <a:srgbClr val="000000"/>
+                      </a:solidFill>
+                      <a:effectLst/>
+                      <a:latin typeface="noto"/>
+                    </a:rPr>
+                    <a:t>Training-test </a:t>
+                  </a:r>
+                </a:p>
+                <a:p>
+                  <a:pPr algn="ctr"/>
+                  <a:r>
+                    <a:rPr lang="en-US" altLang="ko-KR" sz="1600" b="0" i="0" dirty="0">
+                      <a:solidFill>
+                        <a:srgbClr val="000000"/>
+                      </a:solidFill>
+                      <a:effectLst/>
+                      <a:latin typeface="noto"/>
+                    </a:rPr>
+                    <a:t>dataset split</a:t>
+                  </a:r>
+                  <a:endParaRPr lang="ko-KR" altLang="en-US" sz="1600" dirty="0"/>
+                </a:p>
+              </p:txBody>
+            </p:sp>
+            <p:grpSp>
+              <p:nvGrpSpPr>
+                <p:cNvPr id="25" name="그룹 24">
+                  <a:extLst>
+                    <a:ext uri="{FF2B5EF4-FFF2-40B4-BE49-F238E27FC236}">
+                      <a16:creationId xmlns:a16="http://schemas.microsoft.com/office/drawing/2014/main" id="{38573125-F7DE-AF2A-B7ED-3DA8356069DC}"/>
+                    </a:ext>
+                  </a:extLst>
+                </p:cNvPr>
+                <p:cNvGrpSpPr/>
+                <p:nvPr/>
+              </p:nvGrpSpPr>
+              <p:grpSpPr>
+                <a:xfrm>
+                  <a:off x="1011844" y="4106299"/>
+                  <a:ext cx="1987105" cy="973996"/>
+                  <a:chOff x="980741" y="2400092"/>
+                  <a:chExt cx="1434171" cy="733518"/>
+                </a:xfrm>
+              </p:grpSpPr>
+              <p:sp>
+                <p:nvSpPr>
+                  <p:cNvPr id="26" name="사각형: 둥근 모서리 25">
+                    <a:extLst>
+                      <a:ext uri="{FF2B5EF4-FFF2-40B4-BE49-F238E27FC236}">
+                        <a16:creationId xmlns:a16="http://schemas.microsoft.com/office/drawing/2014/main" id="{38DABE49-0565-16FF-A2D8-E986F0E80257}"/>
+                      </a:ext>
+                    </a:extLst>
+                  </p:cNvPr>
+                  <p:cNvSpPr/>
+                  <p:nvPr/>
+                </p:nvSpPr>
+                <p:spPr>
+                  <a:xfrm>
+                    <a:off x="980741" y="2400092"/>
+                    <a:ext cx="1434171" cy="733518"/>
+                  </a:xfrm>
+                  <a:prstGeom prst="roundRect">
+                    <a:avLst/>
+                  </a:prstGeom>
+                  <a:solidFill>
+                    <a:srgbClr val="E9EDF4"/>
+                  </a:solidFill>
+                  <a:ln w="9525">
+                    <a:solidFill>
+                      <a:schemeClr val="bg1">
+                        <a:lumMod val="65000"/>
+                      </a:schemeClr>
+                    </a:solidFill>
+                  </a:ln>
+                </p:spPr>
+                <p:style>
+                  <a:lnRef idx="2">
+                    <a:schemeClr val="accent1">
+                      <a:shade val="15000"/>
+                    </a:schemeClr>
+                  </a:lnRef>
+                  <a:fillRef idx="1">
+                    <a:schemeClr val="accent1"/>
+                  </a:fillRef>
+                  <a:effectRef idx="0">
+                    <a:schemeClr val="accent1"/>
+                  </a:effectRef>
+                  <a:fontRef idx="minor">
+                    <a:schemeClr val="lt1"/>
+                  </a:fontRef>
+                </p:style>
+                <p:txBody>
+                  <a:bodyPr rtlCol="0" anchor="ctr"/>
+                  <a:lstStyle/>
+                  <a:p>
+                    <a:pPr algn="ctr"/>
+                    <a:endParaRPr lang="ko-KR" altLang="en-US" sz="1600"/>
+                  </a:p>
+                </p:txBody>
+              </p:sp>
+              <p:sp>
+                <p:nvSpPr>
+                  <p:cNvPr id="27" name="순서도: 대체 처리 26">
+                    <a:extLst>
+                      <a:ext uri="{FF2B5EF4-FFF2-40B4-BE49-F238E27FC236}">
+                        <a16:creationId xmlns:a16="http://schemas.microsoft.com/office/drawing/2014/main" id="{196DE0D7-B25D-432C-082C-EFB8604D7060}"/>
+                      </a:ext>
+                    </a:extLst>
+                  </p:cNvPr>
+                  <p:cNvSpPr/>
+                  <p:nvPr/>
+                </p:nvSpPr>
+                <p:spPr>
+                  <a:xfrm>
+                    <a:off x="1047122" y="2473441"/>
+                    <a:ext cx="1301410" cy="305995"/>
+                  </a:xfrm>
+                  <a:prstGeom prst="flowChartAlternateProcess">
+                    <a:avLst/>
+                  </a:prstGeom>
+                  <a:solidFill>
+                    <a:schemeClr val="tx2">
+                      <a:lumMod val="20000"/>
+                      <a:lumOff val="80000"/>
+                    </a:schemeClr>
+                  </a:solidFill>
+                  <a:ln>
+                    <a:noFill/>
+                  </a:ln>
+                </p:spPr>
+                <p:style>
+                  <a:lnRef idx="2">
+                    <a:schemeClr val="accent1">
+                      <a:shade val="15000"/>
+                    </a:schemeClr>
+                  </a:lnRef>
+                  <a:fillRef idx="1">
+                    <a:schemeClr val="accent1"/>
+                  </a:fillRef>
+                  <a:effectRef idx="0">
+                    <a:schemeClr val="accent1"/>
+                  </a:effectRef>
+                  <a:fontRef idx="minor">
+                    <a:schemeClr val="lt1"/>
+                  </a:fontRef>
+                </p:style>
+                <p:txBody>
+                  <a:bodyPr rtlCol="0" anchor="ctr"/>
+                  <a:lstStyle/>
+                  <a:p>
+                    <a:pPr algn="ctr"/>
+                    <a:r>
+                      <a:rPr lang="en-US" altLang="ko-KR" sz="1600" b="0" i="0" dirty="0">
+                        <a:solidFill>
+                          <a:srgbClr val="000000"/>
+                        </a:solidFill>
+                        <a:effectLst/>
+                        <a:latin typeface="noto"/>
+                      </a:rPr>
+                      <a:t>Data</a:t>
+                    </a:r>
+                  </a:p>
+                  <a:p>
+                    <a:pPr algn="ctr"/>
+                    <a:r>
+                      <a:rPr lang="en-US" altLang="ko-KR" sz="1600" b="0" i="0" dirty="0">
+                        <a:solidFill>
+                          <a:srgbClr val="000000"/>
+                        </a:solidFill>
+                        <a:effectLst/>
+                        <a:latin typeface="noto"/>
+                      </a:rPr>
+                      <a:t>normalization</a:t>
+                    </a:r>
+                    <a:endParaRPr lang="ko-KR" altLang="en-US" sz="1600" dirty="0"/>
+                  </a:p>
+                </p:txBody>
+              </p:sp>
+              <p:sp>
+                <p:nvSpPr>
+                  <p:cNvPr id="28" name="순서도: 대체 처리 27">
+                    <a:extLst>
+                      <a:ext uri="{FF2B5EF4-FFF2-40B4-BE49-F238E27FC236}">
+                        <a16:creationId xmlns:a16="http://schemas.microsoft.com/office/drawing/2014/main" id="{4C756D6C-5DA4-54CD-030A-3A7C53AA2F01}"/>
+                      </a:ext>
+                    </a:extLst>
+                  </p:cNvPr>
+                  <p:cNvSpPr/>
+                  <p:nvPr/>
+                </p:nvSpPr>
+                <p:spPr>
+                  <a:xfrm>
+                    <a:off x="1047122" y="2858490"/>
+                    <a:ext cx="1301410" cy="203316"/>
+                  </a:xfrm>
+                  <a:prstGeom prst="flowChartAlternateProcess">
+                    <a:avLst/>
+                  </a:prstGeom>
+                  <a:solidFill>
+                    <a:schemeClr val="accent5">
+                      <a:lumMod val="20000"/>
+                      <a:lumOff val="80000"/>
+                    </a:schemeClr>
+                  </a:solidFill>
+                  <a:ln w="3175">
+                    <a:solidFill>
+                      <a:schemeClr val="tx2">
+                        <a:lumMod val="20000"/>
+                        <a:lumOff val="80000"/>
+                      </a:schemeClr>
+                    </a:solidFill>
+                  </a:ln>
+                </p:spPr>
+                <p:style>
+                  <a:lnRef idx="2">
+                    <a:schemeClr val="accent1">
+                      <a:shade val="15000"/>
+                    </a:schemeClr>
+                  </a:lnRef>
+                  <a:fillRef idx="1">
+                    <a:schemeClr val="accent1"/>
+                  </a:fillRef>
+                  <a:effectRef idx="0">
+                    <a:schemeClr val="accent1"/>
+                  </a:effectRef>
+                  <a:fontRef idx="minor">
+                    <a:schemeClr val="lt1"/>
+                  </a:fontRef>
+                </p:style>
+                <p:txBody>
+                  <a:bodyPr rtlCol="0" anchor="ctr"/>
+                  <a:lstStyle/>
+                  <a:p>
+                    <a:pPr algn="ctr"/>
+                    <a:r>
+                      <a:rPr lang="en-US" altLang="ko-KR" sz="1400" dirty="0">
+                        <a:solidFill>
+                          <a:schemeClr val="tx1"/>
+                        </a:solidFill>
+                      </a:rPr>
+                      <a:t>Min Max scaling</a:t>
+                    </a:r>
+                    <a:endParaRPr lang="ko-KR" altLang="en-US" sz="1400" dirty="0">
+                      <a:solidFill>
+                        <a:schemeClr val="tx1"/>
+                      </a:solidFill>
+                    </a:endParaRPr>
+                  </a:p>
+                </p:txBody>
+              </p:sp>
+            </p:grpSp>
+            <p:cxnSp>
+              <p:nvCxnSpPr>
+                <p:cNvPr id="37" name="연결선: 구부러짐 36">
+                  <a:extLst>
+                    <a:ext uri="{FF2B5EF4-FFF2-40B4-BE49-F238E27FC236}">
+                      <a16:creationId xmlns:a16="http://schemas.microsoft.com/office/drawing/2014/main" id="{75E79623-0887-F804-A844-F873E6E47585}"/>
+                    </a:ext>
+                  </a:extLst>
+                </p:cNvPr>
+                <p:cNvCxnSpPr>
+                  <a:stCxn id="17" idx="2"/>
+                  <a:endCxn id="18" idx="0"/>
+                </p:cNvCxnSpPr>
+                <p:nvPr/>
+              </p:nvCxnSpPr>
+              <p:spPr>
+                <a:xfrm rot="5400000">
+                  <a:off x="1941145" y="2308393"/>
+                  <a:ext cx="128508" cy="12700"/>
+                </a:xfrm>
+                <a:prstGeom prst="curvedConnector3">
+                  <a:avLst/>
+                </a:prstGeom>
+                <a:ln>
+                  <a:tailEnd type="triangle"/>
+                </a:ln>
+              </p:spPr>
+              <p:style>
+                <a:lnRef idx="1">
+                  <a:schemeClr val="accent1"/>
+                </a:lnRef>
+                <a:fillRef idx="0">
+                  <a:schemeClr val="accent1"/>
+                </a:fillRef>
+                <a:effectRef idx="0">
+                  <a:schemeClr val="accent1"/>
+                </a:effectRef>
+                <a:fontRef idx="minor">
+                  <a:schemeClr val="tx1"/>
+                </a:fontRef>
+              </p:style>
+            </p:cxnSp>
+            <p:cxnSp>
+              <p:nvCxnSpPr>
+                <p:cNvPr id="39" name="연결선: 구부러짐 38">
+                  <a:extLst>
+                    <a:ext uri="{FF2B5EF4-FFF2-40B4-BE49-F238E27FC236}">
+                      <a16:creationId xmlns:a16="http://schemas.microsoft.com/office/drawing/2014/main" id="{0FBA6FDC-73F4-F30E-9F43-2E0CE65A1AD9}"/>
+                    </a:ext>
+                  </a:extLst>
+                </p:cNvPr>
+                <p:cNvCxnSpPr>
+                  <a:stCxn id="18" idx="2"/>
+                  <a:endCxn id="23" idx="0"/>
+                </p:cNvCxnSpPr>
+                <p:nvPr/>
+              </p:nvCxnSpPr>
+              <p:spPr>
+                <a:xfrm rot="5400000">
+                  <a:off x="1941145" y="2919860"/>
+                  <a:ext cx="128508" cy="12700"/>
+                </a:xfrm>
+                <a:prstGeom prst="curvedConnector3">
+                  <a:avLst/>
+                </a:prstGeom>
+                <a:ln>
+                  <a:tailEnd type="triangle"/>
+                </a:ln>
+              </p:spPr>
+              <p:style>
+                <a:lnRef idx="1">
+                  <a:schemeClr val="accent1"/>
+                </a:lnRef>
+                <a:fillRef idx="0">
+                  <a:schemeClr val="accent1"/>
+                </a:fillRef>
+                <a:effectRef idx="0">
+                  <a:schemeClr val="accent1"/>
+                </a:effectRef>
+                <a:fontRef idx="minor">
+                  <a:schemeClr val="tx1"/>
+                </a:fontRef>
+              </p:style>
+            </p:cxnSp>
+            <p:cxnSp>
+              <p:nvCxnSpPr>
+                <p:cNvPr id="41" name="연결선: 구부러짐 40">
+                  <a:extLst>
+                    <a:ext uri="{FF2B5EF4-FFF2-40B4-BE49-F238E27FC236}">
+                      <a16:creationId xmlns:a16="http://schemas.microsoft.com/office/drawing/2014/main" id="{A0438C75-FF99-4B7E-CD14-05231EFF330D}"/>
+                    </a:ext>
+                  </a:extLst>
+                </p:cNvPr>
+                <p:cNvCxnSpPr>
+                  <a:stCxn id="23" idx="2"/>
+                  <a:endCxn id="26" idx="0"/>
+                </p:cNvCxnSpPr>
+                <p:nvPr/>
+              </p:nvCxnSpPr>
+              <p:spPr>
+                <a:xfrm rot="5400000">
+                  <a:off x="1931303" y="4032204"/>
+                  <a:ext cx="148190" cy="2"/>
+                </a:xfrm>
+                <a:prstGeom prst="curvedConnector3">
+                  <a:avLst/>
+                </a:prstGeom>
+                <a:ln>
+                  <a:tailEnd type="triangle"/>
+                </a:ln>
+              </p:spPr>
+              <p:style>
+                <a:lnRef idx="1">
+                  <a:schemeClr val="accent1"/>
+                </a:lnRef>
+                <a:fillRef idx="0">
+                  <a:schemeClr val="accent1"/>
+                </a:fillRef>
+                <a:effectRef idx="0">
+                  <a:schemeClr val="accent1"/>
+                </a:effectRef>
+                <a:fontRef idx="minor">
+                  <a:schemeClr val="tx1"/>
+                </a:fontRef>
+              </p:style>
+            </p:cxnSp>
+            <p:cxnSp>
+              <p:nvCxnSpPr>
+                <p:cNvPr id="43" name="연결선: 구부러짐 42">
+                  <a:extLst>
+                    <a:ext uri="{FF2B5EF4-FFF2-40B4-BE49-F238E27FC236}">
+                      <a16:creationId xmlns:a16="http://schemas.microsoft.com/office/drawing/2014/main" id="{66C7EDDA-B000-99AF-8E48-D52133E93B39}"/>
+                    </a:ext>
+                  </a:extLst>
+                </p:cNvPr>
+                <p:cNvCxnSpPr>
+                  <a:cxnSpLocks/>
+                  <a:stCxn id="26" idx="2"/>
+                  <a:endCxn id="22" idx="0"/>
+                </p:cNvCxnSpPr>
+                <p:nvPr/>
+              </p:nvCxnSpPr>
+              <p:spPr>
+                <a:xfrm rot="16200000" flipH="1">
+                  <a:off x="1931303" y="5154389"/>
+                  <a:ext cx="148189" cy="1"/>
+                </a:xfrm>
+                <a:prstGeom prst="curvedConnector3">
+                  <a:avLst/>
+                </a:prstGeom>
+                <a:ln>
+                  <a:tailEnd type="triangle"/>
+                </a:ln>
+              </p:spPr>
+              <p:style>
+                <a:lnRef idx="1">
+                  <a:schemeClr val="accent1"/>
+                </a:lnRef>
+                <a:fillRef idx="0">
+                  <a:schemeClr val="accent1"/>
+                </a:fillRef>
+                <a:effectRef idx="0">
+                  <a:schemeClr val="accent1"/>
+                </a:effectRef>
+                <a:fontRef idx="minor">
+                  <a:schemeClr val="tx1"/>
+                </a:fontRef>
+              </p:style>
+            </p:cxnSp>
+            <p:cxnSp>
+              <p:nvCxnSpPr>
+                <p:cNvPr id="46" name="직선 연결선 45">
+                  <a:extLst>
+                    <a:ext uri="{FF2B5EF4-FFF2-40B4-BE49-F238E27FC236}">
+                      <a16:creationId xmlns:a16="http://schemas.microsoft.com/office/drawing/2014/main" id="{690ACEE1-0766-864B-273A-A2F8F7C48EFE}"/>
+                    </a:ext>
+                  </a:extLst>
+                </p:cNvPr>
+                <p:cNvCxnSpPr>
+                  <a:stCxn id="19" idx="2"/>
+                  <a:endCxn id="20" idx="0"/>
+                </p:cNvCxnSpPr>
+                <p:nvPr/>
+              </p:nvCxnSpPr>
+              <p:spPr>
+                <a:xfrm>
+                  <a:off x="2005400" y="3487823"/>
+                  <a:ext cx="0" cy="104971"/>
+                </a:xfrm>
+                <a:prstGeom prst="line">
+                  <a:avLst/>
+                </a:prstGeom>
+              </p:spPr>
+              <p:style>
+                <a:lnRef idx="1">
+                  <a:schemeClr val="accent1"/>
+                </a:lnRef>
+                <a:fillRef idx="0">
+                  <a:schemeClr val="accent1"/>
+                </a:fillRef>
+                <a:effectRef idx="0">
+                  <a:schemeClr val="accent1"/>
+                </a:effectRef>
+                <a:fontRef idx="minor">
+                  <a:schemeClr val="tx1"/>
+                </a:fontRef>
+              </p:style>
+            </p:cxnSp>
+            <p:cxnSp>
+              <p:nvCxnSpPr>
+                <p:cNvPr id="48" name="직선 연결선 47">
+                  <a:extLst>
+                    <a:ext uri="{FF2B5EF4-FFF2-40B4-BE49-F238E27FC236}">
+                      <a16:creationId xmlns:a16="http://schemas.microsoft.com/office/drawing/2014/main" id="{81AE51F4-FA4F-8292-7F3E-DC7FF5F98772}"/>
+                    </a:ext>
+                  </a:extLst>
+                </p:cNvPr>
+                <p:cNvCxnSpPr>
+                  <a:stCxn id="27" idx="2"/>
+                  <a:endCxn id="28" idx="0"/>
+                </p:cNvCxnSpPr>
+                <p:nvPr/>
+              </p:nvCxnSpPr>
+              <p:spPr>
+                <a:xfrm>
+                  <a:off x="2005398" y="4610009"/>
+                  <a:ext cx="0" cy="104971"/>
+                </a:xfrm>
+                <a:prstGeom prst="line">
+                  <a:avLst/>
+                </a:prstGeom>
+              </p:spPr>
+              <p:style>
+                <a:lnRef idx="1">
+                  <a:schemeClr val="accent1"/>
+                </a:lnRef>
+                <a:fillRef idx="0">
+                  <a:schemeClr val="accent1"/>
+                </a:fillRef>
+                <a:effectRef idx="0">
+                  <a:schemeClr val="accent1"/>
+                </a:effectRef>
+                <a:fontRef idx="minor">
+                  <a:schemeClr val="tx1"/>
+                </a:fontRef>
+              </p:style>
+            </p:cxnSp>
+            <p:sp>
+              <p:nvSpPr>
+                <p:cNvPr id="49" name="사각형: 둥근 모서리 48">
+                  <a:extLst>
+                    <a:ext uri="{FF2B5EF4-FFF2-40B4-BE49-F238E27FC236}">
+                      <a16:creationId xmlns:a16="http://schemas.microsoft.com/office/drawing/2014/main" id="{F5748CFC-049B-A8BB-457F-7F880E56D246}"/>
+                    </a:ext>
+                  </a:extLst>
+                </p:cNvPr>
+                <p:cNvSpPr/>
+                <p:nvPr/>
+              </p:nvSpPr>
+              <p:spPr>
+                <a:xfrm>
+                  <a:off x="3415881" y="1715428"/>
+                  <a:ext cx="1987105" cy="2365870"/>
+                </a:xfrm>
+                <a:prstGeom prst="roundRect">
+                  <a:avLst>
+                    <a:gd name="adj" fmla="val 9101"/>
+                  </a:avLst>
+                </a:prstGeom>
+                <a:solidFill>
+                  <a:srgbClr val="E9EDF4"/>
+                </a:solidFill>
+                <a:ln w="9525">
+                  <a:solidFill>
+                    <a:schemeClr val="bg1">
+                      <a:lumMod val="65000"/>
+                    </a:schemeClr>
+                  </a:solidFill>
+                </a:ln>
+              </p:spPr>
+              <p:style>
+                <a:lnRef idx="2">
+                  <a:schemeClr val="accent1">
+                    <a:shade val="15000"/>
+                  </a:schemeClr>
+                </a:lnRef>
+                <a:fillRef idx="1">
+                  <a:schemeClr val="accent1"/>
+                </a:fillRef>
+                <a:effectRef idx="0">
+                  <a:schemeClr val="accent1"/>
+                </a:effectRef>
+                <a:fontRef idx="minor">
+                  <a:schemeClr val="lt1"/>
+                </a:fontRef>
+              </p:style>
+              <p:txBody>
+                <a:bodyPr rtlCol="0" anchor="ctr"/>
+                <a:lstStyle/>
+                <a:p>
+                  <a:pPr algn="ctr"/>
+                  <a:endParaRPr lang="ko-KR" altLang="en-US" sz="1600" dirty="0"/>
+                </a:p>
+              </p:txBody>
+            </p:sp>
+            <p:sp>
+              <p:nvSpPr>
+                <p:cNvPr id="50" name="순서도: 대체 처리 49">
+                  <a:extLst>
+                    <a:ext uri="{FF2B5EF4-FFF2-40B4-BE49-F238E27FC236}">
+                      <a16:creationId xmlns:a16="http://schemas.microsoft.com/office/drawing/2014/main" id="{E8C73E51-A25B-24E2-BD0F-0983B7513093}"/>
+                    </a:ext>
+                  </a:extLst>
+                </p:cNvPr>
+                <p:cNvSpPr/>
+                <p:nvPr/>
+              </p:nvSpPr>
+              <p:spPr>
+                <a:xfrm>
+                  <a:off x="3497458" y="1839829"/>
+                  <a:ext cx="1803159" cy="406313"/>
+                </a:xfrm>
+                <a:prstGeom prst="flowChartAlternateProcess">
+                  <a:avLst/>
+                </a:prstGeom>
+                <a:solidFill>
+                  <a:schemeClr val="tx2">
+                    <a:lumMod val="20000"/>
+                    <a:lumOff val="80000"/>
+                  </a:schemeClr>
+                </a:solidFill>
+                <a:ln>
+                  <a:noFill/>
+                </a:ln>
+              </p:spPr>
+              <p:style>
+                <a:lnRef idx="2">
+                  <a:schemeClr val="accent1">
+                    <a:shade val="15000"/>
+                  </a:schemeClr>
+                </a:lnRef>
+                <a:fillRef idx="1">
+                  <a:schemeClr val="accent1"/>
+                </a:fillRef>
+                <a:effectRef idx="0">
+                  <a:schemeClr val="accent1"/>
+                </a:effectRef>
+                <a:fontRef idx="minor">
+                  <a:schemeClr val="lt1"/>
+                </a:fontRef>
+              </p:style>
+              <p:txBody>
+                <a:bodyPr rtlCol="0" anchor="ctr"/>
+                <a:lstStyle/>
+                <a:p>
+                  <a:pPr algn="ctr"/>
+                  <a:r>
+                    <a:rPr lang="en-US" altLang="ko-KR" sz="1600" b="0" i="0" dirty="0">
+                      <a:solidFill>
+                        <a:srgbClr val="000000"/>
+                      </a:solidFill>
+                      <a:effectLst/>
+                      <a:latin typeface="noto"/>
+                    </a:rPr>
+                    <a:t>Building</a:t>
+                  </a:r>
+                </a:p>
+                <a:p>
+                  <a:pPr algn="ctr"/>
+                  <a:r>
+                    <a:rPr lang="en-US" altLang="ko-KR" sz="1600" b="0" i="0" dirty="0">
+                      <a:solidFill>
+                        <a:srgbClr val="000000"/>
+                      </a:solidFill>
+                      <a:effectLst/>
+                      <a:latin typeface="noto"/>
+                    </a:rPr>
+                    <a:t> regression models</a:t>
+                  </a:r>
+                  <a:endParaRPr lang="ko-KR" altLang="en-US" sz="1600" dirty="0"/>
+                </a:p>
+              </p:txBody>
+            </p:sp>
+            <p:sp>
+              <p:nvSpPr>
+                <p:cNvPr id="51" name="순서도: 대체 처리 50">
+                  <a:extLst>
+                    <a:ext uri="{FF2B5EF4-FFF2-40B4-BE49-F238E27FC236}">
+                      <a16:creationId xmlns:a16="http://schemas.microsoft.com/office/drawing/2014/main" id="{A318DC5A-1713-BB5E-34D1-8CE8064A958B}"/>
+                    </a:ext>
+                  </a:extLst>
+                </p:cNvPr>
+                <p:cNvSpPr/>
+                <p:nvPr/>
+              </p:nvSpPr>
+              <p:spPr>
+                <a:xfrm>
+                  <a:off x="3497458" y="2351113"/>
+                  <a:ext cx="1803159" cy="269972"/>
+                </a:xfrm>
+                <a:prstGeom prst="flowChartAlternateProcess">
+                  <a:avLst/>
+                </a:prstGeom>
+                <a:solidFill>
+                  <a:schemeClr val="accent5">
+                    <a:lumMod val="20000"/>
+                    <a:lumOff val="80000"/>
+                  </a:schemeClr>
+                </a:solidFill>
+                <a:ln w="3175">
+                  <a:solidFill>
+                    <a:schemeClr val="tx2">
+                      <a:lumMod val="20000"/>
+                      <a:lumOff val="80000"/>
+                    </a:schemeClr>
+                  </a:solidFill>
+                </a:ln>
+              </p:spPr>
+              <p:style>
+                <a:lnRef idx="2">
+                  <a:schemeClr val="accent1">
+                    <a:shade val="15000"/>
+                  </a:schemeClr>
+                </a:lnRef>
+                <a:fillRef idx="1">
+                  <a:schemeClr val="accent1"/>
+                </a:fillRef>
+                <a:effectRef idx="0">
+                  <a:schemeClr val="accent1"/>
+                </a:effectRef>
+                <a:fontRef idx="minor">
+                  <a:schemeClr val="lt1"/>
+                </a:fontRef>
+              </p:style>
+              <p:txBody>
+                <a:bodyPr rtlCol="0" anchor="ctr"/>
+                <a:lstStyle/>
+                <a:p>
+                  <a:pPr algn="ctr"/>
+                  <a:r>
+                    <a:rPr lang="en-US" altLang="ko-KR" sz="1400" dirty="0">
+                      <a:solidFill>
+                        <a:schemeClr val="tx1"/>
+                      </a:solidFill>
+                    </a:rPr>
+                    <a:t>Linear </a:t>
+                  </a:r>
+                  <a:endParaRPr lang="ko-KR" altLang="en-US" sz="1400" dirty="0">
+                    <a:solidFill>
+                      <a:schemeClr val="tx1"/>
+                    </a:solidFill>
+                  </a:endParaRPr>
+                </a:p>
+              </p:txBody>
+            </p:sp>
+            <p:sp>
+              <p:nvSpPr>
+                <p:cNvPr id="54" name="순서도: 대체 처리 53">
+                  <a:extLst>
+                    <a:ext uri="{FF2B5EF4-FFF2-40B4-BE49-F238E27FC236}">
+                      <a16:creationId xmlns:a16="http://schemas.microsoft.com/office/drawing/2014/main" id="{9C929A13-58AE-889B-954A-74B28A8853BB}"/>
+                    </a:ext>
+                  </a:extLst>
+                </p:cNvPr>
+                <p:cNvSpPr/>
+                <p:nvPr/>
+              </p:nvSpPr>
+              <p:spPr>
+                <a:xfrm>
+                  <a:off x="3497458" y="2689481"/>
+                  <a:ext cx="1803159" cy="269972"/>
+                </a:xfrm>
+                <a:prstGeom prst="flowChartAlternateProcess">
+                  <a:avLst/>
+                </a:prstGeom>
+                <a:solidFill>
+                  <a:schemeClr val="accent5">
+                    <a:lumMod val="20000"/>
+                    <a:lumOff val="80000"/>
+                  </a:schemeClr>
+                </a:solidFill>
+                <a:ln w="3175">
+                  <a:solidFill>
+                    <a:schemeClr val="tx2">
+                      <a:lumMod val="20000"/>
+                      <a:lumOff val="80000"/>
+                    </a:schemeClr>
+                  </a:solidFill>
+                </a:ln>
+              </p:spPr>
+              <p:style>
+                <a:lnRef idx="2">
+                  <a:schemeClr val="accent1">
+                    <a:shade val="15000"/>
+                  </a:schemeClr>
+                </a:lnRef>
+                <a:fillRef idx="1">
+                  <a:schemeClr val="accent1"/>
+                </a:fillRef>
+                <a:effectRef idx="0">
+                  <a:schemeClr val="accent1"/>
+                </a:effectRef>
+                <a:fontRef idx="minor">
+                  <a:schemeClr val="lt1"/>
+                </a:fontRef>
+              </p:style>
+              <p:txBody>
+                <a:bodyPr rtlCol="0" anchor="ctr"/>
+                <a:lstStyle/>
+                <a:p>
+                  <a:pPr algn="ctr"/>
+                  <a:r>
+                    <a:rPr lang="en-US" altLang="ko-KR" sz="1400" dirty="0" err="1">
+                      <a:solidFill>
+                        <a:schemeClr val="tx1"/>
+                      </a:solidFill>
+                    </a:rPr>
+                    <a:t>RandomForest</a:t>
+                  </a:r>
+                  <a:endParaRPr lang="ko-KR" altLang="en-US" sz="1400" dirty="0">
+                    <a:solidFill>
+                      <a:schemeClr val="tx1"/>
+                    </a:solidFill>
+                  </a:endParaRPr>
+                </a:p>
+              </p:txBody>
+            </p:sp>
+            <p:sp>
+              <p:nvSpPr>
+                <p:cNvPr id="55" name="순서도: 대체 처리 54">
+                  <a:extLst>
+                    <a:ext uri="{FF2B5EF4-FFF2-40B4-BE49-F238E27FC236}">
+                      <a16:creationId xmlns:a16="http://schemas.microsoft.com/office/drawing/2014/main" id="{BCC6F191-1A88-1DD4-9DBE-4317DACF347D}"/>
+                    </a:ext>
+                  </a:extLst>
+                </p:cNvPr>
+                <p:cNvSpPr/>
+                <p:nvPr/>
+              </p:nvSpPr>
+              <p:spPr>
+                <a:xfrm>
+                  <a:off x="3497458" y="3024315"/>
+                  <a:ext cx="1803159" cy="269972"/>
+                </a:xfrm>
+                <a:prstGeom prst="flowChartAlternateProcess">
+                  <a:avLst/>
+                </a:prstGeom>
+                <a:solidFill>
+                  <a:schemeClr val="accent5">
+                    <a:lumMod val="20000"/>
+                    <a:lumOff val="80000"/>
+                  </a:schemeClr>
+                </a:solidFill>
+                <a:ln w="3175">
+                  <a:solidFill>
+                    <a:schemeClr val="tx2">
+                      <a:lumMod val="20000"/>
+                      <a:lumOff val="80000"/>
+                    </a:schemeClr>
+                  </a:solidFill>
+                </a:ln>
+              </p:spPr>
+              <p:style>
+                <a:lnRef idx="2">
+                  <a:schemeClr val="accent1">
+                    <a:shade val="15000"/>
+                  </a:schemeClr>
+                </a:lnRef>
+                <a:fillRef idx="1">
+                  <a:schemeClr val="accent1"/>
+                </a:fillRef>
+                <a:effectRef idx="0">
+                  <a:schemeClr val="accent1"/>
+                </a:effectRef>
+                <a:fontRef idx="minor">
+                  <a:schemeClr val="lt1"/>
+                </a:fontRef>
+              </p:style>
+              <p:txBody>
+                <a:bodyPr rtlCol="0" anchor="ctr"/>
+                <a:lstStyle/>
+                <a:p>
+                  <a:pPr algn="ctr"/>
+                  <a:r>
+                    <a:rPr lang="en-US" altLang="ko-KR" sz="1400" dirty="0" err="1">
+                      <a:solidFill>
+                        <a:schemeClr val="tx1"/>
+                      </a:solidFill>
+                    </a:rPr>
+                    <a:t>XGBoost</a:t>
+                  </a:r>
+                  <a:endParaRPr lang="ko-KR" altLang="en-US" sz="1400" dirty="0">
+                    <a:solidFill>
+                      <a:schemeClr val="tx1"/>
+                    </a:solidFill>
+                  </a:endParaRPr>
+                </a:p>
+              </p:txBody>
+            </p:sp>
+            <p:sp>
+              <p:nvSpPr>
+                <p:cNvPr id="56" name="순서도: 대체 처리 55">
+                  <a:extLst>
+                    <a:ext uri="{FF2B5EF4-FFF2-40B4-BE49-F238E27FC236}">
+                      <a16:creationId xmlns:a16="http://schemas.microsoft.com/office/drawing/2014/main" id="{40E9A60A-37AD-8B84-87C5-3493F38BB735}"/>
+                    </a:ext>
+                  </a:extLst>
+                </p:cNvPr>
+                <p:cNvSpPr/>
+                <p:nvPr/>
+              </p:nvSpPr>
+              <p:spPr>
+                <a:xfrm>
+                  <a:off x="3497457" y="3359149"/>
+                  <a:ext cx="1803159" cy="269972"/>
+                </a:xfrm>
+                <a:prstGeom prst="flowChartAlternateProcess">
+                  <a:avLst/>
+                </a:prstGeom>
+                <a:solidFill>
+                  <a:schemeClr val="accent5">
+                    <a:lumMod val="20000"/>
+                    <a:lumOff val="80000"/>
+                  </a:schemeClr>
+                </a:solidFill>
+                <a:ln w="3175">
+                  <a:solidFill>
+                    <a:schemeClr val="tx2">
+                      <a:lumMod val="20000"/>
+                      <a:lumOff val="80000"/>
+                    </a:schemeClr>
+                  </a:solidFill>
+                </a:ln>
+              </p:spPr>
+              <p:style>
+                <a:lnRef idx="2">
+                  <a:schemeClr val="accent1">
+                    <a:shade val="15000"/>
+                  </a:schemeClr>
+                </a:lnRef>
+                <a:fillRef idx="1">
+                  <a:schemeClr val="accent1"/>
+                </a:fillRef>
+                <a:effectRef idx="0">
+                  <a:schemeClr val="accent1"/>
+                </a:effectRef>
+                <a:fontRef idx="minor">
+                  <a:schemeClr val="lt1"/>
+                </a:fontRef>
+              </p:style>
+              <p:txBody>
+                <a:bodyPr rtlCol="0" anchor="ctr"/>
+                <a:lstStyle/>
+                <a:p>
+                  <a:pPr algn="ctr"/>
+                  <a:r>
+                    <a:rPr lang="en-US" altLang="ko-KR" sz="1400" dirty="0" err="1">
+                      <a:solidFill>
+                        <a:schemeClr val="tx1"/>
+                      </a:solidFill>
+                    </a:rPr>
+                    <a:t>LightGBM</a:t>
+                  </a:r>
+                  <a:endParaRPr lang="ko-KR" altLang="en-US" sz="1400" dirty="0">
+                    <a:solidFill>
+                      <a:schemeClr val="tx1"/>
+                    </a:solidFill>
+                  </a:endParaRPr>
+                </a:p>
+              </p:txBody>
+            </p:sp>
+            <p:sp>
+              <p:nvSpPr>
+                <p:cNvPr id="57" name="순서도: 대체 처리 56">
+                  <a:extLst>
+                    <a:ext uri="{FF2B5EF4-FFF2-40B4-BE49-F238E27FC236}">
+                      <a16:creationId xmlns:a16="http://schemas.microsoft.com/office/drawing/2014/main" id="{09765AC8-7829-5A2F-E06E-1A2DE7AAD364}"/>
+                    </a:ext>
+                  </a:extLst>
+                </p:cNvPr>
+                <p:cNvSpPr/>
+                <p:nvPr/>
+              </p:nvSpPr>
+              <p:spPr>
+                <a:xfrm>
+                  <a:off x="3497457" y="3693983"/>
+                  <a:ext cx="1803159" cy="269972"/>
+                </a:xfrm>
+                <a:prstGeom prst="flowChartAlternateProcess">
+                  <a:avLst/>
+                </a:prstGeom>
+                <a:solidFill>
+                  <a:schemeClr val="accent5">
+                    <a:lumMod val="20000"/>
+                    <a:lumOff val="80000"/>
+                  </a:schemeClr>
+                </a:solidFill>
+                <a:ln w="3175">
+                  <a:solidFill>
+                    <a:schemeClr val="tx2">
+                      <a:lumMod val="20000"/>
+                      <a:lumOff val="80000"/>
+                    </a:schemeClr>
+                  </a:solidFill>
+                </a:ln>
+              </p:spPr>
+              <p:style>
+                <a:lnRef idx="2">
+                  <a:schemeClr val="accent1">
+                    <a:shade val="15000"/>
+                  </a:schemeClr>
+                </a:lnRef>
+                <a:fillRef idx="1">
+                  <a:schemeClr val="accent1"/>
+                </a:fillRef>
+                <a:effectRef idx="0">
+                  <a:schemeClr val="accent1"/>
+                </a:effectRef>
+                <a:fontRef idx="minor">
+                  <a:schemeClr val="lt1"/>
+                </a:fontRef>
+              </p:style>
+              <p:txBody>
+                <a:bodyPr rtlCol="0" anchor="ctr"/>
+                <a:lstStyle/>
+                <a:p>
+                  <a:pPr algn="ctr"/>
+                  <a:r>
+                    <a:rPr lang="en-US" altLang="ko-KR" sz="1400" dirty="0" err="1">
+                      <a:solidFill>
+                        <a:schemeClr val="tx1"/>
+                      </a:solidFill>
+                    </a:rPr>
+                    <a:t>CatBoostressor</a:t>
+                  </a:r>
+                  <a:endParaRPr lang="ko-KR" altLang="en-US" sz="1400" dirty="0">
+                    <a:solidFill>
+                      <a:schemeClr val="tx1"/>
+                    </a:solidFill>
+                  </a:endParaRPr>
+                </a:p>
+              </p:txBody>
+            </p:sp>
+            <p:cxnSp>
+              <p:nvCxnSpPr>
+                <p:cNvPr id="60" name="직선 연결선 59">
+                  <a:extLst>
+                    <a:ext uri="{FF2B5EF4-FFF2-40B4-BE49-F238E27FC236}">
+                      <a16:creationId xmlns:a16="http://schemas.microsoft.com/office/drawing/2014/main" id="{D5F24467-6549-56B9-9BEB-62A8BFC8AB60}"/>
+                    </a:ext>
+                  </a:extLst>
+                </p:cNvPr>
+                <p:cNvCxnSpPr>
+                  <a:stCxn id="50" idx="2"/>
+                </p:cNvCxnSpPr>
+                <p:nvPr/>
+              </p:nvCxnSpPr>
+              <p:spPr>
+                <a:xfrm flipH="1">
+                  <a:off x="4399036" y="2246142"/>
+                  <a:ext cx="2" cy="104971"/>
+                </a:xfrm>
+                <a:prstGeom prst="line">
+                  <a:avLst/>
+                </a:prstGeom>
+              </p:spPr>
+              <p:style>
+                <a:lnRef idx="1">
+                  <a:schemeClr val="accent1"/>
+                </a:lnRef>
+                <a:fillRef idx="0">
+                  <a:schemeClr val="accent1"/>
+                </a:fillRef>
+                <a:effectRef idx="0">
+                  <a:schemeClr val="accent1"/>
+                </a:effectRef>
+                <a:fontRef idx="minor">
+                  <a:schemeClr val="tx1"/>
+                </a:fontRef>
+              </p:style>
+            </p:cxnSp>
+            <p:cxnSp>
+              <p:nvCxnSpPr>
+                <p:cNvPr id="62" name="직선 연결선 61">
+                  <a:extLst>
+                    <a:ext uri="{FF2B5EF4-FFF2-40B4-BE49-F238E27FC236}">
+                      <a16:creationId xmlns:a16="http://schemas.microsoft.com/office/drawing/2014/main" id="{56E2D4C2-B0A8-D739-2E13-27205A1DC12F}"/>
+                    </a:ext>
+                  </a:extLst>
+                </p:cNvPr>
+                <p:cNvCxnSpPr>
+                  <a:stCxn id="51" idx="2"/>
+                  <a:endCxn id="54" idx="0"/>
+                </p:cNvCxnSpPr>
+                <p:nvPr/>
+              </p:nvCxnSpPr>
+              <p:spPr>
+                <a:xfrm>
+                  <a:off x="4399038" y="2621085"/>
+                  <a:ext cx="0" cy="68396"/>
+                </a:xfrm>
+                <a:prstGeom prst="line">
+                  <a:avLst/>
+                </a:prstGeom>
+              </p:spPr>
+              <p:style>
+                <a:lnRef idx="1">
+                  <a:schemeClr val="accent1"/>
+                </a:lnRef>
+                <a:fillRef idx="0">
+                  <a:schemeClr val="accent1"/>
+                </a:fillRef>
+                <a:effectRef idx="0">
+                  <a:schemeClr val="accent1"/>
+                </a:effectRef>
+                <a:fontRef idx="minor">
+                  <a:schemeClr val="tx1"/>
+                </a:fontRef>
+              </p:style>
+            </p:cxnSp>
+            <p:cxnSp>
+              <p:nvCxnSpPr>
+                <p:cNvPr id="64" name="직선 연결선 63">
+                  <a:extLst>
+                    <a:ext uri="{FF2B5EF4-FFF2-40B4-BE49-F238E27FC236}">
+                      <a16:creationId xmlns:a16="http://schemas.microsoft.com/office/drawing/2014/main" id="{FF65B08F-610E-475C-3BC0-164843986B71}"/>
+                    </a:ext>
+                  </a:extLst>
+                </p:cNvPr>
+                <p:cNvCxnSpPr>
+                  <a:stCxn id="54" idx="2"/>
+                  <a:endCxn id="55" idx="0"/>
+                </p:cNvCxnSpPr>
+                <p:nvPr/>
+              </p:nvCxnSpPr>
+              <p:spPr>
+                <a:xfrm>
+                  <a:off x="4399038" y="2959453"/>
+                  <a:ext cx="0" cy="64862"/>
+                </a:xfrm>
+                <a:prstGeom prst="line">
+                  <a:avLst/>
+                </a:prstGeom>
+              </p:spPr>
+              <p:style>
+                <a:lnRef idx="1">
+                  <a:schemeClr val="accent1"/>
+                </a:lnRef>
+                <a:fillRef idx="0">
+                  <a:schemeClr val="accent1"/>
+                </a:fillRef>
+                <a:effectRef idx="0">
+                  <a:schemeClr val="accent1"/>
+                </a:effectRef>
+                <a:fontRef idx="minor">
+                  <a:schemeClr val="tx1"/>
+                </a:fontRef>
+              </p:style>
+            </p:cxnSp>
+            <p:cxnSp>
+              <p:nvCxnSpPr>
+                <p:cNvPr id="66" name="직선 연결선 65">
+                  <a:extLst>
+                    <a:ext uri="{FF2B5EF4-FFF2-40B4-BE49-F238E27FC236}">
+                      <a16:creationId xmlns:a16="http://schemas.microsoft.com/office/drawing/2014/main" id="{C181C3F1-03FF-8299-87B5-AC07EBA29E4F}"/>
+                    </a:ext>
+                  </a:extLst>
+                </p:cNvPr>
+                <p:cNvCxnSpPr>
+                  <a:stCxn id="55" idx="2"/>
+                  <a:endCxn id="56" idx="0"/>
+                </p:cNvCxnSpPr>
+                <p:nvPr/>
+              </p:nvCxnSpPr>
+              <p:spPr>
+                <a:xfrm flipH="1">
+                  <a:off x="4399037" y="3294287"/>
+                  <a:ext cx="1" cy="64862"/>
+                </a:xfrm>
+                <a:prstGeom prst="line">
+                  <a:avLst/>
+                </a:prstGeom>
+              </p:spPr>
+              <p:style>
+                <a:lnRef idx="1">
+                  <a:schemeClr val="accent1"/>
+                </a:lnRef>
+                <a:fillRef idx="0">
+                  <a:schemeClr val="accent1"/>
+                </a:fillRef>
+                <a:effectRef idx="0">
+                  <a:schemeClr val="accent1"/>
+                </a:effectRef>
+                <a:fontRef idx="minor">
+                  <a:schemeClr val="tx1"/>
+                </a:fontRef>
+              </p:style>
+            </p:cxnSp>
+            <p:cxnSp>
+              <p:nvCxnSpPr>
+                <p:cNvPr id="68" name="직선 연결선 67">
+                  <a:extLst>
+                    <a:ext uri="{FF2B5EF4-FFF2-40B4-BE49-F238E27FC236}">
+                      <a16:creationId xmlns:a16="http://schemas.microsoft.com/office/drawing/2014/main" id="{CFD6E4A4-6A9A-D4AF-04BC-A18DE62E7BC2}"/>
+                    </a:ext>
+                  </a:extLst>
+                </p:cNvPr>
+                <p:cNvCxnSpPr>
+                  <a:stCxn id="56" idx="2"/>
+                  <a:endCxn id="57" idx="0"/>
+                </p:cNvCxnSpPr>
+                <p:nvPr/>
+              </p:nvCxnSpPr>
+              <p:spPr>
+                <a:xfrm>
+                  <a:off x="4399037" y="3629121"/>
+                  <a:ext cx="0" cy="64862"/>
+                </a:xfrm>
+                <a:prstGeom prst="line">
+                  <a:avLst/>
+                </a:prstGeom>
+              </p:spPr>
+              <p:style>
+                <a:lnRef idx="1">
+                  <a:schemeClr val="accent1"/>
+                </a:lnRef>
+                <a:fillRef idx="0">
+                  <a:schemeClr val="accent1"/>
+                </a:fillRef>
+                <a:effectRef idx="0">
+                  <a:schemeClr val="accent1"/>
+                </a:effectRef>
+                <a:fontRef idx="minor">
+                  <a:schemeClr val="tx1"/>
+                </a:fontRef>
+              </p:style>
+            </p:cxnSp>
+            <p:sp>
+              <p:nvSpPr>
+                <p:cNvPr id="69" name="사각형: 둥근 모서리 68">
+                  <a:extLst>
+                    <a:ext uri="{FF2B5EF4-FFF2-40B4-BE49-F238E27FC236}">
+                      <a16:creationId xmlns:a16="http://schemas.microsoft.com/office/drawing/2014/main" id="{468D98C3-68E1-4497-AFEF-0A9D6543BDD8}"/>
+                    </a:ext>
+                  </a:extLst>
+                </p:cNvPr>
+                <p:cNvSpPr/>
+                <p:nvPr/>
+              </p:nvSpPr>
+              <p:spPr>
+                <a:xfrm>
+                  <a:off x="3415881" y="4254132"/>
+                  <a:ext cx="1987105" cy="1718982"/>
+                </a:xfrm>
+                <a:prstGeom prst="roundRect">
+                  <a:avLst>
+                    <a:gd name="adj" fmla="val 9101"/>
+                  </a:avLst>
+                </a:prstGeom>
+                <a:solidFill>
+                  <a:srgbClr val="E9EDF4"/>
+                </a:solidFill>
+                <a:ln w="9525">
+                  <a:solidFill>
+                    <a:schemeClr val="bg1">
+                      <a:lumMod val="65000"/>
+                    </a:schemeClr>
+                  </a:solidFill>
+                </a:ln>
+              </p:spPr>
+              <p:style>
+                <a:lnRef idx="2">
+                  <a:schemeClr val="accent1">
+                    <a:shade val="15000"/>
+                  </a:schemeClr>
+                </a:lnRef>
+                <a:fillRef idx="1">
+                  <a:schemeClr val="accent1"/>
+                </a:fillRef>
+                <a:effectRef idx="0">
+                  <a:schemeClr val="accent1"/>
+                </a:effectRef>
+                <a:fontRef idx="minor">
+                  <a:schemeClr val="lt1"/>
+                </a:fontRef>
+              </p:style>
+              <p:txBody>
+                <a:bodyPr rtlCol="0" anchor="ctr"/>
+                <a:lstStyle/>
+                <a:p>
+                  <a:pPr algn="ctr"/>
+                  <a:endParaRPr lang="ko-KR" altLang="en-US" sz="1600" dirty="0"/>
+                </a:p>
+              </p:txBody>
+            </p:sp>
+            <p:sp>
+              <p:nvSpPr>
+                <p:cNvPr id="70" name="순서도: 대체 처리 69">
+                  <a:extLst>
+                    <a:ext uri="{FF2B5EF4-FFF2-40B4-BE49-F238E27FC236}">
+                      <a16:creationId xmlns:a16="http://schemas.microsoft.com/office/drawing/2014/main" id="{00034C88-920E-A7F1-7142-6A2C216F0E09}"/>
+                    </a:ext>
+                  </a:extLst>
+                </p:cNvPr>
+                <p:cNvSpPr/>
+                <p:nvPr/>
+              </p:nvSpPr>
+              <p:spPr>
+                <a:xfrm>
+                  <a:off x="3497458" y="4378533"/>
+                  <a:ext cx="1803159" cy="406313"/>
+                </a:xfrm>
+                <a:prstGeom prst="flowChartAlternateProcess">
+                  <a:avLst/>
+                </a:prstGeom>
+                <a:solidFill>
+                  <a:schemeClr val="tx2">
+                    <a:lumMod val="20000"/>
+                    <a:lumOff val="80000"/>
+                  </a:schemeClr>
+                </a:solidFill>
+                <a:ln>
+                  <a:noFill/>
+                </a:ln>
+              </p:spPr>
+              <p:style>
+                <a:lnRef idx="2">
+                  <a:schemeClr val="accent1">
+                    <a:shade val="15000"/>
+                  </a:schemeClr>
+                </a:lnRef>
+                <a:fillRef idx="1">
+                  <a:schemeClr val="accent1"/>
+                </a:fillRef>
+                <a:effectRef idx="0">
+                  <a:schemeClr val="accent1"/>
+                </a:effectRef>
+                <a:fontRef idx="minor">
+                  <a:schemeClr val="lt1"/>
+                </a:fontRef>
+              </p:style>
+              <p:txBody>
+                <a:bodyPr rtlCol="0" anchor="ctr"/>
+                <a:lstStyle/>
+                <a:p>
+                  <a:pPr algn="ctr"/>
+                  <a:r>
+                    <a:rPr lang="en-US" altLang="ko-KR" sz="1600" b="0" i="0" dirty="0">
+                      <a:solidFill>
+                        <a:srgbClr val="000000"/>
+                      </a:solidFill>
+                      <a:effectLst/>
+                      <a:latin typeface="noto"/>
+                    </a:rPr>
+                    <a:t>Model Evaluation</a:t>
+                  </a:r>
+                  <a:endParaRPr lang="ko-KR" altLang="en-US" sz="1600" dirty="0"/>
+                </a:p>
+              </p:txBody>
+            </p:sp>
+            <p:sp>
+              <p:nvSpPr>
+                <p:cNvPr id="71" name="순서도: 대체 처리 70">
+                  <a:extLst>
+                    <a:ext uri="{FF2B5EF4-FFF2-40B4-BE49-F238E27FC236}">
+                      <a16:creationId xmlns:a16="http://schemas.microsoft.com/office/drawing/2014/main" id="{7BBD1EA1-CC05-FBE8-7AAE-43277C23C0F5}"/>
+                    </a:ext>
+                  </a:extLst>
+                </p:cNvPr>
+                <p:cNvSpPr/>
+                <p:nvPr/>
+              </p:nvSpPr>
+              <p:spPr>
+                <a:xfrm>
+                  <a:off x="3497458" y="4889817"/>
+                  <a:ext cx="1803159" cy="269972"/>
+                </a:xfrm>
+                <a:prstGeom prst="flowChartAlternateProcess">
+                  <a:avLst/>
+                </a:prstGeom>
+                <a:solidFill>
+                  <a:schemeClr val="accent5">
+                    <a:lumMod val="20000"/>
+                    <a:lumOff val="80000"/>
+                  </a:schemeClr>
+                </a:solidFill>
+                <a:ln w="3175">
+                  <a:solidFill>
+                    <a:schemeClr val="tx2">
+                      <a:lumMod val="20000"/>
+                      <a:lumOff val="80000"/>
+                    </a:schemeClr>
+                  </a:solidFill>
+                </a:ln>
+              </p:spPr>
+              <p:style>
+                <a:lnRef idx="2">
+                  <a:schemeClr val="accent1">
+                    <a:shade val="15000"/>
+                  </a:schemeClr>
+                </a:lnRef>
+                <a:fillRef idx="1">
+                  <a:schemeClr val="accent1"/>
+                </a:fillRef>
+                <a:effectRef idx="0">
+                  <a:schemeClr val="accent1"/>
+                </a:effectRef>
+                <a:fontRef idx="minor">
+                  <a:schemeClr val="lt1"/>
+                </a:fontRef>
+              </p:style>
+              <p:txBody>
+                <a:bodyPr rtlCol="0" anchor="ctr"/>
+                <a:lstStyle/>
+                <a:p>
+                  <a:pPr algn="ctr"/>
+                  <a:r>
+                    <a:rPr lang="en-US" altLang="ko-KR" sz="1400" dirty="0">
+                      <a:solidFill>
+                        <a:schemeClr val="tx1"/>
+                      </a:solidFill>
+                    </a:rPr>
+                    <a:t>RMSE</a:t>
+                  </a:r>
+                  <a:endParaRPr lang="ko-KR" altLang="en-US" sz="1400" dirty="0">
+                    <a:solidFill>
+                      <a:schemeClr val="tx1"/>
+                    </a:solidFill>
+                  </a:endParaRPr>
+                </a:p>
+              </p:txBody>
+            </p:sp>
+            <p:sp>
+              <p:nvSpPr>
+                <p:cNvPr id="72" name="순서도: 대체 처리 71">
+                  <a:extLst>
+                    <a:ext uri="{FF2B5EF4-FFF2-40B4-BE49-F238E27FC236}">
+                      <a16:creationId xmlns:a16="http://schemas.microsoft.com/office/drawing/2014/main" id="{2DEF013E-19DE-0C92-7867-2939475DB4C8}"/>
+                    </a:ext>
+                  </a:extLst>
+                </p:cNvPr>
+                <p:cNvSpPr/>
+                <p:nvPr/>
+              </p:nvSpPr>
+              <p:spPr>
+                <a:xfrm>
+                  <a:off x="3497458" y="5228185"/>
+                  <a:ext cx="1803159" cy="269972"/>
+                </a:xfrm>
+                <a:prstGeom prst="flowChartAlternateProcess">
+                  <a:avLst/>
+                </a:prstGeom>
+                <a:solidFill>
+                  <a:schemeClr val="accent5">
+                    <a:lumMod val="20000"/>
+                    <a:lumOff val="80000"/>
+                  </a:schemeClr>
+                </a:solidFill>
+                <a:ln w="3175">
+                  <a:solidFill>
+                    <a:schemeClr val="tx2">
+                      <a:lumMod val="20000"/>
+                      <a:lumOff val="80000"/>
+                    </a:schemeClr>
+                  </a:solidFill>
+                </a:ln>
+              </p:spPr>
+              <p:style>
+                <a:lnRef idx="2">
+                  <a:schemeClr val="accent1">
+                    <a:shade val="15000"/>
+                  </a:schemeClr>
+                </a:lnRef>
+                <a:fillRef idx="1">
+                  <a:schemeClr val="accent1"/>
+                </a:fillRef>
+                <a:effectRef idx="0">
+                  <a:schemeClr val="accent1"/>
+                </a:effectRef>
+                <a:fontRef idx="minor">
+                  <a:schemeClr val="lt1"/>
+                </a:fontRef>
+              </p:style>
+              <p:txBody>
+                <a:bodyPr rtlCol="0" anchor="ctr"/>
+                <a:lstStyle/>
+                <a:p>
+                  <a:pPr algn="ctr"/>
+                  <a:r>
+                    <a:rPr lang="en-US" altLang="ko-KR" sz="1400" dirty="0">
+                      <a:solidFill>
+                        <a:schemeClr val="tx1"/>
+                      </a:solidFill>
+                    </a:rPr>
+                    <a:t>MAE</a:t>
+                  </a:r>
+                  <a:endParaRPr lang="ko-KR" altLang="en-US" sz="1400" dirty="0">
+                    <a:solidFill>
+                      <a:schemeClr val="tx1"/>
+                    </a:solidFill>
+                  </a:endParaRPr>
+                </a:p>
+              </p:txBody>
+            </p:sp>
+            <mc:AlternateContent xmlns:mc="http://schemas.openxmlformats.org/markup-compatibility/2006" xmlns:a14="http://schemas.microsoft.com/office/drawing/2010/main">
+              <mc:Choice Requires="a14">
+                <p:sp>
+                  <p:nvSpPr>
+                    <p:cNvPr id="73" name="순서도: 대체 처리 72">
+                      <a:extLst>
+                        <a:ext uri="{FF2B5EF4-FFF2-40B4-BE49-F238E27FC236}">
+                          <a16:creationId xmlns:a16="http://schemas.microsoft.com/office/drawing/2014/main" id="{81528BC3-4E7B-15BA-F399-E2B165B545D1}"/>
+                        </a:ext>
+                      </a:extLst>
+                    </p:cNvPr>
+                    <p:cNvSpPr/>
+                    <p:nvPr/>
+                  </p:nvSpPr>
+                  <p:spPr>
+                    <a:xfrm>
+                      <a:off x="3497458" y="5563019"/>
+                      <a:ext cx="1803159" cy="269972"/>
+                    </a:xfrm>
+                    <a:prstGeom prst="flowChartAlternateProcess">
+                      <a:avLst/>
+                    </a:prstGeom>
+                    <a:solidFill>
+                      <a:schemeClr val="accent5">
+                        <a:lumMod val="20000"/>
+                        <a:lumOff val="80000"/>
+                      </a:schemeClr>
+                    </a:solidFill>
+                    <a:ln w="3175">
+                      <a:solidFill>
+                        <a:schemeClr val="tx2">
+                          <a:lumMod val="20000"/>
+                          <a:lumOff val="80000"/>
+                        </a:schemeClr>
+                      </a:solidFill>
+                    </a:ln>
+                  </p:spPr>
+                  <p:style>
+                    <a:lnRef idx="2">
+                      <a:schemeClr val="accent1">
+                        <a:shade val="15000"/>
+                      </a:schemeClr>
+                    </a:lnRef>
+                    <a:fillRef idx="1">
+                      <a:schemeClr val="accent1"/>
+                    </a:fillRef>
+                    <a:effectRef idx="0">
+                      <a:schemeClr val="accent1"/>
+                    </a:effectRef>
+                    <a:fontRef idx="minor">
+                      <a:schemeClr val="lt1"/>
+                    </a:fontRef>
+                  </p:style>
+                  <p:txBody>
+                    <a:bodyPr rtlCol="0" anchor="ctr"/>
+                    <a:lstStyle/>
+                    <a:p>
+                      <a:pPr algn="ctr"/>
+                      <a14:m>
+                        <m:oMath xmlns:m="http://schemas.openxmlformats.org/officeDocument/2006/math">
+                          <m:sSup>
+                            <m:sSupPr>
+                              <m:ctrlPr>
+                                <a:rPr lang="pt-BR" altLang="ko-KR" sz="1400" i="1" smtClean="0">
+                                  <a:solidFill>
+                                    <a:schemeClr val="tx1"/>
+                                  </a:solidFill>
+                                  <a:latin typeface="Cambria Math" panose="02040503050406030204" pitchFamily="18" charset="0"/>
+                                </a:rPr>
+                              </m:ctrlPr>
+                            </m:sSupPr>
+                            <m:e>
+                              <m:r>
+                                <a:rPr lang="en-US" altLang="ko-KR" sz="1400" b="0" i="1" smtClean="0">
+                                  <a:solidFill>
+                                    <a:schemeClr val="tx1"/>
+                                  </a:solidFill>
+                                  <a:latin typeface="Cambria Math" panose="02040503050406030204" pitchFamily="18" charset="0"/>
+                                </a:rPr>
+                                <m:t>𝑅</m:t>
+                              </m:r>
+                            </m:e>
+                            <m:sup>
+                              <m:r>
+                                <a:rPr lang="pt-BR" altLang="ko-KR" sz="1400" i="1" smtClean="0">
+                                  <a:solidFill>
+                                    <a:schemeClr val="tx1"/>
+                                  </a:solidFill>
+                                  <a:latin typeface="Cambria Math" panose="02040503050406030204" pitchFamily="18" charset="0"/>
+                                </a:rPr>
+                                <m:t>2</m:t>
+                              </m:r>
+                            </m:sup>
+                          </m:sSup>
+                          <m:r>
+                            <a:rPr lang="en-US" altLang="ko-KR" sz="1400" b="0" i="1" smtClean="0">
+                              <a:solidFill>
+                                <a:schemeClr val="tx1"/>
+                              </a:solidFill>
+                              <a:latin typeface="Cambria Math" panose="02040503050406030204" pitchFamily="18" charset="0"/>
+                            </a:rPr>
+                            <m:t> </m:t>
+                          </m:r>
+                        </m:oMath>
+                      </a14:m>
+                      <a:r>
+                        <a:rPr lang="en-US" altLang="ko-KR" sz="1400" dirty="0">
+                          <a:solidFill>
+                            <a:schemeClr val="tx1"/>
+                          </a:solidFill>
+                          <a:latin typeface="+mn-ea"/>
+                        </a:rPr>
+                        <a:t>score</a:t>
+                      </a:r>
+                      <a:endParaRPr lang="ko-KR" altLang="en-US" sz="1400" dirty="0">
+                        <a:solidFill>
+                          <a:schemeClr val="tx1"/>
+                        </a:solidFill>
+                        <a:latin typeface="+mn-ea"/>
+                      </a:endParaRPr>
+                    </a:p>
+                  </p:txBody>
+                </p:sp>
+              </mc:Choice>
+              <mc:Fallback xmlns="">
+                <p:sp>
+                  <p:nvSpPr>
+                    <p:cNvPr id="73" name="순서도: 대체 처리 72">
+                      <a:extLst>
+                        <a:ext uri="{FF2B5EF4-FFF2-40B4-BE49-F238E27FC236}">
+                          <a16:creationId xmlns:a16="http://schemas.microsoft.com/office/drawing/2014/main" id="{81528BC3-4E7B-15BA-F399-E2B165B545D1}"/>
+                        </a:ext>
+                      </a:extLst>
+                    </p:cNvPr>
+                    <p:cNvSpPr>
+                      <a:spLocks noRot="1" noChangeAspect="1" noMove="1" noResize="1" noEditPoints="1" noAdjustHandles="1" noChangeArrowheads="1" noChangeShapeType="1" noTextEdit="1"/>
+                    </p:cNvSpPr>
+                    <p:nvPr/>
+                  </p:nvSpPr>
+                  <p:spPr>
+                    <a:xfrm>
+                      <a:off x="3497458" y="5563019"/>
+                      <a:ext cx="1803159" cy="269972"/>
+                    </a:xfrm>
+                    <a:prstGeom prst="flowChartAlternateProcess">
+                      <a:avLst/>
+                    </a:prstGeom>
+                    <a:blipFill>
+                      <a:blip r:embed="rId3"/>
+                      <a:stretch>
+                        <a:fillRect t="-11111" b="-26667"/>
+                      </a:stretch>
+                    </a:blipFill>
+                    <a:ln w="3175">
+                      <a:solidFill>
+                        <a:schemeClr val="tx2">
+                          <a:lumMod val="20000"/>
+                          <a:lumOff val="80000"/>
+                        </a:schemeClr>
+                      </a:solidFill>
+                    </a:ln>
+                  </p:spPr>
+                  <p:txBody>
+                    <a:bodyPr/>
+                    <a:lstStyle/>
+                    <a:p>
+                      <a:r>
+                        <a:rPr lang="ko-KR" altLang="en-US">
+                          <a:noFill/>
+                        </a:rPr>
+                        <a:t> </a:t>
+                      </a:r>
+                    </a:p>
+                  </p:txBody>
+                </p:sp>
+              </mc:Fallback>
+            </mc:AlternateContent>
+            <p:cxnSp>
+              <p:nvCxnSpPr>
+                <p:cNvPr id="75" name="직선 연결선 74">
+                  <a:extLst>
+                    <a:ext uri="{FF2B5EF4-FFF2-40B4-BE49-F238E27FC236}">
+                      <a16:creationId xmlns:a16="http://schemas.microsoft.com/office/drawing/2014/main" id="{9E77A2DC-9809-01D2-D119-C9C2BD4D8640}"/>
+                    </a:ext>
+                  </a:extLst>
+                </p:cNvPr>
+                <p:cNvCxnSpPr>
+                  <a:stCxn id="70" idx="2"/>
+                  <a:endCxn id="71" idx="0"/>
+                </p:cNvCxnSpPr>
+                <p:nvPr/>
+              </p:nvCxnSpPr>
+              <p:spPr>
+                <a:xfrm>
+                  <a:off x="4399038" y="4784846"/>
+                  <a:ext cx="0" cy="104971"/>
+                </a:xfrm>
+                <a:prstGeom prst="line">
+                  <a:avLst/>
+                </a:prstGeom>
+              </p:spPr>
+              <p:style>
+                <a:lnRef idx="1">
+                  <a:schemeClr val="accent1"/>
+                </a:lnRef>
+                <a:fillRef idx="0">
+                  <a:schemeClr val="accent1"/>
+                </a:fillRef>
+                <a:effectRef idx="0">
+                  <a:schemeClr val="accent1"/>
+                </a:effectRef>
+                <a:fontRef idx="minor">
+                  <a:schemeClr val="tx1"/>
+                </a:fontRef>
+              </p:style>
+            </p:cxnSp>
+            <p:cxnSp>
+              <p:nvCxnSpPr>
+                <p:cNvPr id="77" name="직선 연결선 76">
+                  <a:extLst>
+                    <a:ext uri="{FF2B5EF4-FFF2-40B4-BE49-F238E27FC236}">
+                      <a16:creationId xmlns:a16="http://schemas.microsoft.com/office/drawing/2014/main" id="{165C1529-EE74-9FED-6B72-DB8DBE41FB70}"/>
+                    </a:ext>
+                  </a:extLst>
+                </p:cNvPr>
+                <p:cNvCxnSpPr>
+                  <a:stCxn id="71" idx="2"/>
+                  <a:endCxn id="72" idx="0"/>
+                </p:cNvCxnSpPr>
+                <p:nvPr/>
+              </p:nvCxnSpPr>
+              <p:spPr>
+                <a:xfrm>
+                  <a:off x="4399038" y="5159789"/>
+                  <a:ext cx="0" cy="68396"/>
+                </a:xfrm>
+                <a:prstGeom prst="line">
+                  <a:avLst/>
+                </a:prstGeom>
+              </p:spPr>
+              <p:style>
+                <a:lnRef idx="1">
+                  <a:schemeClr val="accent1"/>
+                </a:lnRef>
+                <a:fillRef idx="0">
+                  <a:schemeClr val="accent1"/>
+                </a:fillRef>
+                <a:effectRef idx="0">
+                  <a:schemeClr val="accent1"/>
+                </a:effectRef>
+                <a:fontRef idx="minor">
+                  <a:schemeClr val="tx1"/>
+                </a:fontRef>
+              </p:style>
+            </p:cxnSp>
+            <p:cxnSp>
+              <p:nvCxnSpPr>
+                <p:cNvPr id="79" name="직선 연결선 78">
+                  <a:extLst>
+                    <a:ext uri="{FF2B5EF4-FFF2-40B4-BE49-F238E27FC236}">
+                      <a16:creationId xmlns:a16="http://schemas.microsoft.com/office/drawing/2014/main" id="{B0A3064E-3163-C1A8-8758-FCEE448EEFEE}"/>
+                    </a:ext>
+                  </a:extLst>
+                </p:cNvPr>
+                <p:cNvCxnSpPr>
+                  <a:stCxn id="72" idx="2"/>
+                  <a:endCxn id="73" idx="0"/>
+                </p:cNvCxnSpPr>
+                <p:nvPr/>
+              </p:nvCxnSpPr>
+              <p:spPr>
+                <a:xfrm>
+                  <a:off x="4399038" y="5498157"/>
+                  <a:ext cx="0" cy="64862"/>
+                </a:xfrm>
+                <a:prstGeom prst="line">
+                  <a:avLst/>
+                </a:prstGeom>
+              </p:spPr>
+              <p:style>
+                <a:lnRef idx="1">
+                  <a:schemeClr val="accent1"/>
+                </a:lnRef>
+                <a:fillRef idx="0">
+                  <a:schemeClr val="accent1"/>
+                </a:fillRef>
+                <a:effectRef idx="0">
+                  <a:schemeClr val="accent1"/>
+                </a:effectRef>
+                <a:fontRef idx="minor">
+                  <a:schemeClr val="tx1"/>
+                </a:fontRef>
+              </p:style>
+            </p:cxnSp>
+            <p:cxnSp>
+              <p:nvCxnSpPr>
+                <p:cNvPr id="85" name="직선 화살표 연결선 84">
+                  <a:extLst>
+                    <a:ext uri="{FF2B5EF4-FFF2-40B4-BE49-F238E27FC236}">
+                      <a16:creationId xmlns:a16="http://schemas.microsoft.com/office/drawing/2014/main" id="{0216192A-BDB1-D792-161C-277C16DC5961}"/>
+                    </a:ext>
+                  </a:extLst>
+                </p:cNvPr>
+                <p:cNvCxnSpPr>
+                  <a:stCxn id="49" idx="2"/>
+                  <a:endCxn id="69" idx="0"/>
+                </p:cNvCxnSpPr>
+                <p:nvPr/>
+              </p:nvCxnSpPr>
+              <p:spPr>
+                <a:xfrm>
+                  <a:off x="4409434" y="4081298"/>
+                  <a:ext cx="0" cy="172834"/>
+                </a:xfrm>
+                <a:prstGeom prst="straightConnector1">
+                  <a:avLst/>
+                </a:prstGeom>
+                <a:ln>
+                  <a:tailEnd type="triangle"/>
+                </a:ln>
+              </p:spPr>
+              <p:style>
+                <a:lnRef idx="1">
+                  <a:schemeClr val="accent1"/>
+                </a:lnRef>
+                <a:fillRef idx="0">
+                  <a:schemeClr val="accent1"/>
+                </a:fillRef>
+                <a:effectRef idx="0">
+                  <a:schemeClr val="accent1"/>
+                </a:effectRef>
+                <a:fontRef idx="minor">
+                  <a:schemeClr val="tx1"/>
+                </a:fontRef>
+              </p:style>
+            </p:cxnSp>
+            <p:cxnSp>
+              <p:nvCxnSpPr>
+                <p:cNvPr id="92" name="연결선: 꺾임 91">
+                  <a:extLst>
+                    <a:ext uri="{FF2B5EF4-FFF2-40B4-BE49-F238E27FC236}">
+                      <a16:creationId xmlns:a16="http://schemas.microsoft.com/office/drawing/2014/main" id="{E7F5A36C-CF5B-FD00-199F-D9EF8CF7D022}"/>
+                    </a:ext>
+                  </a:extLst>
+                </p:cNvPr>
+                <p:cNvCxnSpPr>
+                  <a:cxnSpLocks/>
+                </p:cNvCxnSpPr>
+                <p:nvPr/>
+              </p:nvCxnSpPr>
+              <p:spPr>
+                <a:xfrm flipV="1">
+                  <a:off x="2896579" y="2869945"/>
+                  <a:ext cx="508904" cy="2595541"/>
+                </a:xfrm>
+                <a:prstGeom prst="bentConnector3">
+                  <a:avLst>
+                    <a:gd name="adj1" fmla="val 61052"/>
+                  </a:avLst>
+                </a:prstGeom>
+                <a:ln w="19050">
+                  <a:solidFill>
+                    <a:schemeClr val="tx2">
+                      <a:lumMod val="75000"/>
+                    </a:schemeClr>
+                  </a:solidFill>
+                  <a:tailEnd type="triangle"/>
+                </a:ln>
+              </p:spPr>
+              <p:style>
+                <a:lnRef idx="1">
+                  <a:schemeClr val="accent1"/>
+                </a:lnRef>
+                <a:fillRef idx="0">
+                  <a:schemeClr val="accent1"/>
+                </a:fillRef>
+                <a:effectRef idx="0">
+                  <a:schemeClr val="accent1"/>
+                </a:effectRef>
+                <a:fontRef idx="minor">
+                  <a:schemeClr val="tx1"/>
+                </a:fontRef>
+              </p:style>
+            </p:cxnSp>
           </p:grpSp>
           <p:sp>
             <p:nvSpPr>
-              <p:cNvPr id="17" name="순서도: 대체 처리 16">
+              <p:cNvPr id="96" name="사각형: 둥근 모서리 95">
                 <a:extLst>
                   <a:ext uri="{FF2B5EF4-FFF2-40B4-BE49-F238E27FC236}">
-                    <a16:creationId xmlns:a16="http://schemas.microsoft.com/office/drawing/2014/main" id="{19411501-7221-141A-F533-DF8BCE92D5BD}"/>
+                    <a16:creationId xmlns:a16="http://schemas.microsoft.com/office/drawing/2014/main" id="{2FF72076-7595-464C-4DFB-E66BEB8983AD}"/>
                   </a:ext>
                 </a:extLst>
               </p:cNvPr>
@@ -10977,7 +13248,63 @@
             </p:nvSpPr>
             <p:spPr>
               <a:xfrm>
-                <a:off x="1103819" y="1837826"/>
+                <a:off x="5830336" y="1837826"/>
+                <a:ext cx="1987105" cy="973996"/>
+              </a:xfrm>
+              <a:prstGeom prst="roundRect">
+                <a:avLst/>
+              </a:prstGeom>
+              <a:solidFill>
+                <a:srgbClr val="E9EDF4"/>
+              </a:solidFill>
+              <a:ln w="9525">
+                <a:solidFill>
+                  <a:schemeClr val="bg1">
+                    <a:lumMod val="65000"/>
+                  </a:schemeClr>
+                </a:solidFill>
+              </a:ln>
+            </p:spPr>
+            <p:style>
+              <a:lnRef idx="2">
+                <a:schemeClr val="accent1">
+                  <a:shade val="15000"/>
+                </a:schemeClr>
+              </a:lnRef>
+              <a:fillRef idx="1">
+                <a:schemeClr val="accent1"/>
+              </a:fillRef>
+              <a:effectRef idx="0">
+                <a:schemeClr val="accent1"/>
+              </a:effectRef>
+              <a:fontRef idx="minor">
+                <a:schemeClr val="lt1"/>
+              </a:fontRef>
+            </p:style>
+            <p:txBody>
+              <a:bodyPr rtlCol="0" anchor="ctr"/>
+              <a:lstStyle/>
+              <a:p>
+                <a:pPr algn="ctr"/>
+                <a:endParaRPr lang="ko-KR" altLang="en-US" sz="1600" dirty="0"/>
+              </a:p>
+            </p:txBody>
+          </p:sp>
+          <p:sp>
+            <p:nvSpPr>
+              <p:cNvPr id="97" name="순서도: 대체 처리 96">
+                <a:extLst>
+                  <a:ext uri="{FF2B5EF4-FFF2-40B4-BE49-F238E27FC236}">
+                    <a16:creationId xmlns:a16="http://schemas.microsoft.com/office/drawing/2014/main" id="{923953BE-8EA0-B32F-A830-530DC8995853}"/>
+                  </a:ext>
+                </a:extLst>
+              </p:cNvPr>
+              <p:cNvSpPr/>
+              <p:nvPr/>
+            </p:nvSpPr>
+            <p:spPr>
+              <a:xfrm>
+                <a:off x="5922310" y="1935222"/>
                 <a:ext cx="1803159" cy="406313"/>
               </a:xfrm>
               <a:prstGeom prst="flowChartAlternateProcess">
@@ -11022,7 +13349,7 @@
                     <a:effectLst/>
                     <a:latin typeface="noto"/>
                   </a:rPr>
-                  <a:t>Preparing data</a:t>
+                  <a:t>Select a Model</a:t>
                 </a:r>
                 <a:endParaRPr lang="ko-KR" altLang="en-US" sz="1600" dirty="0"/>
               </a:p>
@@ -11030,10 +13357,10 @@
           </p:sp>
           <p:sp>
             <p:nvSpPr>
-              <p:cNvPr id="18" name="순서도: 대체 처리 17">
+              <p:cNvPr id="98" name="순서도: 대체 처리 97">
                 <a:extLst>
                   <a:ext uri="{FF2B5EF4-FFF2-40B4-BE49-F238E27FC236}">
-                    <a16:creationId xmlns:a16="http://schemas.microsoft.com/office/drawing/2014/main" id="{F09C5881-4B69-7B34-8FDA-0778F8517DA3}"/>
+                    <a16:creationId xmlns:a16="http://schemas.microsoft.com/office/drawing/2014/main" id="{67F10F5A-5D30-1585-534F-8E2EA9A715BA}"/>
                   </a:ext>
                 </a:extLst>
               </p:cNvPr>
@@ -11042,20 +13369,25 @@
             </p:nvSpPr>
             <p:spPr>
               <a:xfrm>
-                <a:off x="1103819" y="2372647"/>
-                <a:ext cx="1803159" cy="482959"/>
+                <a:off x="5922310" y="2446506"/>
+                <a:ext cx="1803159" cy="269972"/>
               </a:xfrm>
               <a:prstGeom prst="flowChartAlternateProcess">
                 <a:avLst/>
               </a:prstGeom>
               <a:solidFill>
-                <a:schemeClr val="tx2">
+                <a:schemeClr val="accent5">
                   <a:lumMod val="20000"/>
                   <a:lumOff val="80000"/>
                 </a:schemeClr>
               </a:solidFill>
-              <a:ln>
-                <a:noFill/>
+              <a:ln w="3175">
+                <a:solidFill>
+                  <a:schemeClr val="tx2">
+                    <a:lumMod val="20000"/>
+                    <a:lumOff val="80000"/>
+                  </a:schemeClr>
+                </a:solidFill>
               </a:ln>
             </p:spPr>
             <p:style>
@@ -11080,573 +13412,54 @@
               <a:p>
                 <a:pPr algn="ctr"/>
                 <a:r>
-                  <a:rPr lang="en-US" altLang="ko-KR" sz="1600" b="0" i="0" dirty="0">
+                  <a:rPr lang="en-US" altLang="ko-KR" sz="1400" dirty="0" err="1">
                     <a:solidFill>
-                      <a:srgbClr val="000000"/>
+                      <a:schemeClr val="tx1"/>
                     </a:solidFill>
-                    <a:effectLst/>
-                    <a:latin typeface="noto"/>
                   </a:rPr>
-                  <a:t>Remove missing </a:t>
+                  <a:t>CatBoost</a:t>
                 </a:r>
-              </a:p>
-              <a:p>
-                <a:pPr algn="ctr"/>
                 <a:r>
-                  <a:rPr lang="en-US" altLang="ko-KR" sz="1600" b="0" i="0" dirty="0">
+                  <a:rPr lang="en-US" altLang="ko-KR" sz="1400" dirty="0">
                     <a:solidFill>
-                      <a:srgbClr val="000000"/>
+                      <a:schemeClr val="tx1"/>
                     </a:solidFill>
-                    <a:effectLst/>
-                    <a:latin typeface="noto"/>
                   </a:rPr>
-                  <a:t>and outliers</a:t>
+                  <a:t> Regressor</a:t>
                 </a:r>
-                <a:endParaRPr lang="ko-KR" altLang="en-US" sz="1600" dirty="0"/>
+                <a:endParaRPr lang="ko-KR" altLang="en-US" sz="1400" dirty="0">
+                  <a:solidFill>
+                    <a:schemeClr val="tx1"/>
+                  </a:solidFill>
+                </a:endParaRPr>
               </a:p>
             </p:txBody>
           </p:sp>
-          <p:grpSp>
-            <p:nvGrpSpPr>
-              <p:cNvPr id="24" name="그룹 23">
+          <p:cxnSp>
+            <p:nvCxnSpPr>
+              <p:cNvPr id="101" name="연결선: 꺾임 100">
                 <a:extLst>
                   <a:ext uri="{FF2B5EF4-FFF2-40B4-BE49-F238E27FC236}">
-                    <a16:creationId xmlns:a16="http://schemas.microsoft.com/office/drawing/2014/main" id="{6323210B-5D96-74A0-D537-BB50102E2FE0}"/>
-                  </a:ext>
-                </a:extLst>
-              </p:cNvPr>
-              <p:cNvGrpSpPr/>
-              <p:nvPr/>
-            </p:nvGrpSpPr>
-            <p:grpSpPr>
-              <a:xfrm>
-                <a:off x="1011846" y="2984114"/>
-                <a:ext cx="1987105" cy="973996"/>
-                <a:chOff x="980741" y="2400092"/>
-                <a:chExt cx="1434171" cy="733518"/>
-              </a:xfrm>
-            </p:grpSpPr>
-            <p:sp>
-              <p:nvSpPr>
-                <p:cNvPr id="23" name="사각형: 둥근 모서리 22">
-                  <a:extLst>
-                    <a:ext uri="{FF2B5EF4-FFF2-40B4-BE49-F238E27FC236}">
-                      <a16:creationId xmlns:a16="http://schemas.microsoft.com/office/drawing/2014/main" id="{76804C56-E749-C923-DABD-650882E0A688}"/>
-                    </a:ext>
-                  </a:extLst>
-                </p:cNvPr>
-                <p:cNvSpPr/>
-                <p:nvPr/>
-              </p:nvSpPr>
-              <p:spPr>
-                <a:xfrm>
-                  <a:off x="980741" y="2400092"/>
-                  <a:ext cx="1434171" cy="733518"/>
-                </a:xfrm>
-                <a:prstGeom prst="roundRect">
-                  <a:avLst/>
-                </a:prstGeom>
-                <a:solidFill>
-                  <a:srgbClr val="E9EDF4"/>
-                </a:solidFill>
-                <a:ln w="9525">
-                  <a:solidFill>
-                    <a:schemeClr val="bg1">
-                      <a:lumMod val="65000"/>
-                    </a:schemeClr>
-                  </a:solidFill>
-                </a:ln>
-              </p:spPr>
-              <p:style>
-                <a:lnRef idx="2">
-                  <a:schemeClr val="accent1">
-                    <a:shade val="15000"/>
-                  </a:schemeClr>
-                </a:lnRef>
-                <a:fillRef idx="1">
-                  <a:schemeClr val="accent1"/>
-                </a:fillRef>
-                <a:effectRef idx="0">
-                  <a:schemeClr val="accent1"/>
-                </a:effectRef>
-                <a:fontRef idx="minor">
-                  <a:schemeClr val="lt1"/>
-                </a:fontRef>
-              </p:style>
-              <p:txBody>
-                <a:bodyPr rtlCol="0" anchor="ctr"/>
-                <a:lstStyle/>
-                <a:p>
-                  <a:pPr algn="ctr"/>
-                  <a:endParaRPr lang="ko-KR" altLang="en-US" sz="1600" dirty="0"/>
-                </a:p>
-              </p:txBody>
-            </p:sp>
-            <p:sp>
-              <p:nvSpPr>
-                <p:cNvPr id="19" name="순서도: 대체 처리 18">
-                  <a:extLst>
-                    <a:ext uri="{FF2B5EF4-FFF2-40B4-BE49-F238E27FC236}">
-                      <a16:creationId xmlns:a16="http://schemas.microsoft.com/office/drawing/2014/main" id="{1383E8BD-2B78-DF5F-97D9-3AC8D7484731}"/>
-                    </a:ext>
-                  </a:extLst>
-                </p:cNvPr>
-                <p:cNvSpPr/>
-                <p:nvPr/>
-              </p:nvSpPr>
-              <p:spPr>
-                <a:xfrm>
-                  <a:off x="1047122" y="2473441"/>
-                  <a:ext cx="1301410" cy="305995"/>
-                </a:xfrm>
-                <a:prstGeom prst="flowChartAlternateProcess">
-                  <a:avLst/>
-                </a:prstGeom>
-                <a:solidFill>
-                  <a:schemeClr val="tx2">
-                    <a:lumMod val="20000"/>
-                    <a:lumOff val="80000"/>
-                  </a:schemeClr>
-                </a:solidFill>
-                <a:ln>
-                  <a:noFill/>
-                </a:ln>
-              </p:spPr>
-              <p:style>
-                <a:lnRef idx="2">
-                  <a:schemeClr val="accent1">
-                    <a:shade val="15000"/>
-                  </a:schemeClr>
-                </a:lnRef>
-                <a:fillRef idx="1">
-                  <a:schemeClr val="accent1"/>
-                </a:fillRef>
-                <a:effectRef idx="0">
-                  <a:schemeClr val="accent1"/>
-                </a:effectRef>
-                <a:fontRef idx="minor">
-                  <a:schemeClr val="lt1"/>
-                </a:fontRef>
-              </p:style>
-              <p:txBody>
-                <a:bodyPr rtlCol="0" anchor="ctr"/>
-                <a:lstStyle/>
-                <a:p>
-                  <a:pPr algn="ctr"/>
-                  <a:r>
-                    <a:rPr lang="en-US" altLang="ko-KR" sz="1600" b="0" i="0" dirty="0">
-                      <a:solidFill>
-                        <a:srgbClr val="000000"/>
-                      </a:solidFill>
-                      <a:effectLst/>
-                      <a:latin typeface="noto"/>
-                    </a:rPr>
-                    <a:t>Feature selection</a:t>
-                  </a:r>
-                  <a:endParaRPr lang="ko-KR" altLang="en-US" sz="1600" dirty="0"/>
-                </a:p>
-              </p:txBody>
-            </p:sp>
-            <p:sp>
-              <p:nvSpPr>
-                <p:cNvPr id="20" name="순서도: 대체 처리 19">
-                  <a:extLst>
-                    <a:ext uri="{FF2B5EF4-FFF2-40B4-BE49-F238E27FC236}">
-                      <a16:creationId xmlns:a16="http://schemas.microsoft.com/office/drawing/2014/main" id="{12B8D8C2-4CDE-3BEC-9DE8-E42AAB409EF2}"/>
-                    </a:ext>
-                  </a:extLst>
-                </p:cNvPr>
-                <p:cNvSpPr/>
-                <p:nvPr/>
-              </p:nvSpPr>
-              <p:spPr>
-                <a:xfrm>
-                  <a:off x="1047122" y="2858490"/>
-                  <a:ext cx="1301410" cy="203316"/>
-                </a:xfrm>
-                <a:prstGeom prst="flowChartAlternateProcess">
-                  <a:avLst/>
-                </a:prstGeom>
-                <a:solidFill>
-                  <a:schemeClr val="accent5">
-                    <a:lumMod val="20000"/>
-                    <a:lumOff val="80000"/>
-                  </a:schemeClr>
-                </a:solidFill>
-                <a:ln w="3175">
-                  <a:solidFill>
-                    <a:schemeClr val="tx2">
-                      <a:lumMod val="20000"/>
-                      <a:lumOff val="80000"/>
-                    </a:schemeClr>
-                  </a:solidFill>
-                </a:ln>
-              </p:spPr>
-              <p:style>
-                <a:lnRef idx="2">
-                  <a:schemeClr val="accent1">
-                    <a:shade val="15000"/>
-                  </a:schemeClr>
-                </a:lnRef>
-                <a:fillRef idx="1">
-                  <a:schemeClr val="accent1"/>
-                </a:fillRef>
-                <a:effectRef idx="0">
-                  <a:schemeClr val="accent1"/>
-                </a:effectRef>
-                <a:fontRef idx="minor">
-                  <a:schemeClr val="lt1"/>
-                </a:fontRef>
-              </p:style>
-              <p:txBody>
-                <a:bodyPr rtlCol="0" anchor="ctr"/>
-                <a:lstStyle/>
-                <a:p>
-                  <a:pPr algn="ctr"/>
-                  <a:r>
-                    <a:rPr lang="en-US" altLang="ko-KR" sz="1400" dirty="0">
-                      <a:solidFill>
-                        <a:schemeClr val="tx1"/>
-                      </a:solidFill>
-                    </a:rPr>
-                    <a:t>SHAP</a:t>
-                  </a:r>
-                  <a:endParaRPr lang="ko-KR" altLang="en-US" sz="1400" dirty="0">
-                    <a:solidFill>
-                      <a:schemeClr val="tx1"/>
-                    </a:solidFill>
-                  </a:endParaRPr>
-                </a:p>
-              </p:txBody>
-            </p:sp>
-          </p:grpSp>
-          <p:sp>
-            <p:nvSpPr>
-              <p:cNvPr id="22" name="순서도: 대체 처리 21">
-                <a:extLst>
-                  <a:ext uri="{FF2B5EF4-FFF2-40B4-BE49-F238E27FC236}">
-                    <a16:creationId xmlns:a16="http://schemas.microsoft.com/office/drawing/2014/main" id="{D7F9ECC7-F718-CD2D-53A0-332D767F3ACF}"/>
-                  </a:ext>
-                </a:extLst>
-              </p:cNvPr>
-              <p:cNvSpPr/>
-              <p:nvPr/>
-            </p:nvSpPr>
-            <p:spPr>
-              <a:xfrm>
-                <a:off x="1103818" y="5228485"/>
-                <a:ext cx="1803159" cy="530838"/>
-              </a:xfrm>
-              <a:prstGeom prst="flowChartAlternateProcess">
-                <a:avLst/>
-              </a:prstGeom>
-              <a:solidFill>
-                <a:schemeClr val="tx2">
-                  <a:lumMod val="20000"/>
-                  <a:lumOff val="80000"/>
-                </a:schemeClr>
-              </a:solidFill>
-              <a:ln>
-                <a:noFill/>
-              </a:ln>
-            </p:spPr>
-            <p:style>
-              <a:lnRef idx="2">
-                <a:schemeClr val="accent1">
-                  <a:shade val="15000"/>
-                </a:schemeClr>
-              </a:lnRef>
-              <a:fillRef idx="1">
-                <a:schemeClr val="accent1"/>
-              </a:fillRef>
-              <a:effectRef idx="0">
-                <a:schemeClr val="accent1"/>
-              </a:effectRef>
-              <a:fontRef idx="minor">
-                <a:schemeClr val="lt1"/>
-              </a:fontRef>
-            </p:style>
-            <p:txBody>
-              <a:bodyPr rtlCol="0" anchor="ctr"/>
-              <a:lstStyle/>
-              <a:p>
-                <a:pPr algn="ctr"/>
-                <a:r>
-                  <a:rPr lang="en-US" altLang="ko-KR" sz="1600" b="0" i="0" dirty="0">
-                    <a:solidFill>
-                      <a:srgbClr val="000000"/>
-                    </a:solidFill>
-                    <a:effectLst/>
-                    <a:latin typeface="noto"/>
-                  </a:rPr>
-                  <a:t>Training-test </a:t>
-                </a:r>
-              </a:p>
-              <a:p>
-                <a:pPr algn="ctr"/>
-                <a:r>
-                  <a:rPr lang="en-US" altLang="ko-KR" sz="1600" b="0" i="0" dirty="0">
-                    <a:solidFill>
-                      <a:srgbClr val="000000"/>
-                    </a:solidFill>
-                    <a:effectLst/>
-                    <a:latin typeface="noto"/>
-                  </a:rPr>
-                  <a:t>dataset split</a:t>
-                </a:r>
-                <a:endParaRPr lang="ko-KR" altLang="en-US" sz="1600" dirty="0"/>
-              </a:p>
-            </p:txBody>
-          </p:sp>
-          <p:grpSp>
-            <p:nvGrpSpPr>
-              <p:cNvPr id="25" name="그룹 24">
-                <a:extLst>
-                  <a:ext uri="{FF2B5EF4-FFF2-40B4-BE49-F238E27FC236}">
-                    <a16:creationId xmlns:a16="http://schemas.microsoft.com/office/drawing/2014/main" id="{38573125-F7DE-AF2A-B7ED-3DA8356069DC}"/>
-                  </a:ext>
-                </a:extLst>
-              </p:cNvPr>
-              <p:cNvGrpSpPr/>
-              <p:nvPr/>
-            </p:nvGrpSpPr>
-            <p:grpSpPr>
-              <a:xfrm>
-                <a:off x="1011844" y="4106299"/>
-                <a:ext cx="1987105" cy="973996"/>
-                <a:chOff x="980741" y="2400092"/>
-                <a:chExt cx="1434171" cy="733518"/>
-              </a:xfrm>
-            </p:grpSpPr>
-            <p:sp>
-              <p:nvSpPr>
-                <p:cNvPr id="26" name="사각형: 둥근 모서리 25">
-                  <a:extLst>
-                    <a:ext uri="{FF2B5EF4-FFF2-40B4-BE49-F238E27FC236}">
-                      <a16:creationId xmlns:a16="http://schemas.microsoft.com/office/drawing/2014/main" id="{38DABE49-0565-16FF-A2D8-E986F0E80257}"/>
-                    </a:ext>
-                  </a:extLst>
-                </p:cNvPr>
-                <p:cNvSpPr/>
-                <p:nvPr/>
-              </p:nvSpPr>
-              <p:spPr>
-                <a:xfrm>
-                  <a:off x="980741" y="2400092"/>
-                  <a:ext cx="1434171" cy="733518"/>
-                </a:xfrm>
-                <a:prstGeom prst="roundRect">
-                  <a:avLst/>
-                </a:prstGeom>
-                <a:solidFill>
-                  <a:srgbClr val="E9EDF4"/>
-                </a:solidFill>
-                <a:ln w="9525">
-                  <a:solidFill>
-                    <a:schemeClr val="bg1">
-                      <a:lumMod val="65000"/>
-                    </a:schemeClr>
-                  </a:solidFill>
-                </a:ln>
-              </p:spPr>
-              <p:style>
-                <a:lnRef idx="2">
-                  <a:schemeClr val="accent1">
-                    <a:shade val="15000"/>
-                  </a:schemeClr>
-                </a:lnRef>
-                <a:fillRef idx="1">
-                  <a:schemeClr val="accent1"/>
-                </a:fillRef>
-                <a:effectRef idx="0">
-                  <a:schemeClr val="accent1"/>
-                </a:effectRef>
-                <a:fontRef idx="minor">
-                  <a:schemeClr val="lt1"/>
-                </a:fontRef>
-              </p:style>
-              <p:txBody>
-                <a:bodyPr rtlCol="0" anchor="ctr"/>
-                <a:lstStyle/>
-                <a:p>
-                  <a:pPr algn="ctr"/>
-                  <a:endParaRPr lang="ko-KR" altLang="en-US" sz="1600"/>
-                </a:p>
-              </p:txBody>
-            </p:sp>
-            <p:sp>
-              <p:nvSpPr>
-                <p:cNvPr id="27" name="순서도: 대체 처리 26">
-                  <a:extLst>
-                    <a:ext uri="{FF2B5EF4-FFF2-40B4-BE49-F238E27FC236}">
-                      <a16:creationId xmlns:a16="http://schemas.microsoft.com/office/drawing/2014/main" id="{196DE0D7-B25D-432C-082C-EFB8604D7060}"/>
-                    </a:ext>
-                  </a:extLst>
-                </p:cNvPr>
-                <p:cNvSpPr/>
-                <p:nvPr/>
-              </p:nvSpPr>
-              <p:spPr>
-                <a:xfrm>
-                  <a:off x="1047122" y="2473441"/>
-                  <a:ext cx="1301410" cy="305995"/>
-                </a:xfrm>
-                <a:prstGeom prst="flowChartAlternateProcess">
-                  <a:avLst/>
-                </a:prstGeom>
-                <a:solidFill>
-                  <a:schemeClr val="tx2">
-                    <a:lumMod val="20000"/>
-                    <a:lumOff val="80000"/>
-                  </a:schemeClr>
-                </a:solidFill>
-                <a:ln>
-                  <a:noFill/>
-                </a:ln>
-              </p:spPr>
-              <p:style>
-                <a:lnRef idx="2">
-                  <a:schemeClr val="accent1">
-                    <a:shade val="15000"/>
-                  </a:schemeClr>
-                </a:lnRef>
-                <a:fillRef idx="1">
-                  <a:schemeClr val="accent1"/>
-                </a:fillRef>
-                <a:effectRef idx="0">
-                  <a:schemeClr val="accent1"/>
-                </a:effectRef>
-                <a:fontRef idx="minor">
-                  <a:schemeClr val="lt1"/>
-                </a:fontRef>
-              </p:style>
-              <p:txBody>
-                <a:bodyPr rtlCol="0" anchor="ctr"/>
-                <a:lstStyle/>
-                <a:p>
-                  <a:pPr algn="ctr"/>
-                  <a:r>
-                    <a:rPr lang="en-US" altLang="ko-KR" sz="1600" b="0" i="0" dirty="0">
-                      <a:solidFill>
-                        <a:srgbClr val="000000"/>
-                      </a:solidFill>
-                      <a:effectLst/>
-                      <a:latin typeface="noto"/>
-                    </a:rPr>
-                    <a:t>Data</a:t>
-                  </a:r>
-                </a:p>
-                <a:p>
-                  <a:pPr algn="ctr"/>
-                  <a:r>
-                    <a:rPr lang="en-US" altLang="ko-KR" sz="1600" b="0" i="0" dirty="0">
-                      <a:solidFill>
-                        <a:srgbClr val="000000"/>
-                      </a:solidFill>
-                      <a:effectLst/>
-                      <a:latin typeface="noto"/>
-                    </a:rPr>
-                    <a:t>normalization</a:t>
-                  </a:r>
-                  <a:endParaRPr lang="ko-KR" altLang="en-US" sz="1600" dirty="0"/>
-                </a:p>
-              </p:txBody>
-            </p:sp>
-            <p:sp>
-              <p:nvSpPr>
-                <p:cNvPr id="28" name="순서도: 대체 처리 27">
-                  <a:extLst>
-                    <a:ext uri="{FF2B5EF4-FFF2-40B4-BE49-F238E27FC236}">
-                      <a16:creationId xmlns:a16="http://schemas.microsoft.com/office/drawing/2014/main" id="{4C756D6C-5DA4-54CD-030A-3A7C53AA2F01}"/>
-                    </a:ext>
-                  </a:extLst>
-                </p:cNvPr>
-                <p:cNvSpPr/>
-                <p:nvPr/>
-              </p:nvSpPr>
-              <p:spPr>
-                <a:xfrm>
-                  <a:off x="1047122" y="2858490"/>
-                  <a:ext cx="1301410" cy="203316"/>
-                </a:xfrm>
-                <a:prstGeom prst="flowChartAlternateProcess">
-                  <a:avLst/>
-                </a:prstGeom>
-                <a:solidFill>
-                  <a:schemeClr val="accent5">
-                    <a:lumMod val="20000"/>
-                    <a:lumOff val="80000"/>
-                  </a:schemeClr>
-                </a:solidFill>
-                <a:ln w="3175">
-                  <a:solidFill>
-                    <a:schemeClr val="tx2">
-                      <a:lumMod val="20000"/>
-                      <a:lumOff val="80000"/>
-                    </a:schemeClr>
-                  </a:solidFill>
-                </a:ln>
-              </p:spPr>
-              <p:style>
-                <a:lnRef idx="2">
-                  <a:schemeClr val="accent1">
-                    <a:shade val="15000"/>
-                  </a:schemeClr>
-                </a:lnRef>
-                <a:fillRef idx="1">
-                  <a:schemeClr val="accent1"/>
-                </a:fillRef>
-                <a:effectRef idx="0">
-                  <a:schemeClr val="accent1"/>
-                </a:effectRef>
-                <a:fontRef idx="minor">
-                  <a:schemeClr val="lt1"/>
-                </a:fontRef>
-              </p:style>
-              <p:txBody>
-                <a:bodyPr rtlCol="0" anchor="ctr"/>
-                <a:lstStyle/>
-                <a:p>
-                  <a:pPr algn="ctr"/>
-                  <a:r>
-                    <a:rPr lang="en-US" altLang="ko-KR" sz="1400" dirty="0">
-                      <a:solidFill>
-                        <a:schemeClr val="tx1"/>
-                      </a:solidFill>
-                    </a:rPr>
-                    <a:t>Min Max scaling</a:t>
-                  </a:r>
-                  <a:endParaRPr lang="ko-KR" altLang="en-US" sz="1400" dirty="0">
-                    <a:solidFill>
-                      <a:schemeClr val="tx1"/>
-                    </a:solidFill>
-                  </a:endParaRPr>
-                </a:p>
-              </p:txBody>
-            </p:sp>
-          </p:grpSp>
-          <p:cxnSp>
-            <p:nvCxnSpPr>
-              <p:cNvPr id="37" name="연결선: 구부러짐 36">
-                <a:extLst>
-                  <a:ext uri="{FF2B5EF4-FFF2-40B4-BE49-F238E27FC236}">
-                    <a16:creationId xmlns:a16="http://schemas.microsoft.com/office/drawing/2014/main" id="{75E79623-0887-F804-A844-F873E6E47585}"/>
+                    <a16:creationId xmlns:a16="http://schemas.microsoft.com/office/drawing/2014/main" id="{BFCFF96C-2EB4-43E5-7AA6-F63091642430}"/>
                   </a:ext>
                 </a:extLst>
               </p:cNvPr>
               <p:cNvCxnSpPr>
-                <a:stCxn id="17" idx="2"/>
-                <a:endCxn id="18" idx="0"/>
+                <a:cxnSpLocks/>
+                <a:stCxn id="57" idx="3"/>
+                <a:endCxn id="98" idx="1"/>
               </p:cNvCxnSpPr>
               <p:nvPr/>
             </p:nvCxnSpPr>
             <p:spPr>
-              <a:xfrm rot="5400000">
-                <a:off x="1941145" y="2308393"/>
-                <a:ext cx="128508" cy="12700"/>
+              <a:xfrm flipV="1">
+                <a:off x="5300616" y="2581492"/>
+                <a:ext cx="621694" cy="1247477"/>
               </a:xfrm>
-              <a:prstGeom prst="curvedConnector3">
-                <a:avLst/>
+              <a:prstGeom prst="bentConnector3">
+                <a:avLst>
+                  <a:gd name="adj1" fmla="val 24261"/>
+                </a:avLst>
               </a:prstGeom>
               <a:ln>
                 <a:tailEnd type="triangle"/>
@@ -11667,217 +13480,12 @@
               </a:fontRef>
             </p:style>
           </p:cxnSp>
-          <p:cxnSp>
-            <p:nvCxnSpPr>
-              <p:cNvPr id="39" name="연결선: 구부러짐 38">
+          <p:sp>
+            <p:nvSpPr>
+              <p:cNvPr id="105" name="사각형: 둥근 모서리 104">
                 <a:extLst>
                   <a:ext uri="{FF2B5EF4-FFF2-40B4-BE49-F238E27FC236}">
-                    <a16:creationId xmlns:a16="http://schemas.microsoft.com/office/drawing/2014/main" id="{0FBA6FDC-73F4-F30E-9F43-2E0CE65A1AD9}"/>
-                  </a:ext>
-                </a:extLst>
-              </p:cNvPr>
-              <p:cNvCxnSpPr>
-                <a:stCxn id="18" idx="2"/>
-                <a:endCxn id="23" idx="0"/>
-              </p:cNvCxnSpPr>
-              <p:nvPr/>
-            </p:nvCxnSpPr>
-            <p:spPr>
-              <a:xfrm rot="5400000">
-                <a:off x="1941145" y="2919860"/>
-                <a:ext cx="128508" cy="12700"/>
-              </a:xfrm>
-              <a:prstGeom prst="curvedConnector3">
-                <a:avLst/>
-              </a:prstGeom>
-              <a:ln>
-                <a:tailEnd type="triangle"/>
-              </a:ln>
-            </p:spPr>
-            <p:style>
-              <a:lnRef idx="1">
-                <a:schemeClr val="accent1"/>
-              </a:lnRef>
-              <a:fillRef idx="0">
-                <a:schemeClr val="accent1"/>
-              </a:fillRef>
-              <a:effectRef idx="0">
-                <a:schemeClr val="accent1"/>
-              </a:effectRef>
-              <a:fontRef idx="minor">
-                <a:schemeClr val="tx1"/>
-              </a:fontRef>
-            </p:style>
-          </p:cxnSp>
-          <p:cxnSp>
-            <p:nvCxnSpPr>
-              <p:cNvPr id="41" name="연결선: 구부러짐 40">
-                <a:extLst>
-                  <a:ext uri="{FF2B5EF4-FFF2-40B4-BE49-F238E27FC236}">
-                    <a16:creationId xmlns:a16="http://schemas.microsoft.com/office/drawing/2014/main" id="{A0438C75-FF99-4B7E-CD14-05231EFF330D}"/>
-                  </a:ext>
-                </a:extLst>
-              </p:cNvPr>
-              <p:cNvCxnSpPr>
-                <a:stCxn id="23" idx="2"/>
-                <a:endCxn id="26" idx="0"/>
-              </p:cNvCxnSpPr>
-              <p:nvPr/>
-            </p:nvCxnSpPr>
-            <p:spPr>
-              <a:xfrm rot="5400000">
-                <a:off x="1931303" y="4032204"/>
-                <a:ext cx="148190" cy="2"/>
-              </a:xfrm>
-              <a:prstGeom prst="curvedConnector3">
-                <a:avLst/>
-              </a:prstGeom>
-              <a:ln>
-                <a:tailEnd type="triangle"/>
-              </a:ln>
-            </p:spPr>
-            <p:style>
-              <a:lnRef idx="1">
-                <a:schemeClr val="accent1"/>
-              </a:lnRef>
-              <a:fillRef idx="0">
-                <a:schemeClr val="accent1"/>
-              </a:fillRef>
-              <a:effectRef idx="0">
-                <a:schemeClr val="accent1"/>
-              </a:effectRef>
-              <a:fontRef idx="minor">
-                <a:schemeClr val="tx1"/>
-              </a:fontRef>
-            </p:style>
-          </p:cxnSp>
-          <p:cxnSp>
-            <p:nvCxnSpPr>
-              <p:cNvPr id="43" name="연결선: 구부러짐 42">
-                <a:extLst>
-                  <a:ext uri="{FF2B5EF4-FFF2-40B4-BE49-F238E27FC236}">
-                    <a16:creationId xmlns:a16="http://schemas.microsoft.com/office/drawing/2014/main" id="{66C7EDDA-B000-99AF-8E48-D52133E93B39}"/>
-                  </a:ext>
-                </a:extLst>
-              </p:cNvPr>
-              <p:cNvCxnSpPr>
-                <a:cxnSpLocks/>
-                <a:stCxn id="26" idx="2"/>
-                <a:endCxn id="22" idx="0"/>
-              </p:cNvCxnSpPr>
-              <p:nvPr/>
-            </p:nvCxnSpPr>
-            <p:spPr>
-              <a:xfrm rot="16200000" flipH="1">
-                <a:off x="1931303" y="5154389"/>
-                <a:ext cx="148189" cy="1"/>
-              </a:xfrm>
-              <a:prstGeom prst="curvedConnector3">
-                <a:avLst/>
-              </a:prstGeom>
-              <a:ln>
-                <a:tailEnd type="triangle"/>
-              </a:ln>
-            </p:spPr>
-            <p:style>
-              <a:lnRef idx="1">
-                <a:schemeClr val="accent1"/>
-              </a:lnRef>
-              <a:fillRef idx="0">
-                <a:schemeClr val="accent1"/>
-              </a:fillRef>
-              <a:effectRef idx="0">
-                <a:schemeClr val="accent1"/>
-              </a:effectRef>
-              <a:fontRef idx="minor">
-                <a:schemeClr val="tx1"/>
-              </a:fontRef>
-            </p:style>
-          </p:cxnSp>
-          <p:cxnSp>
-            <p:nvCxnSpPr>
-              <p:cNvPr id="46" name="직선 연결선 45">
-                <a:extLst>
-                  <a:ext uri="{FF2B5EF4-FFF2-40B4-BE49-F238E27FC236}">
-                    <a16:creationId xmlns:a16="http://schemas.microsoft.com/office/drawing/2014/main" id="{690ACEE1-0766-864B-273A-A2F8F7C48EFE}"/>
-                  </a:ext>
-                </a:extLst>
-              </p:cNvPr>
-              <p:cNvCxnSpPr>
-                <a:stCxn id="19" idx="2"/>
-                <a:endCxn id="20" idx="0"/>
-              </p:cNvCxnSpPr>
-              <p:nvPr/>
-            </p:nvCxnSpPr>
-            <p:spPr>
-              <a:xfrm>
-                <a:off x="2005400" y="3487823"/>
-                <a:ext cx="0" cy="104971"/>
-              </a:xfrm>
-              <a:prstGeom prst="line">
-                <a:avLst/>
-              </a:prstGeom>
-            </p:spPr>
-            <p:style>
-              <a:lnRef idx="1">
-                <a:schemeClr val="accent1"/>
-              </a:lnRef>
-              <a:fillRef idx="0">
-                <a:schemeClr val="accent1"/>
-              </a:fillRef>
-              <a:effectRef idx="0">
-                <a:schemeClr val="accent1"/>
-              </a:effectRef>
-              <a:fontRef idx="minor">
-                <a:schemeClr val="tx1"/>
-              </a:fontRef>
-            </p:style>
-          </p:cxnSp>
-          <p:cxnSp>
-            <p:nvCxnSpPr>
-              <p:cNvPr id="48" name="직선 연결선 47">
-                <a:extLst>
-                  <a:ext uri="{FF2B5EF4-FFF2-40B4-BE49-F238E27FC236}">
-                    <a16:creationId xmlns:a16="http://schemas.microsoft.com/office/drawing/2014/main" id="{81AE51F4-FA4F-8292-7F3E-DC7FF5F98772}"/>
-                  </a:ext>
-                </a:extLst>
-              </p:cNvPr>
-              <p:cNvCxnSpPr>
-                <a:stCxn id="27" idx="2"/>
-                <a:endCxn id="28" idx="0"/>
-              </p:cNvCxnSpPr>
-              <p:nvPr/>
-            </p:nvCxnSpPr>
-            <p:spPr>
-              <a:xfrm>
-                <a:off x="2005398" y="4610009"/>
-                <a:ext cx="0" cy="104971"/>
-              </a:xfrm>
-              <a:prstGeom prst="line">
-                <a:avLst/>
-              </a:prstGeom>
-            </p:spPr>
-            <p:style>
-              <a:lnRef idx="1">
-                <a:schemeClr val="accent1"/>
-              </a:lnRef>
-              <a:fillRef idx="0">
-                <a:schemeClr val="accent1"/>
-              </a:fillRef>
-              <a:effectRef idx="0">
-                <a:schemeClr val="accent1"/>
-              </a:effectRef>
-              <a:fontRef idx="minor">
-                <a:schemeClr val="tx1"/>
-              </a:fontRef>
-            </p:style>
-          </p:cxnSp>
-          <p:sp>
-            <p:nvSpPr>
-              <p:cNvPr id="49" name="사각형: 둥근 모서리 48">
-                <a:extLst>
-                  <a:ext uri="{FF2B5EF4-FFF2-40B4-BE49-F238E27FC236}">
-                    <a16:creationId xmlns:a16="http://schemas.microsoft.com/office/drawing/2014/main" id="{F5748CFC-049B-A8BB-457F-7F880E56D246}"/>
+                    <a16:creationId xmlns:a16="http://schemas.microsoft.com/office/drawing/2014/main" id="{EAB4375C-E338-F503-A518-EBBA3FF44CA1}"/>
                   </a:ext>
                 </a:extLst>
               </p:cNvPr>
@@ -11886,13 +13494,11 @@
             </p:nvSpPr>
             <p:spPr>
               <a:xfrm>
-                <a:off x="3415881" y="1715428"/>
-                <a:ext cx="1987105" cy="2365870"/>
+                <a:off x="5830334" y="2973146"/>
+                <a:ext cx="1987105" cy="973996"/>
               </a:xfrm>
               <a:prstGeom prst="roundRect">
-                <a:avLst>
-                  <a:gd name="adj" fmla="val 9101"/>
-                </a:avLst>
+                <a:avLst/>
               </a:prstGeom>
               <a:solidFill>
                 <a:srgbClr val="E9EDF4"/>
@@ -11932,10 +13538,10 @@
           </p:sp>
           <p:sp>
             <p:nvSpPr>
-              <p:cNvPr id="50" name="순서도: 대체 처리 49">
+              <p:cNvPr id="106" name="순서도: 대체 처리 105">
                 <a:extLst>
                   <a:ext uri="{FF2B5EF4-FFF2-40B4-BE49-F238E27FC236}">
-                    <a16:creationId xmlns:a16="http://schemas.microsoft.com/office/drawing/2014/main" id="{E8C73E51-A25B-24E2-BD0F-0983B7513093}"/>
+                    <a16:creationId xmlns:a16="http://schemas.microsoft.com/office/drawing/2014/main" id="{53C2DE4F-4272-60A5-0E29-57CC3D586C5D}"/>
                   </a:ext>
                 </a:extLst>
               </p:cNvPr>
@@ -11944,7 +13550,7 @@
             </p:nvSpPr>
             <p:spPr>
               <a:xfrm>
-                <a:off x="3497458" y="1839829"/>
+                <a:off x="5922308" y="3070542"/>
                 <a:ext cx="1803159" cy="406313"/>
               </a:xfrm>
               <a:prstGeom prst="flowChartAlternateProcess">
@@ -11989,20 +13595,7 @@
                     <a:effectLst/>
                     <a:latin typeface="noto"/>
                   </a:rPr>
-                  <a:t>Building</a:t>
-                </a:r>
-              </a:p>
-              <a:p>
-                <a:pPr algn="ctr"/>
-                <a:r>
-                  <a:rPr lang="en-US" altLang="ko-KR" sz="1600" b="0" i="0" dirty="0">
-                    <a:solidFill>
-                      <a:srgbClr val="000000"/>
-                    </a:solidFill>
-                    <a:effectLst/>
-                    <a:latin typeface="noto"/>
-                  </a:rPr>
-                  <a:t> regression models</a:t>
+                  <a:t>Model Optimization</a:t>
                 </a:r>
                 <a:endParaRPr lang="ko-KR" altLang="en-US" sz="1600" dirty="0"/>
               </a:p>
@@ -12010,10 +13603,10 @@
           </p:sp>
           <p:sp>
             <p:nvSpPr>
-              <p:cNvPr id="51" name="순서도: 대체 처리 50">
+              <p:cNvPr id="107" name="순서도: 대체 처리 106">
                 <a:extLst>
                   <a:ext uri="{FF2B5EF4-FFF2-40B4-BE49-F238E27FC236}">
-                    <a16:creationId xmlns:a16="http://schemas.microsoft.com/office/drawing/2014/main" id="{A318DC5A-1713-BB5E-34D1-8CE8064A958B}"/>
+                    <a16:creationId xmlns:a16="http://schemas.microsoft.com/office/drawing/2014/main" id="{6657868F-ADB0-1DE0-7712-D3B81052601A}"/>
                   </a:ext>
                 </a:extLst>
               </p:cNvPr>
@@ -12022,7 +13615,7 @@
             </p:nvSpPr>
             <p:spPr>
               <a:xfrm>
-                <a:off x="3497458" y="2351113"/>
+                <a:off x="5922308" y="3581826"/>
                 <a:ext cx="1803159" cy="269972"/>
               </a:xfrm>
               <a:prstGeom prst="flowChartAlternateProcess">
@@ -12070,295 +13663,7 @@
                       <a:schemeClr val="tx1"/>
                     </a:solidFill>
                   </a:rPr>
-                  <a:t>Linear </a:t>
-                </a:r>
-                <a:endParaRPr lang="ko-KR" altLang="en-US" sz="1400" dirty="0">
-                  <a:solidFill>
-                    <a:schemeClr val="tx1"/>
-                  </a:solidFill>
-                </a:endParaRPr>
-              </a:p>
-            </p:txBody>
-          </p:sp>
-          <p:sp>
-            <p:nvSpPr>
-              <p:cNvPr id="54" name="순서도: 대체 처리 53">
-                <a:extLst>
-                  <a:ext uri="{FF2B5EF4-FFF2-40B4-BE49-F238E27FC236}">
-                    <a16:creationId xmlns:a16="http://schemas.microsoft.com/office/drawing/2014/main" id="{9C929A13-58AE-889B-954A-74B28A8853BB}"/>
-                  </a:ext>
-                </a:extLst>
-              </p:cNvPr>
-              <p:cNvSpPr/>
-              <p:nvPr/>
-            </p:nvSpPr>
-            <p:spPr>
-              <a:xfrm>
-                <a:off x="3497458" y="2689481"/>
-                <a:ext cx="1803159" cy="269972"/>
-              </a:xfrm>
-              <a:prstGeom prst="flowChartAlternateProcess">
-                <a:avLst/>
-              </a:prstGeom>
-              <a:solidFill>
-                <a:schemeClr val="accent5">
-                  <a:lumMod val="20000"/>
-                  <a:lumOff val="80000"/>
-                </a:schemeClr>
-              </a:solidFill>
-              <a:ln w="3175">
-                <a:solidFill>
-                  <a:schemeClr val="tx2">
-                    <a:lumMod val="20000"/>
-                    <a:lumOff val="80000"/>
-                  </a:schemeClr>
-                </a:solidFill>
-              </a:ln>
-            </p:spPr>
-            <p:style>
-              <a:lnRef idx="2">
-                <a:schemeClr val="accent1">
-                  <a:shade val="15000"/>
-                </a:schemeClr>
-              </a:lnRef>
-              <a:fillRef idx="1">
-                <a:schemeClr val="accent1"/>
-              </a:fillRef>
-              <a:effectRef idx="0">
-                <a:schemeClr val="accent1"/>
-              </a:effectRef>
-              <a:fontRef idx="minor">
-                <a:schemeClr val="lt1"/>
-              </a:fontRef>
-            </p:style>
-            <p:txBody>
-              <a:bodyPr rtlCol="0" anchor="ctr"/>
-              <a:lstStyle/>
-              <a:p>
-                <a:pPr algn="ctr"/>
-                <a:r>
-                  <a:rPr lang="en-US" altLang="ko-KR" sz="1400" dirty="0" err="1">
-                    <a:solidFill>
-                      <a:schemeClr val="tx1"/>
-                    </a:solidFill>
-                  </a:rPr>
-                  <a:t>RandomForest</a:t>
-                </a:r>
-                <a:endParaRPr lang="ko-KR" altLang="en-US" sz="1400" dirty="0">
-                  <a:solidFill>
-                    <a:schemeClr val="tx1"/>
-                  </a:solidFill>
-                </a:endParaRPr>
-              </a:p>
-            </p:txBody>
-          </p:sp>
-          <p:sp>
-            <p:nvSpPr>
-              <p:cNvPr id="55" name="순서도: 대체 처리 54">
-                <a:extLst>
-                  <a:ext uri="{FF2B5EF4-FFF2-40B4-BE49-F238E27FC236}">
-                    <a16:creationId xmlns:a16="http://schemas.microsoft.com/office/drawing/2014/main" id="{BCC6F191-1A88-1DD4-9DBE-4317DACF347D}"/>
-                  </a:ext>
-                </a:extLst>
-              </p:cNvPr>
-              <p:cNvSpPr/>
-              <p:nvPr/>
-            </p:nvSpPr>
-            <p:spPr>
-              <a:xfrm>
-                <a:off x="3497458" y="3024315"/>
-                <a:ext cx="1803159" cy="269972"/>
-              </a:xfrm>
-              <a:prstGeom prst="flowChartAlternateProcess">
-                <a:avLst/>
-              </a:prstGeom>
-              <a:solidFill>
-                <a:schemeClr val="accent5">
-                  <a:lumMod val="20000"/>
-                  <a:lumOff val="80000"/>
-                </a:schemeClr>
-              </a:solidFill>
-              <a:ln w="3175">
-                <a:solidFill>
-                  <a:schemeClr val="tx2">
-                    <a:lumMod val="20000"/>
-                    <a:lumOff val="80000"/>
-                  </a:schemeClr>
-                </a:solidFill>
-              </a:ln>
-            </p:spPr>
-            <p:style>
-              <a:lnRef idx="2">
-                <a:schemeClr val="accent1">
-                  <a:shade val="15000"/>
-                </a:schemeClr>
-              </a:lnRef>
-              <a:fillRef idx="1">
-                <a:schemeClr val="accent1"/>
-              </a:fillRef>
-              <a:effectRef idx="0">
-                <a:schemeClr val="accent1"/>
-              </a:effectRef>
-              <a:fontRef idx="minor">
-                <a:schemeClr val="lt1"/>
-              </a:fontRef>
-            </p:style>
-            <p:txBody>
-              <a:bodyPr rtlCol="0" anchor="ctr"/>
-              <a:lstStyle/>
-              <a:p>
-                <a:pPr algn="ctr"/>
-                <a:r>
-                  <a:rPr lang="en-US" altLang="ko-KR" sz="1400" dirty="0" err="1">
-                    <a:solidFill>
-                      <a:schemeClr val="tx1"/>
-                    </a:solidFill>
-                  </a:rPr>
-                  <a:t>XGBoost</a:t>
-                </a:r>
-                <a:endParaRPr lang="ko-KR" altLang="en-US" sz="1400" dirty="0">
-                  <a:solidFill>
-                    <a:schemeClr val="tx1"/>
-                  </a:solidFill>
-                </a:endParaRPr>
-              </a:p>
-            </p:txBody>
-          </p:sp>
-          <p:sp>
-            <p:nvSpPr>
-              <p:cNvPr id="56" name="순서도: 대체 처리 55">
-                <a:extLst>
-                  <a:ext uri="{FF2B5EF4-FFF2-40B4-BE49-F238E27FC236}">
-                    <a16:creationId xmlns:a16="http://schemas.microsoft.com/office/drawing/2014/main" id="{40E9A60A-37AD-8B84-87C5-3493F38BB735}"/>
-                  </a:ext>
-                </a:extLst>
-              </p:cNvPr>
-              <p:cNvSpPr/>
-              <p:nvPr/>
-            </p:nvSpPr>
-            <p:spPr>
-              <a:xfrm>
-                <a:off x="3497457" y="3359149"/>
-                <a:ext cx="1803159" cy="269972"/>
-              </a:xfrm>
-              <a:prstGeom prst="flowChartAlternateProcess">
-                <a:avLst/>
-              </a:prstGeom>
-              <a:solidFill>
-                <a:schemeClr val="accent5">
-                  <a:lumMod val="20000"/>
-                  <a:lumOff val="80000"/>
-                </a:schemeClr>
-              </a:solidFill>
-              <a:ln w="3175">
-                <a:solidFill>
-                  <a:schemeClr val="tx2">
-                    <a:lumMod val="20000"/>
-                    <a:lumOff val="80000"/>
-                  </a:schemeClr>
-                </a:solidFill>
-              </a:ln>
-            </p:spPr>
-            <p:style>
-              <a:lnRef idx="2">
-                <a:schemeClr val="accent1">
-                  <a:shade val="15000"/>
-                </a:schemeClr>
-              </a:lnRef>
-              <a:fillRef idx="1">
-                <a:schemeClr val="accent1"/>
-              </a:fillRef>
-              <a:effectRef idx="0">
-                <a:schemeClr val="accent1"/>
-              </a:effectRef>
-              <a:fontRef idx="minor">
-                <a:schemeClr val="lt1"/>
-              </a:fontRef>
-            </p:style>
-            <p:txBody>
-              <a:bodyPr rtlCol="0" anchor="ctr"/>
-              <a:lstStyle/>
-              <a:p>
-                <a:pPr algn="ctr"/>
-                <a:r>
-                  <a:rPr lang="en-US" altLang="ko-KR" sz="1400" dirty="0" err="1">
-                    <a:solidFill>
-                      <a:schemeClr val="tx1"/>
-                    </a:solidFill>
-                  </a:rPr>
-                  <a:t>LightGBM</a:t>
-                </a:r>
-                <a:endParaRPr lang="ko-KR" altLang="en-US" sz="1400" dirty="0">
-                  <a:solidFill>
-                    <a:schemeClr val="tx1"/>
-                  </a:solidFill>
-                </a:endParaRPr>
-              </a:p>
-            </p:txBody>
-          </p:sp>
-          <p:sp>
-            <p:nvSpPr>
-              <p:cNvPr id="57" name="순서도: 대체 처리 56">
-                <a:extLst>
-                  <a:ext uri="{FF2B5EF4-FFF2-40B4-BE49-F238E27FC236}">
-                    <a16:creationId xmlns:a16="http://schemas.microsoft.com/office/drawing/2014/main" id="{09765AC8-7829-5A2F-E06E-1A2DE7AAD364}"/>
-                  </a:ext>
-                </a:extLst>
-              </p:cNvPr>
-              <p:cNvSpPr/>
-              <p:nvPr/>
-            </p:nvSpPr>
-            <p:spPr>
-              <a:xfrm>
-                <a:off x="3497457" y="3693983"/>
-                <a:ext cx="1803159" cy="269972"/>
-              </a:xfrm>
-              <a:prstGeom prst="flowChartAlternateProcess">
-                <a:avLst/>
-              </a:prstGeom>
-              <a:solidFill>
-                <a:schemeClr val="accent5">
-                  <a:lumMod val="20000"/>
-                  <a:lumOff val="80000"/>
-                </a:schemeClr>
-              </a:solidFill>
-              <a:ln w="3175">
-                <a:solidFill>
-                  <a:schemeClr val="tx2">
-                    <a:lumMod val="20000"/>
-                    <a:lumOff val="80000"/>
-                  </a:schemeClr>
-                </a:solidFill>
-              </a:ln>
-            </p:spPr>
-            <p:style>
-              <a:lnRef idx="2">
-                <a:schemeClr val="accent1">
-                  <a:shade val="15000"/>
-                </a:schemeClr>
-              </a:lnRef>
-              <a:fillRef idx="1">
-                <a:schemeClr val="accent1"/>
-              </a:fillRef>
-              <a:effectRef idx="0">
-                <a:schemeClr val="accent1"/>
-              </a:effectRef>
-              <a:fontRef idx="minor">
-                <a:schemeClr val="lt1"/>
-              </a:fontRef>
-            </p:style>
-            <p:txBody>
-              <a:bodyPr rtlCol="0" anchor="ctr"/>
-              <a:lstStyle/>
-              <a:p>
-                <a:pPr algn="ctr"/>
-                <a:r>
-                  <a:rPr lang="en-US" altLang="ko-KR" sz="1400" dirty="0" err="1">
-                    <a:solidFill>
-                      <a:schemeClr val="tx1"/>
-                    </a:solidFill>
-                  </a:rPr>
-                  <a:t>CatBoostressor</a:t>
+                  <a:t>Genetic Algorithm</a:t>
                 </a:r>
                 <a:endParaRPr lang="ko-KR" altLang="en-US" sz="1400" dirty="0">
                   <a:solidFill>
@@ -12370,22 +13675,23 @@
           </p:sp>
           <p:cxnSp>
             <p:nvCxnSpPr>
-              <p:cNvPr id="60" name="직선 연결선 59">
+              <p:cNvPr id="109" name="직선 연결선 108">
                 <a:extLst>
                   <a:ext uri="{FF2B5EF4-FFF2-40B4-BE49-F238E27FC236}">
-                    <a16:creationId xmlns:a16="http://schemas.microsoft.com/office/drawing/2014/main" id="{D5F24467-6549-56B9-9BEB-62A8BFC8AB60}"/>
+                    <a16:creationId xmlns:a16="http://schemas.microsoft.com/office/drawing/2014/main" id="{F085E947-4571-1634-C043-720755A4C87B}"/>
                   </a:ext>
                 </a:extLst>
               </p:cNvPr>
               <p:cNvCxnSpPr>
-                <a:stCxn id="50" idx="2"/>
+                <a:stCxn id="97" idx="2"/>
+                <a:endCxn id="98" idx="0"/>
               </p:cNvCxnSpPr>
               <p:nvPr/>
             </p:nvCxnSpPr>
             <p:spPr>
-              <a:xfrm flipH="1">
-                <a:off x="4399036" y="2246142"/>
-                <a:ext cx="2" cy="104971"/>
+              <a:xfrm>
+                <a:off x="6823890" y="2341535"/>
+                <a:ext cx="0" cy="104971"/>
               </a:xfrm>
               <a:prstGeom prst="line">
                 <a:avLst/>
@@ -12408,23 +13714,23 @@
           </p:cxnSp>
           <p:cxnSp>
             <p:nvCxnSpPr>
-              <p:cNvPr id="62" name="직선 연결선 61">
+              <p:cNvPr id="111" name="직선 연결선 110">
                 <a:extLst>
                   <a:ext uri="{FF2B5EF4-FFF2-40B4-BE49-F238E27FC236}">
-                    <a16:creationId xmlns:a16="http://schemas.microsoft.com/office/drawing/2014/main" id="{56E2D4C2-B0A8-D739-2E13-27205A1DC12F}"/>
+                    <a16:creationId xmlns:a16="http://schemas.microsoft.com/office/drawing/2014/main" id="{37C1CD6F-07A2-1EB0-08EB-07B6F0236C65}"/>
                   </a:ext>
                 </a:extLst>
               </p:cNvPr>
               <p:cNvCxnSpPr>
-                <a:stCxn id="51" idx="2"/>
-                <a:endCxn id="54" idx="0"/>
+                <a:stCxn id="106" idx="2"/>
+                <a:endCxn id="107" idx="0"/>
               </p:cNvCxnSpPr>
               <p:nvPr/>
             </p:nvCxnSpPr>
             <p:spPr>
               <a:xfrm>
-                <a:off x="4399038" y="2621085"/>
-                <a:ext cx="0" cy="68396"/>
+                <a:off x="6823888" y="3476855"/>
+                <a:ext cx="0" cy="104971"/>
               </a:xfrm>
               <a:prstGeom prst="line">
                 <a:avLst/>
@@ -12447,27 +13753,30 @@
           </p:cxnSp>
           <p:cxnSp>
             <p:nvCxnSpPr>
-              <p:cNvPr id="64" name="직선 연결선 63">
+              <p:cNvPr id="113" name="연결선: 꺾임 112">
                 <a:extLst>
                   <a:ext uri="{FF2B5EF4-FFF2-40B4-BE49-F238E27FC236}">
-                    <a16:creationId xmlns:a16="http://schemas.microsoft.com/office/drawing/2014/main" id="{FF65B08F-610E-475C-3BC0-164843986B71}"/>
+                    <a16:creationId xmlns:a16="http://schemas.microsoft.com/office/drawing/2014/main" id="{6DBD2A15-30F8-FF90-FC1E-C8769E7C4B5D}"/>
                   </a:ext>
                 </a:extLst>
               </p:cNvPr>
               <p:cNvCxnSpPr>
-                <a:stCxn id="54" idx="2"/>
-                <a:endCxn id="55" idx="0"/>
+                <a:stCxn id="96" idx="2"/>
+                <a:endCxn id="105" idx="0"/>
               </p:cNvCxnSpPr>
               <p:nvPr/>
             </p:nvCxnSpPr>
             <p:spPr>
-              <a:xfrm>
-                <a:off x="4399038" y="2959453"/>
-                <a:ext cx="0" cy="64862"/>
+              <a:xfrm rot="5400000">
+                <a:off x="6743226" y="2892483"/>
+                <a:ext cx="161324" cy="2"/>
               </a:xfrm>
-              <a:prstGeom prst="line">
+              <a:prstGeom prst="bentConnector3">
                 <a:avLst/>
               </a:prstGeom>
+              <a:ln>
+                <a:tailEnd type="triangle"/>
+              </a:ln>
             </p:spPr>
             <p:style>
               <a:lnRef idx="1">
@@ -12486,27 +13795,34 @@
           </p:cxnSp>
           <p:cxnSp>
             <p:nvCxnSpPr>
-              <p:cNvPr id="66" name="직선 연결선 65">
+              <p:cNvPr id="122" name="연결선: 꺾임 121">
                 <a:extLst>
                   <a:ext uri="{FF2B5EF4-FFF2-40B4-BE49-F238E27FC236}">
-                    <a16:creationId xmlns:a16="http://schemas.microsoft.com/office/drawing/2014/main" id="{C181C3F1-03FF-8299-87B5-AC07EBA29E4F}"/>
+                    <a16:creationId xmlns:a16="http://schemas.microsoft.com/office/drawing/2014/main" id="{4E061B05-39D7-6711-6D0A-2574D214BE14}"/>
                   </a:ext>
                 </a:extLst>
               </p:cNvPr>
               <p:cNvCxnSpPr>
-                <a:stCxn id="55" idx="2"/>
-                <a:endCxn id="56" idx="0"/>
+                <a:cxnSpLocks/>
+                <a:stCxn id="98" idx="3"/>
+                <a:endCxn id="107" idx="3"/>
               </p:cNvCxnSpPr>
               <p:nvPr/>
             </p:nvCxnSpPr>
             <p:spPr>
               <a:xfrm flipH="1">
-                <a:off x="4399037" y="3294287"/>
-                <a:ext cx="1" cy="64862"/>
+                <a:off x="7725467" y="2581492"/>
+                <a:ext cx="2" cy="1135320"/>
               </a:xfrm>
-              <a:prstGeom prst="line">
-                <a:avLst/>
+              <a:prstGeom prst="bentConnector3">
+                <a:avLst>
+                  <a:gd name="adj1" fmla="val -2147483647"/>
+                </a:avLst>
               </a:prstGeom>
+              <a:ln>
+                <a:headEnd type="triangle"/>
+                <a:tailEnd type="triangle"/>
+              </a:ln>
             </p:spPr>
             <p:style>
               <a:lnRef idx="1">
@@ -12525,27 +13841,38 @@
           </p:cxnSp>
           <p:cxnSp>
             <p:nvCxnSpPr>
-              <p:cNvPr id="68" name="직선 연결선 67">
+              <p:cNvPr id="128" name="연결선: 꺾임 127">
                 <a:extLst>
                   <a:ext uri="{FF2B5EF4-FFF2-40B4-BE49-F238E27FC236}">
-                    <a16:creationId xmlns:a16="http://schemas.microsoft.com/office/drawing/2014/main" id="{CFD6E4A4-6A9A-D4AF-04BC-A18DE62E7BC2}"/>
+                    <a16:creationId xmlns:a16="http://schemas.microsoft.com/office/drawing/2014/main" id="{576F1F79-7319-F8FC-7B6E-69420E5093BF}"/>
                   </a:ext>
                 </a:extLst>
               </p:cNvPr>
               <p:cNvCxnSpPr>
-                <a:stCxn id="56" idx="2"/>
-                <a:endCxn id="57" idx="0"/>
+                <a:cxnSpLocks/>
+                <a:stCxn id="69" idx="3"/>
+                <a:endCxn id="96" idx="1"/>
               </p:cNvCxnSpPr>
               <p:nvPr/>
             </p:nvCxnSpPr>
             <p:spPr>
-              <a:xfrm>
-                <a:off x="4399037" y="3629121"/>
-                <a:ext cx="0" cy="64862"/>
+              <a:xfrm flipV="1">
+                <a:off x="5402986" y="2324824"/>
+                <a:ext cx="427350" cy="2788799"/>
               </a:xfrm>
-              <a:prstGeom prst="line">
-                <a:avLst/>
+              <a:prstGeom prst="bentConnector3">
+                <a:avLst>
+                  <a:gd name="adj1" fmla="val 50000"/>
+                </a:avLst>
               </a:prstGeom>
+              <a:ln w="19050">
+                <a:solidFill>
+                  <a:schemeClr val="tx2">
+                    <a:lumMod val="75000"/>
+                  </a:schemeClr>
+                </a:solidFill>
+                <a:tailEnd type="triangle"/>
+              </a:ln>
             </p:spPr>
             <p:style>
               <a:lnRef idx="1">
@@ -12564,10 +13891,10 @@
           </p:cxnSp>
           <p:sp>
             <p:nvSpPr>
-              <p:cNvPr id="69" name="사각형: 둥근 모서리 68">
+              <p:cNvPr id="132" name="사각형: 둥근 모서리 131">
                 <a:extLst>
                   <a:ext uri="{FF2B5EF4-FFF2-40B4-BE49-F238E27FC236}">
-                    <a16:creationId xmlns:a16="http://schemas.microsoft.com/office/drawing/2014/main" id="{468D98C3-68E1-4497-AFEF-0A9D6543BDD8}"/>
+                    <a16:creationId xmlns:a16="http://schemas.microsoft.com/office/drawing/2014/main" id="{079872D0-0CA0-3595-24DB-F291600C213C}"/>
                   </a:ext>
                 </a:extLst>
               </p:cNvPr>
@@ -12576,7 +13903,7 @@
             </p:nvSpPr>
             <p:spPr>
               <a:xfrm>
-                <a:off x="3415881" y="4254132"/>
+                <a:off x="5830334" y="4108466"/>
                 <a:ext cx="1987105" cy="1718982"/>
               </a:xfrm>
               <a:prstGeom prst="roundRect">
@@ -12622,10 +13949,10 @@
           </p:sp>
           <p:sp>
             <p:nvSpPr>
-              <p:cNvPr id="70" name="순서도: 대체 처리 69">
+              <p:cNvPr id="133" name="순서도: 대체 처리 132">
                 <a:extLst>
                   <a:ext uri="{FF2B5EF4-FFF2-40B4-BE49-F238E27FC236}">
-                    <a16:creationId xmlns:a16="http://schemas.microsoft.com/office/drawing/2014/main" id="{00034C88-920E-A7F1-7142-6A2C216F0E09}"/>
+                    <a16:creationId xmlns:a16="http://schemas.microsoft.com/office/drawing/2014/main" id="{5BB59CCD-6B25-EA0B-884C-9C7CAC3C59C4}"/>
                   </a:ext>
                 </a:extLst>
               </p:cNvPr>
@@ -12634,7 +13961,7 @@
             </p:nvSpPr>
             <p:spPr>
               <a:xfrm>
-                <a:off x="3497458" y="4378533"/>
+                <a:off x="5911911" y="4232867"/>
                 <a:ext cx="1803159" cy="406313"/>
               </a:xfrm>
               <a:prstGeom prst="flowChartAlternateProcess">
@@ -12679,7 +14006,7 @@
                     <a:effectLst/>
                     <a:latin typeface="noto"/>
                   </a:rPr>
-                  <a:t>Model Evaluation</a:t>
+                  <a:t>Model Final Evaluation</a:t>
                 </a:r>
                 <a:endParaRPr lang="ko-KR" altLang="en-US" sz="1600" dirty="0"/>
               </a:p>
@@ -12687,10 +14014,10 @@
           </p:sp>
           <p:sp>
             <p:nvSpPr>
-              <p:cNvPr id="71" name="순서도: 대체 처리 70">
+              <p:cNvPr id="134" name="순서도: 대체 처리 133">
                 <a:extLst>
                   <a:ext uri="{FF2B5EF4-FFF2-40B4-BE49-F238E27FC236}">
-                    <a16:creationId xmlns:a16="http://schemas.microsoft.com/office/drawing/2014/main" id="{7BBD1EA1-CC05-FBE8-7AAE-43277C23C0F5}"/>
+                    <a16:creationId xmlns:a16="http://schemas.microsoft.com/office/drawing/2014/main" id="{756898F7-614D-A3CB-ED82-402FE2D30F16}"/>
                   </a:ext>
                 </a:extLst>
               </p:cNvPr>
@@ -12699,7 +14026,7 @@
             </p:nvSpPr>
             <p:spPr>
               <a:xfrm>
-                <a:off x="3497458" y="4889817"/>
+                <a:off x="5911911" y="4744151"/>
                 <a:ext cx="1803159" cy="269972"/>
               </a:xfrm>
               <a:prstGeom prst="flowChartAlternateProcess">
@@ -12759,10 +14086,10 @@
           </p:sp>
           <p:sp>
             <p:nvSpPr>
-              <p:cNvPr id="72" name="순서도: 대체 처리 71">
+              <p:cNvPr id="135" name="순서도: 대체 처리 134">
                 <a:extLst>
                   <a:ext uri="{FF2B5EF4-FFF2-40B4-BE49-F238E27FC236}">
-                    <a16:creationId xmlns:a16="http://schemas.microsoft.com/office/drawing/2014/main" id="{2DEF013E-19DE-0C92-7867-2939475DB4C8}"/>
+                    <a16:creationId xmlns:a16="http://schemas.microsoft.com/office/drawing/2014/main" id="{09D95BFE-5F80-2A07-10EA-976ABF9289F3}"/>
                   </a:ext>
                 </a:extLst>
               </p:cNvPr>
@@ -12771,7 +14098,7 @@
             </p:nvSpPr>
             <p:spPr>
               <a:xfrm>
-                <a:off x="3497458" y="5228185"/>
+                <a:off x="5911911" y="5082519"/>
                 <a:ext cx="1803159" cy="269972"/>
               </a:xfrm>
               <a:prstGeom prst="flowChartAlternateProcess">
@@ -12829,14 +14156,14 @@
               </a:p>
             </p:txBody>
           </p:sp>
-          <mc:AlternateContent xmlns:mc="http://schemas.openxmlformats.org/markup-compatibility/2006">
-            <mc:Choice xmlns:a14="http://schemas.microsoft.com/office/drawing/2010/main" Requires="a14">
+          <mc:AlternateContent xmlns:mc="http://schemas.openxmlformats.org/markup-compatibility/2006" xmlns:a14="http://schemas.microsoft.com/office/drawing/2010/main">
+            <mc:Choice Requires="a14">
               <p:sp>
                 <p:nvSpPr>
-                  <p:cNvPr id="73" name="순서도: 대체 처리 72">
+                  <p:cNvPr id="136" name="순서도: 대체 처리 135">
                     <a:extLst>
                       <a:ext uri="{FF2B5EF4-FFF2-40B4-BE49-F238E27FC236}">
-                        <a16:creationId xmlns:a16="http://schemas.microsoft.com/office/drawing/2014/main" id="{81528BC3-4E7B-15BA-F399-E2B165B545D1}"/>
+                        <a16:creationId xmlns:a16="http://schemas.microsoft.com/office/drawing/2014/main" id="{A0A3DC9B-35E4-ED61-C111-8CD93143292C}"/>
                       </a:ext>
                     </a:extLst>
                   </p:cNvPr>
@@ -12845,7 +14172,7 @@
                 </p:nvSpPr>
                 <p:spPr>
                   <a:xfrm>
-                    <a:off x="3497458" y="5563019"/>
+                    <a:off x="5911911" y="5417353"/>
                     <a:ext cx="1803159" cy="269972"/>
                   </a:xfrm>
                   <a:prstGeom prst="flowChartAlternateProcess">
@@ -12896,7 +14223,7 @@
                                 <a:solidFill>
                                   <a:schemeClr val="tx1"/>
                                 </a:solidFill>
-                                <a:latin typeface="+mn-ea"/>
+                                <a:latin typeface="Cambria Math" panose="02040503050406030204" pitchFamily="18" charset="0"/>
                               </a:rPr>
                             </m:ctrlPr>
                           </m:sSupPr>
@@ -12906,7 +14233,7 @@
                                 <a:solidFill>
                                   <a:schemeClr val="tx1"/>
                                 </a:solidFill>
-                                <a:latin typeface="+mn-ea"/>
+                                <a:latin typeface="Cambria Math" panose="02040503050406030204" pitchFamily="18" charset="0"/>
                               </a:rPr>
                               <m:t>𝑅</m:t>
                             </m:r>
@@ -12917,7 +14244,7 @@
                                 <a:solidFill>
                                   <a:schemeClr val="tx1"/>
                                 </a:solidFill>
-                                <a:latin typeface="+mn-ea"/>
+                                <a:latin typeface="Cambria Math" panose="02040503050406030204" pitchFamily="18" charset="0"/>
                               </a:rPr>
                               <m:t>2</m:t>
                             </m:r>
@@ -12928,7 +14255,7 @@
                             <a:solidFill>
                               <a:schemeClr val="tx1"/>
                             </a:solidFill>
-                            <a:latin typeface="+mn-ea"/>
+                            <a:latin typeface="Cambria Math" panose="02040503050406030204" pitchFamily="18" charset="0"/>
                           </a:rPr>
                           <m:t> </m:t>
                         </m:r>
@@ -12953,13 +14280,13 @@
                 </p:txBody>
               </p:sp>
             </mc:Choice>
-            <mc:Fallback>
+            <mc:Fallback xmlns="">
               <p:sp>
                 <p:nvSpPr>
-                  <p:cNvPr id="73" name="순서도: 대체 처리 72">
+                  <p:cNvPr id="136" name="순서도: 대체 처리 135">
                     <a:extLst>
                       <a:ext uri="{FF2B5EF4-FFF2-40B4-BE49-F238E27FC236}">
-                        <a16:creationId xmlns:a16="http://schemas.microsoft.com/office/drawing/2014/main" id="{81528BC3-4E7B-15BA-F399-E2B165B545D1}"/>
+                        <a16:creationId xmlns:a16="http://schemas.microsoft.com/office/drawing/2014/main" id="{A0A3DC9B-35E4-ED61-C111-8CD93143292C}"/>
                       </a:ext>
                     </a:extLst>
                   </p:cNvPr>
@@ -12970,7 +14297,7 @@
                 </p:nvSpPr>
                 <p:spPr>
                   <a:xfrm>
-                    <a:off x="3497458" y="5563019"/>
+                    <a:off x="5911911" y="5417353"/>
                     <a:ext cx="1803159" cy="269972"/>
                   </a:xfrm>
                   <a:prstGeom prst="flowChartAlternateProcess">
@@ -13006,439 +14333,29 @@
               </p:sp>
             </mc:Fallback>
           </mc:AlternateContent>
-          <p:cxnSp>
-            <p:nvCxnSpPr>
-              <p:cNvPr id="75" name="직선 연결선 74">
-                <a:extLst>
-                  <a:ext uri="{FF2B5EF4-FFF2-40B4-BE49-F238E27FC236}">
-                    <a16:creationId xmlns:a16="http://schemas.microsoft.com/office/drawing/2014/main" id="{9E77A2DC-9809-01D2-D119-C9C2BD4D8640}"/>
-                  </a:ext>
-                </a:extLst>
-              </p:cNvPr>
-              <p:cNvCxnSpPr>
-                <a:stCxn id="70" idx="2"/>
-                <a:endCxn id="71" idx="0"/>
-              </p:cNvCxnSpPr>
-              <p:nvPr/>
-            </p:nvCxnSpPr>
-            <p:spPr>
-              <a:xfrm>
-                <a:off x="4399038" y="4784846"/>
-                <a:ext cx="0" cy="104971"/>
-              </a:xfrm>
-              <a:prstGeom prst="line">
-                <a:avLst/>
-              </a:prstGeom>
-            </p:spPr>
-            <p:style>
-              <a:lnRef idx="1">
-                <a:schemeClr val="accent1"/>
-              </a:lnRef>
-              <a:fillRef idx="0">
-                <a:schemeClr val="accent1"/>
-              </a:fillRef>
-              <a:effectRef idx="0">
-                <a:schemeClr val="accent1"/>
-              </a:effectRef>
-              <a:fontRef idx="minor">
-                <a:schemeClr val="tx1"/>
-              </a:fontRef>
-            </p:style>
-          </p:cxnSp>
-          <p:cxnSp>
-            <p:nvCxnSpPr>
-              <p:cNvPr id="77" name="직선 연결선 76">
-                <a:extLst>
-                  <a:ext uri="{FF2B5EF4-FFF2-40B4-BE49-F238E27FC236}">
-                    <a16:creationId xmlns:a16="http://schemas.microsoft.com/office/drawing/2014/main" id="{165C1529-EE74-9FED-6B72-DB8DBE41FB70}"/>
-                  </a:ext>
-                </a:extLst>
-              </p:cNvPr>
-              <p:cNvCxnSpPr>
-                <a:stCxn id="71" idx="2"/>
-                <a:endCxn id="72" idx="0"/>
-              </p:cNvCxnSpPr>
-              <p:nvPr/>
-            </p:nvCxnSpPr>
-            <p:spPr>
-              <a:xfrm>
-                <a:off x="4399038" y="5159789"/>
-                <a:ext cx="0" cy="68396"/>
-              </a:xfrm>
-              <a:prstGeom prst="line">
-                <a:avLst/>
-              </a:prstGeom>
-            </p:spPr>
-            <p:style>
-              <a:lnRef idx="1">
-                <a:schemeClr val="accent1"/>
-              </a:lnRef>
-              <a:fillRef idx="0">
-                <a:schemeClr val="accent1"/>
-              </a:fillRef>
-              <a:effectRef idx="0">
-                <a:schemeClr val="accent1"/>
-              </a:effectRef>
-              <a:fontRef idx="minor">
-                <a:schemeClr val="tx1"/>
-              </a:fontRef>
-            </p:style>
-          </p:cxnSp>
-          <p:cxnSp>
-            <p:nvCxnSpPr>
-              <p:cNvPr id="79" name="직선 연결선 78">
-                <a:extLst>
-                  <a:ext uri="{FF2B5EF4-FFF2-40B4-BE49-F238E27FC236}">
-                    <a16:creationId xmlns:a16="http://schemas.microsoft.com/office/drawing/2014/main" id="{B0A3064E-3163-C1A8-8758-FCEE448EEFEE}"/>
-                  </a:ext>
-                </a:extLst>
-              </p:cNvPr>
-              <p:cNvCxnSpPr>
-                <a:stCxn id="72" idx="2"/>
-                <a:endCxn id="73" idx="0"/>
-              </p:cNvCxnSpPr>
-              <p:nvPr/>
-            </p:nvCxnSpPr>
-            <p:spPr>
-              <a:xfrm>
-                <a:off x="4399038" y="5498157"/>
-                <a:ext cx="0" cy="64862"/>
-              </a:xfrm>
-              <a:prstGeom prst="line">
-                <a:avLst/>
-              </a:prstGeom>
-            </p:spPr>
-            <p:style>
-              <a:lnRef idx="1">
-                <a:schemeClr val="accent1"/>
-              </a:lnRef>
-              <a:fillRef idx="0">
-                <a:schemeClr val="accent1"/>
-              </a:fillRef>
-              <a:effectRef idx="0">
-                <a:schemeClr val="accent1"/>
-              </a:effectRef>
-              <a:fontRef idx="minor">
-                <a:schemeClr val="tx1"/>
-              </a:fontRef>
-            </p:style>
-          </p:cxnSp>
-          <p:cxnSp>
-            <p:nvCxnSpPr>
-              <p:cNvPr id="85" name="직선 화살표 연결선 84">
-                <a:extLst>
-                  <a:ext uri="{FF2B5EF4-FFF2-40B4-BE49-F238E27FC236}">
-                    <a16:creationId xmlns:a16="http://schemas.microsoft.com/office/drawing/2014/main" id="{0216192A-BDB1-D792-161C-277C16DC5961}"/>
-                  </a:ext>
-                </a:extLst>
-              </p:cNvPr>
-              <p:cNvCxnSpPr>
-                <a:stCxn id="49" idx="2"/>
-                <a:endCxn id="69" idx="0"/>
-              </p:cNvCxnSpPr>
-              <p:nvPr/>
-            </p:nvCxnSpPr>
-            <p:spPr>
-              <a:xfrm>
-                <a:off x="4409434" y="4081298"/>
-                <a:ext cx="0" cy="172834"/>
-              </a:xfrm>
-              <a:prstGeom prst="straightConnector1">
-                <a:avLst/>
-              </a:prstGeom>
-              <a:ln>
-                <a:tailEnd type="triangle"/>
-              </a:ln>
-            </p:spPr>
-            <p:style>
-              <a:lnRef idx="1">
-                <a:schemeClr val="accent1"/>
-              </a:lnRef>
-              <a:fillRef idx="0">
-                <a:schemeClr val="accent1"/>
-              </a:fillRef>
-              <a:effectRef idx="0">
-                <a:schemeClr val="accent1"/>
-              </a:effectRef>
-              <a:fontRef idx="minor">
-                <a:schemeClr val="tx1"/>
-              </a:fontRef>
-            </p:style>
-          </p:cxnSp>
-          <p:cxnSp>
-            <p:nvCxnSpPr>
-              <p:cNvPr id="92" name="연결선: 꺾임 91">
-                <a:extLst>
-                  <a:ext uri="{FF2B5EF4-FFF2-40B4-BE49-F238E27FC236}">
-                    <a16:creationId xmlns:a16="http://schemas.microsoft.com/office/drawing/2014/main" id="{E7F5A36C-CF5B-FD00-199F-D9EF8CF7D022}"/>
-                  </a:ext>
-                </a:extLst>
-              </p:cNvPr>
-              <p:cNvCxnSpPr>
-                <a:stCxn id="22" idx="3"/>
-                <a:endCxn id="49" idx="1"/>
-              </p:cNvCxnSpPr>
-              <p:nvPr/>
-            </p:nvCxnSpPr>
-            <p:spPr>
-              <a:xfrm flipV="1">
-                <a:off x="2906977" y="2898363"/>
-                <a:ext cx="508904" cy="2595541"/>
-              </a:xfrm>
-              <a:prstGeom prst="bentConnector3">
-                <a:avLst/>
-              </a:prstGeom>
-              <a:ln w="19050">
-                <a:solidFill>
-                  <a:schemeClr val="tx2">
-                    <a:lumMod val="75000"/>
-                  </a:schemeClr>
-                </a:solidFill>
-                <a:tailEnd type="triangle"/>
-              </a:ln>
-            </p:spPr>
-            <p:style>
-              <a:lnRef idx="1">
-                <a:schemeClr val="accent1"/>
-              </a:lnRef>
-              <a:fillRef idx="0">
-                <a:schemeClr val="accent1"/>
-              </a:fillRef>
-              <a:effectRef idx="0">
-                <a:schemeClr val="accent1"/>
-              </a:effectRef>
-              <a:fontRef idx="minor">
-                <a:schemeClr val="tx1"/>
-              </a:fontRef>
-            </p:style>
-          </p:cxnSp>
         </p:grpSp>
-        <p:sp>
-          <p:nvSpPr>
-            <p:cNvPr id="96" name="사각형: 둥근 모서리 95">
+        <p:cxnSp>
+          <p:nvCxnSpPr>
+            <p:cNvPr id="9" name="직선 화살표 연결선 8">
               <a:extLst>
                 <a:ext uri="{FF2B5EF4-FFF2-40B4-BE49-F238E27FC236}">
-                  <a16:creationId xmlns:a16="http://schemas.microsoft.com/office/drawing/2014/main" id="{2FF72076-7595-464C-4DFB-E66BEB8983AD}"/>
-                </a:ext>
-              </a:extLst>
-            </p:cNvPr>
-            <p:cNvSpPr/>
-            <p:nvPr/>
-          </p:nvSpPr>
-          <p:spPr>
-            <a:xfrm>
-              <a:off x="5830336" y="1837826"/>
-              <a:ext cx="1987105" cy="973996"/>
-            </a:xfrm>
-            <a:prstGeom prst="roundRect">
-              <a:avLst/>
-            </a:prstGeom>
-            <a:solidFill>
-              <a:srgbClr val="E9EDF4"/>
-            </a:solidFill>
-            <a:ln w="9525">
-              <a:solidFill>
-                <a:schemeClr val="bg1">
-                  <a:lumMod val="65000"/>
-                </a:schemeClr>
-              </a:solidFill>
-            </a:ln>
-          </p:spPr>
-          <p:style>
-            <a:lnRef idx="2">
-              <a:schemeClr val="accent1">
-                <a:shade val="15000"/>
-              </a:schemeClr>
-            </a:lnRef>
-            <a:fillRef idx="1">
-              <a:schemeClr val="accent1"/>
-            </a:fillRef>
-            <a:effectRef idx="0">
-              <a:schemeClr val="accent1"/>
-            </a:effectRef>
-            <a:fontRef idx="minor">
-              <a:schemeClr val="lt1"/>
-            </a:fontRef>
-          </p:style>
-          <p:txBody>
-            <a:bodyPr rtlCol="0" anchor="ctr"/>
-            <a:lstStyle/>
-            <a:p>
-              <a:pPr algn="ctr"/>
-              <a:endParaRPr lang="ko-KR" altLang="en-US" sz="1600" dirty="0"/>
-            </a:p>
-          </p:txBody>
-        </p:sp>
-        <p:sp>
-          <p:nvSpPr>
-            <p:cNvPr id="97" name="순서도: 대체 처리 96">
-              <a:extLst>
-                <a:ext uri="{FF2B5EF4-FFF2-40B4-BE49-F238E27FC236}">
-                  <a16:creationId xmlns:a16="http://schemas.microsoft.com/office/drawing/2014/main" id="{923953BE-8EA0-B32F-A830-530DC8995853}"/>
-                </a:ext>
-              </a:extLst>
-            </p:cNvPr>
-            <p:cNvSpPr/>
-            <p:nvPr/>
-          </p:nvSpPr>
-          <p:spPr>
-            <a:xfrm>
-              <a:off x="5922310" y="1935222"/>
-              <a:ext cx="1803159" cy="406313"/>
-            </a:xfrm>
-            <a:prstGeom prst="flowChartAlternateProcess">
-              <a:avLst/>
-            </a:prstGeom>
-            <a:solidFill>
-              <a:schemeClr val="tx2">
-                <a:lumMod val="20000"/>
-                <a:lumOff val="80000"/>
-              </a:schemeClr>
-            </a:solidFill>
-            <a:ln>
-              <a:noFill/>
-            </a:ln>
-          </p:spPr>
-          <p:style>
-            <a:lnRef idx="2">
-              <a:schemeClr val="accent1">
-                <a:shade val="15000"/>
-              </a:schemeClr>
-            </a:lnRef>
-            <a:fillRef idx="1">
-              <a:schemeClr val="accent1"/>
-            </a:fillRef>
-            <a:effectRef idx="0">
-              <a:schemeClr val="accent1"/>
-            </a:effectRef>
-            <a:fontRef idx="minor">
-              <a:schemeClr val="lt1"/>
-            </a:fontRef>
-          </p:style>
-          <p:txBody>
-            <a:bodyPr rtlCol="0" anchor="ctr"/>
-            <a:lstStyle/>
-            <a:p>
-              <a:pPr algn="ctr"/>
-              <a:r>
-                <a:rPr lang="en-US" altLang="ko-KR" sz="1600" b="0" i="0" dirty="0">
-                  <a:solidFill>
-                    <a:srgbClr val="000000"/>
-                  </a:solidFill>
-                  <a:effectLst/>
-                  <a:latin typeface="noto"/>
-                </a:rPr>
-                <a:t>Select a Model</a:t>
-              </a:r>
-              <a:endParaRPr lang="ko-KR" altLang="en-US" sz="1600" dirty="0"/>
-            </a:p>
-          </p:txBody>
-        </p:sp>
-        <p:sp>
-          <p:nvSpPr>
-            <p:cNvPr id="98" name="순서도: 대체 처리 97">
-              <a:extLst>
-                <a:ext uri="{FF2B5EF4-FFF2-40B4-BE49-F238E27FC236}">
-                  <a16:creationId xmlns:a16="http://schemas.microsoft.com/office/drawing/2014/main" id="{67F10F5A-5D30-1585-534F-8E2EA9A715BA}"/>
-                </a:ext>
-              </a:extLst>
-            </p:cNvPr>
-            <p:cNvSpPr/>
-            <p:nvPr/>
-          </p:nvSpPr>
-          <p:spPr>
-            <a:xfrm>
-              <a:off x="5922310" y="2446506"/>
-              <a:ext cx="1803159" cy="269972"/>
-            </a:xfrm>
-            <a:prstGeom prst="flowChartAlternateProcess">
-              <a:avLst/>
-            </a:prstGeom>
-            <a:solidFill>
-              <a:schemeClr val="accent5">
-                <a:lumMod val="20000"/>
-                <a:lumOff val="80000"/>
-              </a:schemeClr>
-            </a:solidFill>
-            <a:ln w="3175">
-              <a:solidFill>
-                <a:schemeClr val="tx2">
-                  <a:lumMod val="20000"/>
-                  <a:lumOff val="80000"/>
-                </a:schemeClr>
-              </a:solidFill>
-            </a:ln>
-          </p:spPr>
-          <p:style>
-            <a:lnRef idx="2">
-              <a:schemeClr val="accent1">
-                <a:shade val="15000"/>
-              </a:schemeClr>
-            </a:lnRef>
-            <a:fillRef idx="1">
-              <a:schemeClr val="accent1"/>
-            </a:fillRef>
-            <a:effectRef idx="0">
-              <a:schemeClr val="accent1"/>
-            </a:effectRef>
-            <a:fontRef idx="minor">
-              <a:schemeClr val="lt1"/>
-            </a:fontRef>
-          </p:style>
-          <p:txBody>
-            <a:bodyPr rtlCol="0" anchor="ctr"/>
-            <a:lstStyle/>
-            <a:p>
-              <a:pPr algn="ctr"/>
-              <a:r>
-                <a:rPr lang="en-US" altLang="ko-KR" sz="1400" dirty="0" err="1">
-                  <a:solidFill>
-                    <a:schemeClr val="tx1"/>
-                  </a:solidFill>
-                </a:rPr>
-                <a:t>CatBoost</a:t>
-              </a:r>
-              <a:r>
-                <a:rPr lang="en-US" altLang="ko-KR" sz="1400" dirty="0">
-                  <a:solidFill>
-                    <a:schemeClr val="tx1"/>
-                  </a:solidFill>
-                </a:rPr>
-                <a:t> Regressor</a:t>
-              </a:r>
-              <a:endParaRPr lang="ko-KR" altLang="en-US" sz="1400" dirty="0">
-                <a:solidFill>
-                  <a:schemeClr val="tx1"/>
-                </a:solidFill>
-              </a:endParaRPr>
-            </a:p>
-          </p:txBody>
-        </p:sp>
-        <p:cxnSp>
-          <p:nvCxnSpPr>
-            <p:cNvPr id="101" name="연결선: 꺾임 100">
-              <a:extLst>
-                <a:ext uri="{FF2B5EF4-FFF2-40B4-BE49-F238E27FC236}">
-                  <a16:creationId xmlns:a16="http://schemas.microsoft.com/office/drawing/2014/main" id="{BFCFF96C-2EB4-43E5-7AA6-F63091642430}"/>
+                  <a16:creationId xmlns:a16="http://schemas.microsoft.com/office/drawing/2014/main" id="{F8E470EB-A628-F0B1-87A7-D8825B6BD488}"/>
                 </a:ext>
               </a:extLst>
             </p:cNvPr>
             <p:cNvCxnSpPr>
-              <a:cxnSpLocks/>
-              <a:stCxn id="57" idx="3"/>
-              <a:endCxn id="98" idx="1"/>
+              <a:stCxn id="105" idx="2"/>
+              <a:endCxn id="132" idx="0"/>
             </p:cNvCxnSpPr>
             <p:nvPr/>
           </p:nvCxnSpPr>
           <p:spPr>
-            <a:xfrm flipV="1">
-              <a:off x="5300616" y="2581492"/>
-              <a:ext cx="621694" cy="1247477"/>
+            <a:xfrm>
+              <a:off x="6823887" y="3947142"/>
+              <a:ext cx="0" cy="161324"/>
             </a:xfrm>
-            <a:prstGeom prst="bentConnector3">
-              <a:avLst>
-                <a:gd name="adj1" fmla="val 50000"/>
-              </a:avLst>
+            <a:prstGeom prst="straightConnector1">
+              <a:avLst/>
             </a:prstGeom>
             <a:ln>
               <a:tailEnd type="triangle"/>
@@ -13459,217 +14376,24 @@
             </a:fontRef>
           </p:style>
         </p:cxnSp>
-        <p:sp>
-          <p:nvSpPr>
-            <p:cNvPr id="105" name="사각형: 둥근 모서리 104">
+        <p:cxnSp>
+          <p:nvCxnSpPr>
+            <p:cNvPr id="21" name="직선 연결선 20">
               <a:extLst>
                 <a:ext uri="{FF2B5EF4-FFF2-40B4-BE49-F238E27FC236}">
-                  <a16:creationId xmlns:a16="http://schemas.microsoft.com/office/drawing/2014/main" id="{EAB4375C-E338-F503-A518-EBBA3FF44CA1}"/>
-                </a:ext>
-              </a:extLst>
-            </p:cNvPr>
-            <p:cNvSpPr/>
-            <p:nvPr/>
-          </p:nvSpPr>
-          <p:spPr>
-            <a:xfrm>
-              <a:off x="5830334" y="2973146"/>
-              <a:ext cx="1987105" cy="973996"/>
-            </a:xfrm>
-            <a:prstGeom prst="roundRect">
-              <a:avLst/>
-            </a:prstGeom>
-            <a:solidFill>
-              <a:srgbClr val="E9EDF4"/>
-            </a:solidFill>
-            <a:ln w="9525">
-              <a:solidFill>
-                <a:schemeClr val="bg1">
-                  <a:lumMod val="65000"/>
-                </a:schemeClr>
-              </a:solidFill>
-            </a:ln>
-          </p:spPr>
-          <p:style>
-            <a:lnRef idx="2">
-              <a:schemeClr val="accent1">
-                <a:shade val="15000"/>
-              </a:schemeClr>
-            </a:lnRef>
-            <a:fillRef idx="1">
-              <a:schemeClr val="accent1"/>
-            </a:fillRef>
-            <a:effectRef idx="0">
-              <a:schemeClr val="accent1"/>
-            </a:effectRef>
-            <a:fontRef idx="minor">
-              <a:schemeClr val="lt1"/>
-            </a:fontRef>
-          </p:style>
-          <p:txBody>
-            <a:bodyPr rtlCol="0" anchor="ctr"/>
-            <a:lstStyle/>
-            <a:p>
-              <a:pPr algn="ctr"/>
-              <a:endParaRPr lang="ko-KR" altLang="en-US" sz="1600" dirty="0"/>
-            </a:p>
-          </p:txBody>
-        </p:sp>
-        <p:sp>
-          <p:nvSpPr>
-            <p:cNvPr id="106" name="순서도: 대체 처리 105">
-              <a:extLst>
-                <a:ext uri="{FF2B5EF4-FFF2-40B4-BE49-F238E27FC236}">
-                  <a16:creationId xmlns:a16="http://schemas.microsoft.com/office/drawing/2014/main" id="{53C2DE4F-4272-60A5-0E29-57CC3D586C5D}"/>
-                </a:ext>
-              </a:extLst>
-            </p:cNvPr>
-            <p:cNvSpPr/>
-            <p:nvPr/>
-          </p:nvSpPr>
-          <p:spPr>
-            <a:xfrm>
-              <a:off x="5922308" y="3070542"/>
-              <a:ext cx="1803159" cy="406313"/>
-            </a:xfrm>
-            <a:prstGeom prst="flowChartAlternateProcess">
-              <a:avLst/>
-            </a:prstGeom>
-            <a:solidFill>
-              <a:schemeClr val="tx2">
-                <a:lumMod val="20000"/>
-                <a:lumOff val="80000"/>
-              </a:schemeClr>
-            </a:solidFill>
-            <a:ln>
-              <a:noFill/>
-            </a:ln>
-          </p:spPr>
-          <p:style>
-            <a:lnRef idx="2">
-              <a:schemeClr val="accent1">
-                <a:shade val="15000"/>
-              </a:schemeClr>
-            </a:lnRef>
-            <a:fillRef idx="1">
-              <a:schemeClr val="accent1"/>
-            </a:fillRef>
-            <a:effectRef idx="0">
-              <a:schemeClr val="accent1"/>
-            </a:effectRef>
-            <a:fontRef idx="minor">
-              <a:schemeClr val="lt1"/>
-            </a:fontRef>
-          </p:style>
-          <p:txBody>
-            <a:bodyPr rtlCol="0" anchor="ctr"/>
-            <a:lstStyle/>
-            <a:p>
-              <a:pPr algn="ctr"/>
-              <a:r>
-                <a:rPr lang="en-US" altLang="ko-KR" sz="1600" b="0" i="0" dirty="0">
-                  <a:solidFill>
-                    <a:srgbClr val="000000"/>
-                  </a:solidFill>
-                  <a:effectLst/>
-                  <a:latin typeface="noto"/>
-                </a:rPr>
-                <a:t>Model Optimization</a:t>
-              </a:r>
-              <a:endParaRPr lang="ko-KR" altLang="en-US" sz="1600" dirty="0"/>
-            </a:p>
-          </p:txBody>
-        </p:sp>
-        <p:sp>
-          <p:nvSpPr>
-            <p:cNvPr id="107" name="순서도: 대체 처리 106">
-              <a:extLst>
-                <a:ext uri="{FF2B5EF4-FFF2-40B4-BE49-F238E27FC236}">
-                  <a16:creationId xmlns:a16="http://schemas.microsoft.com/office/drawing/2014/main" id="{6657868F-ADB0-1DE0-7712-D3B81052601A}"/>
-                </a:ext>
-              </a:extLst>
-            </p:cNvPr>
-            <p:cNvSpPr/>
-            <p:nvPr/>
-          </p:nvSpPr>
-          <p:spPr>
-            <a:xfrm>
-              <a:off x="5922308" y="3581826"/>
-              <a:ext cx="1803159" cy="269972"/>
-            </a:xfrm>
-            <a:prstGeom prst="flowChartAlternateProcess">
-              <a:avLst/>
-            </a:prstGeom>
-            <a:solidFill>
-              <a:schemeClr val="accent5">
-                <a:lumMod val="20000"/>
-                <a:lumOff val="80000"/>
-              </a:schemeClr>
-            </a:solidFill>
-            <a:ln w="3175">
-              <a:solidFill>
-                <a:schemeClr val="tx2">
-                  <a:lumMod val="20000"/>
-                  <a:lumOff val="80000"/>
-                </a:schemeClr>
-              </a:solidFill>
-            </a:ln>
-          </p:spPr>
-          <p:style>
-            <a:lnRef idx="2">
-              <a:schemeClr val="accent1">
-                <a:shade val="15000"/>
-              </a:schemeClr>
-            </a:lnRef>
-            <a:fillRef idx="1">
-              <a:schemeClr val="accent1"/>
-            </a:fillRef>
-            <a:effectRef idx="0">
-              <a:schemeClr val="accent1"/>
-            </a:effectRef>
-            <a:fontRef idx="minor">
-              <a:schemeClr val="lt1"/>
-            </a:fontRef>
-          </p:style>
-          <p:txBody>
-            <a:bodyPr rtlCol="0" anchor="ctr"/>
-            <a:lstStyle/>
-            <a:p>
-              <a:pPr algn="ctr"/>
-              <a:r>
-                <a:rPr lang="en-US" altLang="ko-KR" sz="1400" dirty="0">
-                  <a:solidFill>
-                    <a:schemeClr val="tx1"/>
-                  </a:solidFill>
-                </a:rPr>
-                <a:t>Genetic Algorithm</a:t>
-              </a:r>
-              <a:endParaRPr lang="ko-KR" altLang="en-US" sz="1400" dirty="0">
-                <a:solidFill>
-                  <a:schemeClr val="tx1"/>
-                </a:solidFill>
-              </a:endParaRPr>
-            </a:p>
-          </p:txBody>
-        </p:sp>
-        <p:cxnSp>
-          <p:nvCxnSpPr>
-            <p:cNvPr id="109" name="직선 연결선 108">
-              <a:extLst>
-                <a:ext uri="{FF2B5EF4-FFF2-40B4-BE49-F238E27FC236}">
-                  <a16:creationId xmlns:a16="http://schemas.microsoft.com/office/drawing/2014/main" id="{F085E947-4571-1634-C043-720755A4C87B}"/>
+                  <a16:creationId xmlns:a16="http://schemas.microsoft.com/office/drawing/2014/main" id="{92EA2C6D-07E6-E964-DBF7-76F9AD4DE834}"/>
                 </a:ext>
               </a:extLst>
             </p:cNvPr>
             <p:cNvCxnSpPr>
-              <a:stCxn id="97" idx="2"/>
-              <a:endCxn id="98" idx="0"/>
+              <a:stCxn id="133" idx="2"/>
+              <a:endCxn id="134" idx="0"/>
             </p:cNvCxnSpPr>
             <p:nvPr/>
           </p:nvCxnSpPr>
           <p:spPr>
             <a:xfrm>
-              <a:off x="6823890" y="2341535"/>
+              <a:off x="6813491" y="4639180"/>
               <a:ext cx="0" cy="104971"/>
             </a:xfrm>
             <a:prstGeom prst="line">
@@ -13693,23 +14417,23 @@
         </p:cxnSp>
         <p:cxnSp>
           <p:nvCxnSpPr>
-            <p:cNvPr id="111" name="직선 연결선 110">
+            <p:cNvPr id="30" name="직선 연결선 29">
               <a:extLst>
                 <a:ext uri="{FF2B5EF4-FFF2-40B4-BE49-F238E27FC236}">
-                  <a16:creationId xmlns:a16="http://schemas.microsoft.com/office/drawing/2014/main" id="{37C1CD6F-07A2-1EB0-08EB-07B6F0236C65}"/>
+                  <a16:creationId xmlns:a16="http://schemas.microsoft.com/office/drawing/2014/main" id="{16E7D7C3-E7FC-F98F-1C0E-A6D36750B350}"/>
                 </a:ext>
               </a:extLst>
             </p:cNvPr>
             <p:cNvCxnSpPr>
-              <a:stCxn id="106" idx="2"/>
-              <a:endCxn id="107" idx="0"/>
+              <a:stCxn id="134" idx="2"/>
+              <a:endCxn id="135" idx="0"/>
             </p:cNvCxnSpPr>
             <p:nvPr/>
           </p:nvCxnSpPr>
           <p:spPr>
             <a:xfrm>
-              <a:off x="6823888" y="3476855"/>
-              <a:ext cx="0" cy="104971"/>
+              <a:off x="6813491" y="5014123"/>
+              <a:ext cx="0" cy="68396"/>
             </a:xfrm>
             <a:prstGeom prst="line">
               <a:avLst/>
@@ -13732,30 +14456,27 @@
         </p:cxnSp>
         <p:cxnSp>
           <p:nvCxnSpPr>
-            <p:cNvPr id="113" name="연결선: 꺾임 112">
+            <p:cNvPr id="32" name="직선 연결선 31">
               <a:extLst>
                 <a:ext uri="{FF2B5EF4-FFF2-40B4-BE49-F238E27FC236}">
-                  <a16:creationId xmlns:a16="http://schemas.microsoft.com/office/drawing/2014/main" id="{6DBD2A15-30F8-FF90-FC1E-C8769E7C4B5D}"/>
+                  <a16:creationId xmlns:a16="http://schemas.microsoft.com/office/drawing/2014/main" id="{E2F0450D-C3C8-5398-CD72-913394793664}"/>
                 </a:ext>
               </a:extLst>
             </p:cNvPr>
             <p:cNvCxnSpPr>
-              <a:stCxn id="96" idx="2"/>
-              <a:endCxn id="105" idx="0"/>
+              <a:cxnSpLocks/>
+              <a:stCxn id="136" idx="0"/>
             </p:cNvCxnSpPr>
             <p:nvPr/>
           </p:nvCxnSpPr>
           <p:spPr>
-            <a:xfrm rot="5400000">
-              <a:off x="6743226" y="2892483"/>
-              <a:ext cx="161324" cy="2"/>
+            <a:xfrm flipV="1">
+              <a:off x="6813491" y="5352491"/>
+              <a:ext cx="0" cy="64862"/>
             </a:xfrm>
-            <a:prstGeom prst="bentConnector3">
+            <a:prstGeom prst="line">
               <a:avLst/>
             </a:prstGeom>
-            <a:ln>
-              <a:tailEnd type="triangle"/>
-            </a:ln>
           </p:spPr>
           <p:style>
             <a:lnRef idx="1">
@@ -13772,546 +14493,6 @@
             </a:fontRef>
           </p:style>
         </p:cxnSp>
-        <p:cxnSp>
-          <p:nvCxnSpPr>
-            <p:cNvPr id="122" name="연결선: 꺾임 121">
-              <a:extLst>
-                <a:ext uri="{FF2B5EF4-FFF2-40B4-BE49-F238E27FC236}">
-                  <a16:creationId xmlns:a16="http://schemas.microsoft.com/office/drawing/2014/main" id="{4E061B05-39D7-6711-6D0A-2574D214BE14}"/>
-                </a:ext>
-              </a:extLst>
-            </p:cNvPr>
-            <p:cNvCxnSpPr>
-              <a:cxnSpLocks/>
-              <a:stCxn id="98" idx="3"/>
-              <a:endCxn id="107" idx="3"/>
-            </p:cNvCxnSpPr>
-            <p:nvPr/>
-          </p:nvCxnSpPr>
-          <p:spPr>
-            <a:xfrm flipH="1">
-              <a:off x="7725467" y="2581492"/>
-              <a:ext cx="2" cy="1135320"/>
-            </a:xfrm>
-            <a:prstGeom prst="bentConnector3">
-              <a:avLst>
-                <a:gd name="adj1" fmla="val -2147483647"/>
-              </a:avLst>
-            </a:prstGeom>
-            <a:ln>
-              <a:headEnd type="triangle"/>
-              <a:tailEnd type="triangle"/>
-            </a:ln>
-          </p:spPr>
-          <p:style>
-            <a:lnRef idx="1">
-              <a:schemeClr val="accent1"/>
-            </a:lnRef>
-            <a:fillRef idx="0">
-              <a:schemeClr val="accent1"/>
-            </a:fillRef>
-            <a:effectRef idx="0">
-              <a:schemeClr val="accent1"/>
-            </a:effectRef>
-            <a:fontRef idx="minor">
-              <a:schemeClr val="tx1"/>
-            </a:fontRef>
-          </p:style>
-        </p:cxnSp>
-        <p:cxnSp>
-          <p:nvCxnSpPr>
-            <p:cNvPr id="128" name="연결선: 꺾임 127">
-              <a:extLst>
-                <a:ext uri="{FF2B5EF4-FFF2-40B4-BE49-F238E27FC236}">
-                  <a16:creationId xmlns:a16="http://schemas.microsoft.com/office/drawing/2014/main" id="{576F1F79-7319-F8FC-7B6E-69420E5093BF}"/>
-                </a:ext>
-              </a:extLst>
-            </p:cNvPr>
-            <p:cNvCxnSpPr>
-              <a:cxnSpLocks/>
-              <a:stCxn id="69" idx="3"/>
-              <a:endCxn id="96" idx="1"/>
-            </p:cNvCxnSpPr>
-            <p:nvPr/>
-          </p:nvCxnSpPr>
-          <p:spPr>
-            <a:xfrm flipV="1">
-              <a:off x="5402986" y="2324824"/>
-              <a:ext cx="427350" cy="2788799"/>
-            </a:xfrm>
-            <a:prstGeom prst="bentConnector3">
-              <a:avLst>
-                <a:gd name="adj1" fmla="val 50000"/>
-              </a:avLst>
-            </a:prstGeom>
-            <a:ln w="19050">
-              <a:solidFill>
-                <a:schemeClr val="tx2">
-                  <a:lumMod val="75000"/>
-                </a:schemeClr>
-              </a:solidFill>
-              <a:tailEnd type="triangle"/>
-            </a:ln>
-          </p:spPr>
-          <p:style>
-            <a:lnRef idx="1">
-              <a:schemeClr val="accent1"/>
-            </a:lnRef>
-            <a:fillRef idx="0">
-              <a:schemeClr val="accent1"/>
-            </a:fillRef>
-            <a:effectRef idx="0">
-              <a:schemeClr val="accent1"/>
-            </a:effectRef>
-            <a:fontRef idx="minor">
-              <a:schemeClr val="tx1"/>
-            </a:fontRef>
-          </p:style>
-        </p:cxnSp>
-        <p:sp>
-          <p:nvSpPr>
-            <p:cNvPr id="132" name="사각형: 둥근 모서리 131">
-              <a:extLst>
-                <a:ext uri="{FF2B5EF4-FFF2-40B4-BE49-F238E27FC236}">
-                  <a16:creationId xmlns:a16="http://schemas.microsoft.com/office/drawing/2014/main" id="{079872D0-0CA0-3595-24DB-F291600C213C}"/>
-                </a:ext>
-              </a:extLst>
-            </p:cNvPr>
-            <p:cNvSpPr/>
-            <p:nvPr/>
-          </p:nvSpPr>
-          <p:spPr>
-            <a:xfrm>
-              <a:off x="5830334" y="4108466"/>
-              <a:ext cx="1987105" cy="1718982"/>
-            </a:xfrm>
-            <a:prstGeom prst="roundRect">
-              <a:avLst>
-                <a:gd name="adj" fmla="val 9101"/>
-              </a:avLst>
-            </a:prstGeom>
-            <a:solidFill>
-              <a:srgbClr val="E9EDF4"/>
-            </a:solidFill>
-            <a:ln w="9525">
-              <a:solidFill>
-                <a:schemeClr val="bg1">
-                  <a:lumMod val="65000"/>
-                </a:schemeClr>
-              </a:solidFill>
-            </a:ln>
-          </p:spPr>
-          <p:style>
-            <a:lnRef idx="2">
-              <a:schemeClr val="accent1">
-                <a:shade val="15000"/>
-              </a:schemeClr>
-            </a:lnRef>
-            <a:fillRef idx="1">
-              <a:schemeClr val="accent1"/>
-            </a:fillRef>
-            <a:effectRef idx="0">
-              <a:schemeClr val="accent1"/>
-            </a:effectRef>
-            <a:fontRef idx="minor">
-              <a:schemeClr val="lt1"/>
-            </a:fontRef>
-          </p:style>
-          <p:txBody>
-            <a:bodyPr rtlCol="0" anchor="ctr"/>
-            <a:lstStyle/>
-            <a:p>
-              <a:pPr algn="ctr"/>
-              <a:endParaRPr lang="ko-KR" altLang="en-US" sz="1600" dirty="0"/>
-            </a:p>
-          </p:txBody>
-        </p:sp>
-        <p:sp>
-          <p:nvSpPr>
-            <p:cNvPr id="133" name="순서도: 대체 처리 132">
-              <a:extLst>
-                <a:ext uri="{FF2B5EF4-FFF2-40B4-BE49-F238E27FC236}">
-                  <a16:creationId xmlns:a16="http://schemas.microsoft.com/office/drawing/2014/main" id="{5BB59CCD-6B25-EA0B-884C-9C7CAC3C59C4}"/>
-                </a:ext>
-              </a:extLst>
-            </p:cNvPr>
-            <p:cNvSpPr/>
-            <p:nvPr/>
-          </p:nvSpPr>
-          <p:spPr>
-            <a:xfrm>
-              <a:off x="5911911" y="4232867"/>
-              <a:ext cx="1803159" cy="406313"/>
-            </a:xfrm>
-            <a:prstGeom prst="flowChartAlternateProcess">
-              <a:avLst/>
-            </a:prstGeom>
-            <a:solidFill>
-              <a:schemeClr val="tx2">
-                <a:lumMod val="20000"/>
-                <a:lumOff val="80000"/>
-              </a:schemeClr>
-            </a:solidFill>
-            <a:ln>
-              <a:noFill/>
-            </a:ln>
-          </p:spPr>
-          <p:style>
-            <a:lnRef idx="2">
-              <a:schemeClr val="accent1">
-                <a:shade val="15000"/>
-              </a:schemeClr>
-            </a:lnRef>
-            <a:fillRef idx="1">
-              <a:schemeClr val="accent1"/>
-            </a:fillRef>
-            <a:effectRef idx="0">
-              <a:schemeClr val="accent1"/>
-            </a:effectRef>
-            <a:fontRef idx="minor">
-              <a:schemeClr val="lt1"/>
-            </a:fontRef>
-          </p:style>
-          <p:txBody>
-            <a:bodyPr rtlCol="0" anchor="ctr"/>
-            <a:lstStyle/>
-            <a:p>
-              <a:pPr algn="ctr"/>
-              <a:r>
-                <a:rPr lang="en-US" altLang="ko-KR" sz="1600" b="0" i="0" dirty="0">
-                  <a:solidFill>
-                    <a:srgbClr val="000000"/>
-                  </a:solidFill>
-                  <a:effectLst/>
-                  <a:latin typeface="noto"/>
-                </a:rPr>
-                <a:t>Model Final Evaluation</a:t>
-              </a:r>
-              <a:endParaRPr lang="ko-KR" altLang="en-US" sz="1600" dirty="0"/>
-            </a:p>
-          </p:txBody>
-        </p:sp>
-        <p:sp>
-          <p:nvSpPr>
-            <p:cNvPr id="134" name="순서도: 대체 처리 133">
-              <a:extLst>
-                <a:ext uri="{FF2B5EF4-FFF2-40B4-BE49-F238E27FC236}">
-                  <a16:creationId xmlns:a16="http://schemas.microsoft.com/office/drawing/2014/main" id="{756898F7-614D-A3CB-ED82-402FE2D30F16}"/>
-                </a:ext>
-              </a:extLst>
-            </p:cNvPr>
-            <p:cNvSpPr/>
-            <p:nvPr/>
-          </p:nvSpPr>
-          <p:spPr>
-            <a:xfrm>
-              <a:off x="5911911" y="4744151"/>
-              <a:ext cx="1803159" cy="269972"/>
-            </a:xfrm>
-            <a:prstGeom prst="flowChartAlternateProcess">
-              <a:avLst/>
-            </a:prstGeom>
-            <a:solidFill>
-              <a:schemeClr val="accent5">
-                <a:lumMod val="20000"/>
-                <a:lumOff val="80000"/>
-              </a:schemeClr>
-            </a:solidFill>
-            <a:ln w="3175">
-              <a:solidFill>
-                <a:schemeClr val="tx2">
-                  <a:lumMod val="20000"/>
-                  <a:lumOff val="80000"/>
-                </a:schemeClr>
-              </a:solidFill>
-            </a:ln>
-          </p:spPr>
-          <p:style>
-            <a:lnRef idx="2">
-              <a:schemeClr val="accent1">
-                <a:shade val="15000"/>
-              </a:schemeClr>
-            </a:lnRef>
-            <a:fillRef idx="1">
-              <a:schemeClr val="accent1"/>
-            </a:fillRef>
-            <a:effectRef idx="0">
-              <a:schemeClr val="accent1"/>
-            </a:effectRef>
-            <a:fontRef idx="minor">
-              <a:schemeClr val="lt1"/>
-            </a:fontRef>
-          </p:style>
-          <p:txBody>
-            <a:bodyPr rtlCol="0" anchor="ctr"/>
-            <a:lstStyle/>
-            <a:p>
-              <a:pPr algn="ctr"/>
-              <a:r>
-                <a:rPr lang="en-US" altLang="ko-KR" sz="1400" dirty="0">
-                  <a:solidFill>
-                    <a:schemeClr val="tx1"/>
-                  </a:solidFill>
-                </a:rPr>
-                <a:t>RMSE</a:t>
-              </a:r>
-              <a:endParaRPr lang="ko-KR" altLang="en-US" sz="1400" dirty="0">
-                <a:solidFill>
-                  <a:schemeClr val="tx1"/>
-                </a:solidFill>
-              </a:endParaRPr>
-            </a:p>
-          </p:txBody>
-        </p:sp>
-        <p:sp>
-          <p:nvSpPr>
-            <p:cNvPr id="135" name="순서도: 대체 처리 134">
-              <a:extLst>
-                <a:ext uri="{FF2B5EF4-FFF2-40B4-BE49-F238E27FC236}">
-                  <a16:creationId xmlns:a16="http://schemas.microsoft.com/office/drawing/2014/main" id="{09D95BFE-5F80-2A07-10EA-976ABF9289F3}"/>
-                </a:ext>
-              </a:extLst>
-            </p:cNvPr>
-            <p:cNvSpPr/>
-            <p:nvPr/>
-          </p:nvSpPr>
-          <p:spPr>
-            <a:xfrm>
-              <a:off x="5911911" y="5082519"/>
-              <a:ext cx="1803159" cy="269972"/>
-            </a:xfrm>
-            <a:prstGeom prst="flowChartAlternateProcess">
-              <a:avLst/>
-            </a:prstGeom>
-            <a:solidFill>
-              <a:schemeClr val="accent5">
-                <a:lumMod val="20000"/>
-                <a:lumOff val="80000"/>
-              </a:schemeClr>
-            </a:solidFill>
-            <a:ln w="3175">
-              <a:solidFill>
-                <a:schemeClr val="tx2">
-                  <a:lumMod val="20000"/>
-                  <a:lumOff val="80000"/>
-                </a:schemeClr>
-              </a:solidFill>
-            </a:ln>
-          </p:spPr>
-          <p:style>
-            <a:lnRef idx="2">
-              <a:schemeClr val="accent1">
-                <a:shade val="15000"/>
-              </a:schemeClr>
-            </a:lnRef>
-            <a:fillRef idx="1">
-              <a:schemeClr val="accent1"/>
-            </a:fillRef>
-            <a:effectRef idx="0">
-              <a:schemeClr val="accent1"/>
-            </a:effectRef>
-            <a:fontRef idx="minor">
-              <a:schemeClr val="lt1"/>
-            </a:fontRef>
-          </p:style>
-          <p:txBody>
-            <a:bodyPr rtlCol="0" anchor="ctr"/>
-            <a:lstStyle/>
-            <a:p>
-              <a:pPr algn="ctr"/>
-              <a:r>
-                <a:rPr lang="en-US" altLang="ko-KR" sz="1400" dirty="0">
-                  <a:solidFill>
-                    <a:schemeClr val="tx1"/>
-                  </a:solidFill>
-                </a:rPr>
-                <a:t>MAE</a:t>
-              </a:r>
-              <a:endParaRPr lang="ko-KR" altLang="en-US" sz="1400" dirty="0">
-                <a:solidFill>
-                  <a:schemeClr val="tx1"/>
-                </a:solidFill>
-              </a:endParaRPr>
-            </a:p>
-          </p:txBody>
-        </p:sp>
-        <mc:AlternateContent xmlns:mc="http://schemas.openxmlformats.org/markup-compatibility/2006">
-          <mc:Choice xmlns:a14="http://schemas.microsoft.com/office/drawing/2010/main" Requires="a14">
-            <p:sp>
-              <p:nvSpPr>
-                <p:cNvPr id="136" name="순서도: 대체 처리 135">
-                  <a:extLst>
-                    <a:ext uri="{FF2B5EF4-FFF2-40B4-BE49-F238E27FC236}">
-                      <a16:creationId xmlns:a16="http://schemas.microsoft.com/office/drawing/2014/main" id="{A0A3DC9B-35E4-ED61-C111-8CD93143292C}"/>
-                    </a:ext>
-                  </a:extLst>
-                </p:cNvPr>
-                <p:cNvSpPr/>
-                <p:nvPr/>
-              </p:nvSpPr>
-              <p:spPr>
-                <a:xfrm>
-                  <a:off x="5911911" y="5417353"/>
-                  <a:ext cx="1803159" cy="269972"/>
-                </a:xfrm>
-                <a:prstGeom prst="flowChartAlternateProcess">
-                  <a:avLst/>
-                </a:prstGeom>
-                <a:solidFill>
-                  <a:schemeClr val="accent5">
-                    <a:lumMod val="20000"/>
-                    <a:lumOff val="80000"/>
-                  </a:schemeClr>
-                </a:solidFill>
-                <a:ln w="3175">
-                  <a:solidFill>
-                    <a:schemeClr val="tx2">
-                      <a:lumMod val="20000"/>
-                      <a:lumOff val="80000"/>
-                    </a:schemeClr>
-                  </a:solidFill>
-                </a:ln>
-              </p:spPr>
-              <p:style>
-                <a:lnRef idx="2">
-                  <a:schemeClr val="accent1">
-                    <a:shade val="15000"/>
-                  </a:schemeClr>
-                </a:lnRef>
-                <a:fillRef idx="1">
-                  <a:schemeClr val="accent1"/>
-                </a:fillRef>
-                <a:effectRef idx="0">
-                  <a:schemeClr val="accent1"/>
-                </a:effectRef>
-                <a:fontRef idx="minor">
-                  <a:schemeClr val="lt1"/>
-                </a:fontRef>
-              </p:style>
-              <p:txBody>
-                <a:bodyPr rtlCol="0" anchor="ctr"/>
-                <a:lstStyle/>
-                <a:p>
-                  <a:pPr algn="ctr"/>
-                  <a14:m>
-                    <m:oMath xmlns:m="http://schemas.openxmlformats.org/officeDocument/2006/math">
-                      <m:sSup>
-                        <m:sSupPr>
-                          <m:ctrlPr>
-                            <a:rPr lang="pt-BR" altLang="ko-KR" sz="1400" i="1" smtClean="0">
-                              <a:solidFill>
-                                <a:schemeClr val="tx1"/>
-                              </a:solidFill>
-                              <a:latin typeface="+mn-ea"/>
-                            </a:rPr>
-                          </m:ctrlPr>
-                        </m:sSupPr>
-                        <m:e>
-                          <m:r>
-                            <a:rPr lang="en-US" altLang="ko-KR" sz="1400" b="0" i="1" smtClean="0">
-                              <a:solidFill>
-                                <a:schemeClr val="tx1"/>
-                              </a:solidFill>
-                              <a:latin typeface="+mn-ea"/>
-                            </a:rPr>
-                            <m:t>𝑅</m:t>
-                          </m:r>
-                        </m:e>
-                        <m:sup>
-                          <m:r>
-                            <a:rPr lang="pt-BR" altLang="ko-KR" sz="1400" i="1" smtClean="0">
-                              <a:solidFill>
-                                <a:schemeClr val="tx1"/>
-                              </a:solidFill>
-                              <a:latin typeface="+mn-ea"/>
-                            </a:rPr>
-                            <m:t>2</m:t>
-                          </m:r>
-                        </m:sup>
-                      </m:sSup>
-                      <m:r>
-                        <a:rPr lang="en-US" altLang="ko-KR" sz="1400" b="0" i="1" smtClean="0">
-                          <a:solidFill>
-                            <a:schemeClr val="tx1"/>
-                          </a:solidFill>
-                          <a:latin typeface="+mn-ea"/>
-                        </a:rPr>
-                        <m:t> </m:t>
-                      </m:r>
-                    </m:oMath>
-                  </a14:m>
-                  <a:r>
-                    <a:rPr lang="en-US" altLang="ko-KR" sz="1400" dirty="0">
-                      <a:solidFill>
-                        <a:schemeClr val="tx1"/>
-                      </a:solidFill>
-                      <a:latin typeface="+mn-ea"/>
-                    </a:rPr>
-                    <a:t>score</a:t>
-                  </a:r>
-                  <a:endParaRPr lang="ko-KR" altLang="en-US" sz="1400" dirty="0">
-                    <a:solidFill>
-                      <a:schemeClr val="tx1"/>
-                    </a:solidFill>
-                    <a:latin typeface="+mn-ea"/>
-                  </a:endParaRPr>
-                </a:p>
-              </p:txBody>
-            </p:sp>
-          </mc:Choice>
-          <mc:Fallback>
-            <p:sp>
-              <p:nvSpPr>
-                <p:cNvPr id="136" name="순서도: 대체 처리 135">
-                  <a:extLst>
-                    <a:ext uri="{FF2B5EF4-FFF2-40B4-BE49-F238E27FC236}">
-                      <a16:creationId xmlns:a16="http://schemas.microsoft.com/office/drawing/2014/main" id="{A0A3DC9B-35E4-ED61-C111-8CD93143292C}"/>
-                    </a:ext>
-                  </a:extLst>
-                </p:cNvPr>
-                <p:cNvSpPr>
-                  <a:spLocks noRot="1" noChangeAspect="1" noMove="1" noResize="1" noEditPoints="1" noAdjustHandles="1" noChangeArrowheads="1" noChangeShapeType="1" noTextEdit="1"/>
-                </p:cNvSpPr>
-                <p:nvPr/>
-              </p:nvSpPr>
-              <p:spPr>
-                <a:xfrm>
-                  <a:off x="5911911" y="5417353"/>
-                  <a:ext cx="1803159" cy="269972"/>
-                </a:xfrm>
-                <a:prstGeom prst="flowChartAlternateProcess">
-                  <a:avLst/>
-                </a:prstGeom>
-                <a:blipFill>
-                  <a:blip r:embed="rId3"/>
-                  <a:stretch>
-                    <a:fillRect t="-11111" b="-26667"/>
-                  </a:stretch>
-                </a:blipFill>
-                <a:ln w="3175">
-                  <a:solidFill>
-                    <a:schemeClr val="tx2">
-                      <a:lumMod val="20000"/>
-                      <a:lumOff val="80000"/>
-                    </a:schemeClr>
-                  </a:solidFill>
-                </a:ln>
-              </p:spPr>
-              <p:txBody>
-                <a:bodyPr/>
-                <a:lstStyle/>
-                <a:p>
-                  <a:r>
-                    <a:rPr lang="ko-KR" altLang="en-US">
-                      <a:noFill/>
-                    </a:rPr>
-                    <a:t> </a:t>
-                  </a:r>
-                </a:p>
-              </p:txBody>
-            </p:sp>
-          </mc:Fallback>
-        </mc:AlternateContent>
       </p:grpSp>
     </p:spTree>
     <p:extLst>
@@ -14574,7 +14755,7 @@
           <a:p>
             <a:fld id="{C663991F-23CA-4990-8735-245BB593101D}" type="datetime1">
               <a:rPr lang="ko-KR" altLang="en-US" smtClean="0"/>
-              <a:t>2024-10-20</a:t>
+              <a:t>2024-10-22</a:t>
             </a:fld>
             <a:endParaRPr lang="ko-KR" altLang="en-US"/>
           </a:p>
@@ -14869,7 +15050,7 @@
           <a:p>
             <a:fld id="{C663991F-23CA-4990-8735-245BB593101D}" type="datetime1">
               <a:rPr lang="ko-KR" altLang="en-US" smtClean="0"/>
-              <a:t>2024-10-20</a:t>
+              <a:t>2024-10-22</a:t>
             </a:fld>
             <a:endParaRPr lang="ko-KR" altLang="en-US"/>
           </a:p>
@@ -15285,7 +15466,7 @@
           <a:p>
             <a:fld id="{C663991F-23CA-4990-8735-245BB593101D}" type="datetime1">
               <a:rPr lang="ko-KR" altLang="en-US" smtClean="0"/>
-              <a:t>2024-10-20</a:t>
+              <a:t>2024-10-22</a:t>
             </a:fld>
             <a:endParaRPr lang="ko-KR" altLang="en-US"/>
           </a:p>
@@ -16009,7 +16190,7 @@
           <a:p>
             <a:fld id="{C663991F-23CA-4990-8735-245BB593101D}" type="datetime1">
               <a:rPr lang="ko-KR" altLang="en-US" smtClean="0"/>
-              <a:t>2024-10-20</a:t>
+              <a:t>2024-10-22</a:t>
             </a:fld>
             <a:endParaRPr lang="ko-KR" altLang="en-US"/>
           </a:p>
@@ -16236,7 +16417,7 @@
           <a:p>
             <a:fld id="{C663991F-23CA-4990-8735-245BB593101D}" type="datetime1">
               <a:rPr lang="ko-KR" altLang="en-US" smtClean="0"/>
-              <a:t>2024-10-20</a:t>
+              <a:t>2024-10-22</a:t>
             </a:fld>
             <a:endParaRPr lang="ko-KR" altLang="en-US"/>
           </a:p>
@@ -16445,7 +16626,7 @@
           <a:p>
             <a:fld id="{C663991F-23CA-4990-8735-245BB593101D}" type="datetime1">
               <a:rPr lang="ko-KR" altLang="en-US" smtClean="0"/>
-              <a:t>2024-10-20</a:t>
+              <a:t>2024-10-22</a:t>
             </a:fld>
             <a:endParaRPr lang="ko-KR" altLang="en-US"/>
           </a:p>
@@ -17035,7 +17216,7 @@
           <a:p>
             <a:fld id="{C663991F-23CA-4990-8735-245BB593101D}" type="datetime1">
               <a:rPr lang="ko-KR" altLang="en-US" smtClean="0"/>
-              <a:t>2024-10-20</a:t>
+              <a:t>2024-10-22</a:t>
             </a:fld>
             <a:endParaRPr lang="ko-KR" altLang="en-US"/>
           </a:p>
